--- a/AI_TEST/Presentation1.pptx
+++ b/AI_TEST/Presentation1.pptx
@@ -2,13 +2,15 @@
 <file path=ppt/presentation.xml><?xml version="1.0" encoding="utf-8"?>
 <p:presentation xmlns:a="http://schemas.openxmlformats.org/drawingml/2006/main" xmlns:r="http://schemas.openxmlformats.org/officeDocument/2006/relationships" xmlns:p="http://schemas.openxmlformats.org/presentationml/2006/main" saveSubsetFonts="1" autoCompressPictures="0">
   <p:sldMasterIdLst>
-    <p:sldMasterId id="2147483648" r:id="rId1"/>
+    <p:sldMasterId id="2147483768" r:id="rId1"/>
   </p:sldMasterIdLst>
   <p:sldIdLst>
     <p:sldId id="258" r:id="rId2"/>
     <p:sldId id="259" r:id="rId3"/>
     <p:sldId id="260" r:id="rId4"/>
     <p:sldId id="261" r:id="rId5"/>
+    <p:sldId id="262" r:id="rId6"/>
+    <p:sldId id="263" r:id="rId7"/>
   </p:sldIdLst>
   <p:sldSz cx="12192000" cy="6858000"/>
   <p:notesSz cx="6858000" cy="9144000"/>
@@ -16,7 +18,7 @@
     <a:defPPr>
       <a:defRPr lang="en-US"/>
     </a:defPPr>
-    <a:lvl1pPr marL="0" algn="l" defTabSz="914400" rtl="0" eaLnBrk="1" latinLnBrk="0" hangingPunct="1">
+    <a:lvl1pPr marL="0" algn="l" defTabSz="457200" rtl="0" eaLnBrk="1" latinLnBrk="0" hangingPunct="1">
       <a:defRPr sz="1800" kern="1200">
         <a:solidFill>
           <a:schemeClr val="tx1"/>
@@ -26,7 +28,7 @@
         <a:cs typeface="+mn-cs"/>
       </a:defRPr>
     </a:lvl1pPr>
-    <a:lvl2pPr marL="457200" algn="l" defTabSz="914400" rtl="0" eaLnBrk="1" latinLnBrk="0" hangingPunct="1">
+    <a:lvl2pPr marL="457200" algn="l" defTabSz="457200" rtl="0" eaLnBrk="1" latinLnBrk="0" hangingPunct="1">
       <a:defRPr sz="1800" kern="1200">
         <a:solidFill>
           <a:schemeClr val="tx1"/>
@@ -36,7 +38,7 @@
         <a:cs typeface="+mn-cs"/>
       </a:defRPr>
     </a:lvl2pPr>
-    <a:lvl3pPr marL="914400" algn="l" defTabSz="914400" rtl="0" eaLnBrk="1" latinLnBrk="0" hangingPunct="1">
+    <a:lvl3pPr marL="914400" algn="l" defTabSz="457200" rtl="0" eaLnBrk="1" latinLnBrk="0" hangingPunct="1">
       <a:defRPr sz="1800" kern="1200">
         <a:solidFill>
           <a:schemeClr val="tx1"/>
@@ -46,7 +48,7 @@
         <a:cs typeface="+mn-cs"/>
       </a:defRPr>
     </a:lvl3pPr>
-    <a:lvl4pPr marL="1371600" algn="l" defTabSz="914400" rtl="0" eaLnBrk="1" latinLnBrk="0" hangingPunct="1">
+    <a:lvl4pPr marL="1371600" algn="l" defTabSz="457200" rtl="0" eaLnBrk="1" latinLnBrk="0" hangingPunct="1">
       <a:defRPr sz="1800" kern="1200">
         <a:solidFill>
           <a:schemeClr val="tx1"/>
@@ -56,7 +58,7 @@
         <a:cs typeface="+mn-cs"/>
       </a:defRPr>
     </a:lvl4pPr>
-    <a:lvl5pPr marL="1828800" algn="l" defTabSz="914400" rtl="0" eaLnBrk="1" latinLnBrk="0" hangingPunct="1">
+    <a:lvl5pPr marL="1828800" algn="l" defTabSz="457200" rtl="0" eaLnBrk="1" latinLnBrk="0" hangingPunct="1">
       <a:defRPr sz="1800" kern="1200">
         <a:solidFill>
           <a:schemeClr val="tx1"/>
@@ -66,7 +68,7 @@
         <a:cs typeface="+mn-cs"/>
       </a:defRPr>
     </a:lvl5pPr>
-    <a:lvl6pPr marL="2286000" algn="l" defTabSz="914400" rtl="0" eaLnBrk="1" latinLnBrk="0" hangingPunct="1">
+    <a:lvl6pPr marL="2286000" algn="l" defTabSz="457200" rtl="0" eaLnBrk="1" latinLnBrk="0" hangingPunct="1">
       <a:defRPr sz="1800" kern="1200">
         <a:solidFill>
           <a:schemeClr val="tx1"/>
@@ -76,7 +78,7 @@
         <a:cs typeface="+mn-cs"/>
       </a:defRPr>
     </a:lvl6pPr>
-    <a:lvl7pPr marL="2743200" algn="l" defTabSz="914400" rtl="0" eaLnBrk="1" latinLnBrk="0" hangingPunct="1">
+    <a:lvl7pPr marL="2743200" algn="l" defTabSz="457200" rtl="0" eaLnBrk="1" latinLnBrk="0" hangingPunct="1">
       <a:defRPr sz="1800" kern="1200">
         <a:solidFill>
           <a:schemeClr val="tx1"/>
@@ -86,7 +88,7 @@
         <a:cs typeface="+mn-cs"/>
       </a:defRPr>
     </a:lvl7pPr>
-    <a:lvl8pPr marL="3200400" algn="l" defTabSz="914400" rtl="0" eaLnBrk="1" latinLnBrk="0" hangingPunct="1">
+    <a:lvl8pPr marL="3200400" algn="l" defTabSz="457200" rtl="0" eaLnBrk="1" latinLnBrk="0" hangingPunct="1">
       <a:defRPr sz="1800" kern="1200">
         <a:solidFill>
           <a:schemeClr val="tx1"/>
@@ -96,7 +98,7 @@
         <a:cs typeface="+mn-cs"/>
       </a:defRPr>
     </a:lvl8pPr>
-    <a:lvl9pPr marL="3657600" algn="l" defTabSz="914400" rtl="0" eaLnBrk="1" latinLnBrk="0" hangingPunct="1">
+    <a:lvl9pPr marL="3657600" algn="l" defTabSz="457200" rtl="0" eaLnBrk="1" latinLnBrk="0" hangingPunct="1">
       <a:defRPr sz="1800" kern="1200">
         <a:solidFill>
           <a:schemeClr val="tx1"/>
@@ -107,6 +109,11 @@
       </a:defRPr>
     </a:lvl9pPr>
   </p:defaultTextStyle>
+  <p:extLst>
+    <p:ext uri="{EFAFB233-063F-42B5-8137-9DF3F51BA10A}">
+      <p15:sldGuideLst xmlns:p15="http://schemas.microsoft.com/office/powerpoint/2012/main"/>
+    </p:ext>
+  </p:extLst>
 </p:presentation>
 </file>
 
@@ -127,15 +134,39 @@
           <a:chExt cx="0" cy="0"/>
         </a:xfrm>
       </p:grpSpPr>
-      <p:sp>
-        <p:nvSpPr>
-          <p:cNvPr id="2" name="Title 1">
+      <p:pic>
+        <p:nvPicPr>
+          <p:cNvPr id="7" name="Picture 6" descr="Celestia-R1---OverlayTitleHD.png"/>
+          <p:cNvPicPr>
+            <a:picLocks noChangeAspect="1"/>
+          </p:cNvPicPr>
+          <p:nvPr/>
+        </p:nvPicPr>
+        <p:blipFill>
+          <a:blip r:embed="rId2">
             <a:extLst>
-              <a:ext uri="{FF2B5EF4-FFF2-40B4-BE49-F238E27FC236}">
-                <a16:creationId xmlns:a16="http://schemas.microsoft.com/office/drawing/2014/main" id="{8B7C56B9-7107-CE72-2862-69025259A9C2}"/>
+              <a:ext uri="{28A0092B-C50C-407E-A947-70E740481C1C}">
+                <a14:useLocalDpi xmlns:a14="http://schemas.microsoft.com/office/drawing/2010/main" val="0"/>
               </a:ext>
             </a:extLst>
-          </p:cNvPr>
+          </a:blip>
+          <a:stretch>
+            <a:fillRect/>
+          </a:stretch>
+        </p:blipFill>
+        <p:spPr>
+          <a:xfrm>
+            <a:off x="0" y="0"/>
+            <a:ext cx="12188825" cy="6856214"/>
+          </a:xfrm>
+          <a:prstGeom prst="rect">
+            <a:avLst/>
+          </a:prstGeom>
+        </p:spPr>
+      </p:pic>
+      <p:sp>
+        <p:nvSpPr>
+          <p:cNvPr id="2" name="Title 1"/>
           <p:cNvSpPr>
             <a:spLocks noGrp="1"/>
           </p:cNvSpPr>
@@ -145,15 +176,19 @@
         </p:nvSpPr>
         <p:spPr>
           <a:xfrm>
-            <a:off x="1524000" y="1122363"/>
-            <a:ext cx="9144000" cy="2387600"/>
-          </a:xfrm>
-        </p:spPr>
-        <p:txBody>
-          <a:bodyPr anchor="b"/>
+            <a:off x="3962399" y="1964267"/>
+            <a:ext cx="7197726" cy="2421464"/>
+          </a:xfrm>
+        </p:spPr>
+        <p:txBody>
+          <a:bodyPr anchor="b">
+            <a:normAutofit/>
+          </a:bodyPr>
           <a:lstStyle>
-            <a:lvl1pPr algn="ctr">
-              <a:defRPr sz="6000"/>
+            <a:lvl1pPr algn="r">
+              <a:defRPr sz="4800">
+                <a:effectLst/>
+              </a:defRPr>
             </a:lvl1pPr>
           </a:lstStyle>
           <a:p>
@@ -161,18 +196,13 @@
               <a:rPr lang="en-US"/>
               <a:t>Click to edit Master title style</a:t>
             </a:r>
-          </a:p>
-        </p:txBody>
-      </p:sp>
-      <p:sp>
-        <p:nvSpPr>
-          <p:cNvPr id="3" name="Subtitle 2">
-            <a:extLst>
-              <a:ext uri="{FF2B5EF4-FFF2-40B4-BE49-F238E27FC236}">
-                <a16:creationId xmlns:a16="http://schemas.microsoft.com/office/drawing/2014/main" id="{8E95C32A-C302-8F36-0A68-F72853EF005A}"/>
-              </a:ext>
-            </a:extLst>
-          </p:cNvPr>
+            <a:endParaRPr lang="en-US" dirty="0"/>
+          </a:p>
+        </p:txBody>
+      </p:sp>
+      <p:sp>
+        <p:nvSpPr>
+          <p:cNvPr id="3" name="Subtitle 2"/>
           <p:cNvSpPr>
             <a:spLocks noGrp="1"/>
           </p:cNvSpPr>
@@ -182,48 +212,102 @@
         </p:nvSpPr>
         <p:spPr>
           <a:xfrm>
-            <a:off x="1524000" y="3602038"/>
-            <a:ext cx="9144000" cy="1655762"/>
-          </a:xfrm>
-        </p:spPr>
-        <p:txBody>
-          <a:bodyPr/>
+            <a:off x="3962399" y="4385732"/>
+            <a:ext cx="7197726" cy="1405467"/>
+          </a:xfrm>
+        </p:spPr>
+        <p:txBody>
+          <a:bodyPr anchor="t">
+            <a:normAutofit/>
+          </a:bodyPr>
           <a:lstStyle>
-            <a:lvl1pPr marL="0" indent="0" algn="ctr">
-              <a:buNone/>
-              <a:defRPr sz="2400"/>
+            <a:lvl1pPr marL="0" indent="0" algn="r">
+              <a:buNone/>
+              <a:defRPr sz="1800" cap="all">
+                <a:solidFill>
+                  <a:schemeClr val="tx1"/>
+                </a:solidFill>
+              </a:defRPr>
             </a:lvl1pPr>
             <a:lvl2pPr marL="457200" indent="0" algn="ctr">
               <a:buNone/>
-              <a:defRPr sz="2000"/>
+              <a:defRPr>
+                <a:solidFill>
+                  <a:schemeClr val="tx1">
+                    <a:tint val="75000"/>
+                  </a:schemeClr>
+                </a:solidFill>
+              </a:defRPr>
             </a:lvl2pPr>
             <a:lvl3pPr marL="914400" indent="0" algn="ctr">
               <a:buNone/>
-              <a:defRPr sz="1800"/>
+              <a:defRPr>
+                <a:solidFill>
+                  <a:schemeClr val="tx1">
+                    <a:tint val="75000"/>
+                  </a:schemeClr>
+                </a:solidFill>
+              </a:defRPr>
             </a:lvl3pPr>
             <a:lvl4pPr marL="1371600" indent="0" algn="ctr">
               <a:buNone/>
-              <a:defRPr sz="1600"/>
+              <a:defRPr>
+                <a:solidFill>
+                  <a:schemeClr val="tx1">
+                    <a:tint val="75000"/>
+                  </a:schemeClr>
+                </a:solidFill>
+              </a:defRPr>
             </a:lvl4pPr>
             <a:lvl5pPr marL="1828800" indent="0" algn="ctr">
               <a:buNone/>
-              <a:defRPr sz="1600"/>
+              <a:defRPr>
+                <a:solidFill>
+                  <a:schemeClr val="tx1">
+                    <a:tint val="75000"/>
+                  </a:schemeClr>
+                </a:solidFill>
+              </a:defRPr>
             </a:lvl5pPr>
             <a:lvl6pPr marL="2286000" indent="0" algn="ctr">
               <a:buNone/>
-              <a:defRPr sz="1600"/>
+              <a:defRPr>
+                <a:solidFill>
+                  <a:schemeClr val="tx1">
+                    <a:tint val="75000"/>
+                  </a:schemeClr>
+                </a:solidFill>
+              </a:defRPr>
             </a:lvl6pPr>
             <a:lvl7pPr marL="2743200" indent="0" algn="ctr">
               <a:buNone/>
-              <a:defRPr sz="1600"/>
+              <a:defRPr>
+                <a:solidFill>
+                  <a:schemeClr val="tx1">
+                    <a:tint val="75000"/>
+                  </a:schemeClr>
+                </a:solidFill>
+              </a:defRPr>
             </a:lvl7pPr>
             <a:lvl8pPr marL="3200400" indent="0" algn="ctr">
               <a:buNone/>
-              <a:defRPr sz="1600"/>
+              <a:defRPr>
+                <a:solidFill>
+                  <a:schemeClr val="tx1">
+                    <a:tint val="75000"/>
+                  </a:schemeClr>
+                </a:solidFill>
+              </a:defRPr>
             </a:lvl8pPr>
             <a:lvl9pPr marL="3657600" indent="0" algn="ctr">
               <a:buNone/>
-              <a:defRPr sz="1600"/>
+              <a:defRPr>
+                <a:solidFill>
+                  <a:schemeClr val="tx1">
+                    <a:tint val="75000"/>
+                  </a:schemeClr>
+                </a:solidFill>
+              </a:defRPr>
             </a:lvl9pPr>
           </a:lstStyle>
           <a:p>
@@ -231,18 +315,13 @@
               <a:rPr lang="en-US"/>
               <a:t>Click to edit Master subtitle style</a:t>
             </a:r>
-          </a:p>
-        </p:txBody>
-      </p:sp>
-      <p:sp>
-        <p:nvSpPr>
-          <p:cNvPr id="4" name="Date Placeholder 3">
-            <a:extLst>
-              <a:ext uri="{FF2B5EF4-FFF2-40B4-BE49-F238E27FC236}">
-                <a16:creationId xmlns:a16="http://schemas.microsoft.com/office/drawing/2014/main" id="{109CA1E3-F21D-5D1E-FC0A-D71B42FBD8B0}"/>
-              </a:ext>
-            </a:extLst>
-          </p:cNvPr>
+            <a:endParaRPr lang="en-US" dirty="0"/>
+          </a:p>
+        </p:txBody>
+      </p:sp>
+      <p:sp>
+        <p:nvSpPr>
+          <p:cNvPr id="4" name="Date Placeholder 3"/>
           <p:cNvSpPr>
             <a:spLocks noGrp="1"/>
           </p:cNvSpPr>
@@ -250,7 +329,12 @@
             <p:ph type="dt" sz="half" idx="10"/>
           </p:nvPr>
         </p:nvSpPr>
-        <p:spPr/>
+        <p:spPr>
+          <a:xfrm>
+            <a:off x="8932558" y="5870575"/>
+            <a:ext cx="1600200" cy="377825"/>
+          </a:xfrm>
+        </p:spPr>
         <p:txBody>
           <a:bodyPr/>
           <a:lstStyle/>
@@ -265,13 +349,7 @@
       </p:sp>
       <p:sp>
         <p:nvSpPr>
-          <p:cNvPr id="5" name="Footer Placeholder 4">
-            <a:extLst>
-              <a:ext uri="{FF2B5EF4-FFF2-40B4-BE49-F238E27FC236}">
-                <a16:creationId xmlns:a16="http://schemas.microsoft.com/office/drawing/2014/main" id="{D7FCC485-A81B-17AD-A4E3-0D4152D0ACD6}"/>
-              </a:ext>
-            </a:extLst>
-          </p:cNvPr>
+          <p:cNvPr id="5" name="Footer Placeholder 4"/>
           <p:cNvSpPr>
             <a:spLocks noGrp="1"/>
           </p:cNvSpPr>
@@ -279,7 +357,12 @@
             <p:ph type="ftr" sz="quarter" idx="11"/>
           </p:nvPr>
         </p:nvSpPr>
-        <p:spPr/>
+        <p:spPr>
+          <a:xfrm>
+            <a:off x="3962399" y="5870575"/>
+            <a:ext cx="4893958" cy="377825"/>
+          </a:xfrm>
+        </p:spPr>
         <p:txBody>
           <a:bodyPr/>
           <a:lstStyle/>
@@ -290,13 +373,7 @@
       </p:sp>
       <p:sp>
         <p:nvSpPr>
-          <p:cNvPr id="6" name="Slide Number Placeholder 5">
-            <a:extLst>
-              <a:ext uri="{FF2B5EF4-FFF2-40B4-BE49-F238E27FC236}">
-                <a16:creationId xmlns:a16="http://schemas.microsoft.com/office/drawing/2014/main" id="{E2D70A33-C1EE-1F59-4205-DF1EF38F6C37}"/>
-              </a:ext>
-            </a:extLst>
-          </p:cNvPr>
+          <p:cNvPr id="6" name="Slide Number Placeholder 5"/>
           <p:cNvSpPr>
             <a:spLocks noGrp="1"/>
           </p:cNvSpPr>
@@ -304,7 +381,12 @@
             <p:ph type="sldNum" sz="quarter" idx="12"/>
           </p:nvPr>
         </p:nvSpPr>
-        <p:spPr/>
+        <p:spPr>
+          <a:xfrm>
+            <a:off x="10608958" y="5870575"/>
+            <a:ext cx="551167" cy="377825"/>
+          </a:xfrm>
+        </p:spPr>
         <p:txBody>
           <a:bodyPr/>
           <a:lstStyle/>
@@ -320,7 +402,331 @@
     </p:spTree>
     <p:extLst>
       <p:ext uri="{BB962C8B-B14F-4D97-AF65-F5344CB8AC3E}">
-        <p14:creationId xmlns:p14="http://schemas.microsoft.com/office/powerpoint/2010/main" val="3959120965"/>
+        <p14:creationId xmlns:p14="http://schemas.microsoft.com/office/powerpoint/2010/main" val="3160390586"/>
+      </p:ext>
+    </p:extLst>
+  </p:cSld>
+  <p:clrMapOvr>
+    <a:overrideClrMapping bg1="dk1" tx1="lt1" bg2="dk2" tx2="lt2" accent1="accent1" accent2="accent2" accent3="accent3" accent4="accent4" accent5="accent5" accent6="accent6" hlink="hlink" folHlink="folHlink"/>
+  </p:clrMapOvr>
+</p:sldLayout>
+</file>
+
+<file path=ppt/slideLayouts/slideLayout10.xml><?xml version="1.0" encoding="utf-8"?>
+<p:sldLayout xmlns:a="http://schemas.openxmlformats.org/drawingml/2006/main" xmlns:r="http://schemas.openxmlformats.org/officeDocument/2006/relationships" xmlns:p="http://schemas.openxmlformats.org/presentationml/2006/main" preserve="1">
+  <p:cSld name="Panoramic Picture with Caption">
+    <p:spTree>
+      <p:nvGrpSpPr>
+        <p:cNvPr id="1" name=""/>
+        <p:cNvGrpSpPr/>
+        <p:nvPr/>
+      </p:nvGrpSpPr>
+      <p:grpSpPr>
+        <a:xfrm>
+          <a:off x="0" y="0"/>
+          <a:ext cx="0" cy="0"/>
+          <a:chOff x="0" y="0"/>
+          <a:chExt cx="0" cy="0"/>
+        </a:xfrm>
+      </p:grpSpPr>
+      <p:pic>
+        <p:nvPicPr>
+          <p:cNvPr id="8" name="Picture 7" descr="Celestia-R1---OverlayContentHD.png"/>
+          <p:cNvPicPr>
+            <a:picLocks noChangeAspect="1"/>
+          </p:cNvPicPr>
+          <p:nvPr/>
+        </p:nvPicPr>
+        <p:blipFill>
+          <a:blip r:embed="rId2">
+            <a:extLst>
+              <a:ext uri="{28A0092B-C50C-407E-A947-70E740481C1C}">
+                <a14:useLocalDpi xmlns:a14="http://schemas.microsoft.com/office/drawing/2010/main" val="0"/>
+              </a:ext>
+            </a:extLst>
+          </a:blip>
+          <a:stretch>
+            <a:fillRect/>
+          </a:stretch>
+        </p:blipFill>
+        <p:spPr>
+          <a:xfrm>
+            <a:off x="0" y="0"/>
+            <a:ext cx="12188825" cy="6856214"/>
+          </a:xfrm>
+          <a:prstGeom prst="rect">
+            <a:avLst/>
+          </a:prstGeom>
+        </p:spPr>
+      </p:pic>
+      <p:sp>
+        <p:nvSpPr>
+          <p:cNvPr id="2" name="Title 1"/>
+          <p:cNvSpPr>
+            <a:spLocks noGrp="1"/>
+          </p:cNvSpPr>
+          <p:nvPr>
+            <p:ph type="title"/>
+          </p:nvPr>
+        </p:nvSpPr>
+        <p:spPr>
+          <a:xfrm>
+            <a:off x="685800" y="4732865"/>
+            <a:ext cx="10131427" cy="566738"/>
+          </a:xfrm>
+        </p:spPr>
+        <p:txBody>
+          <a:bodyPr anchor="b">
+            <a:normAutofit/>
+          </a:bodyPr>
+          <a:lstStyle>
+            <a:lvl1pPr algn="l">
+              <a:defRPr sz="2400" b="0"/>
+            </a:lvl1pPr>
+          </a:lstStyle>
+          <a:p>
+            <a:r>
+              <a:rPr lang="en-US"/>
+              <a:t>Click to edit Master title style</a:t>
+            </a:r>
+            <a:endParaRPr lang="en-US" dirty="0"/>
+          </a:p>
+        </p:txBody>
+      </p:sp>
+      <p:sp>
+        <p:nvSpPr>
+          <p:cNvPr id="3" name="Picture Placeholder 2"/>
+          <p:cNvSpPr>
+            <a:spLocks noGrp="1" noChangeAspect="1"/>
+          </p:cNvSpPr>
+          <p:nvPr>
+            <p:ph type="pic" idx="1"/>
+          </p:nvPr>
+        </p:nvSpPr>
+        <p:spPr>
+          <a:xfrm>
+            <a:off x="1371600" y="932112"/>
+            <a:ext cx="8759827" cy="3164976"/>
+          </a:xfrm>
+          <a:prstGeom prst="roundRect">
+            <a:avLst>
+              <a:gd name="adj" fmla="val 4380"/>
+            </a:avLst>
+          </a:prstGeom>
+          <a:ln w="50800" cap="sq" cmpd="dbl">
+            <a:gradFill flip="none" rotWithShape="1">
+              <a:gsLst>
+                <a:gs pos="0">
+                  <a:srgbClr val="FFFFFF"/>
+                </a:gs>
+                <a:gs pos="100000">
+                  <a:schemeClr val="tx1">
+                    <a:alpha val="0"/>
+                  </a:schemeClr>
+                </a:gs>
+              </a:gsLst>
+              <a:path path="circle">
+                <a:fillToRect l="50000" t="50000" r="50000" b="50000"/>
+              </a:path>
+              <a:tileRect/>
+            </a:gradFill>
+            <a:miter lim="800000"/>
+          </a:ln>
+          <a:effectLst>
+            <a:outerShdw blurRad="254000" algn="tl" rotWithShape="0">
+              <a:srgbClr val="000000">
+                <a:alpha val="43000"/>
+              </a:srgbClr>
+            </a:outerShdw>
+          </a:effectLst>
+        </p:spPr>
+        <p:txBody>
+          <a:bodyPr anchor="t">
+            <a:normAutofit/>
+          </a:bodyPr>
+          <a:lstStyle>
+            <a:lvl1pPr marL="0" indent="0" algn="ctr">
+              <a:buNone/>
+              <a:defRPr sz="1600"/>
+            </a:lvl1pPr>
+            <a:lvl2pPr marL="457200" indent="0">
+              <a:buNone/>
+              <a:defRPr sz="1600"/>
+            </a:lvl2pPr>
+            <a:lvl3pPr marL="914400" indent="0">
+              <a:buNone/>
+              <a:defRPr sz="1600"/>
+            </a:lvl3pPr>
+            <a:lvl4pPr marL="1371600" indent="0">
+              <a:buNone/>
+              <a:defRPr sz="1600"/>
+            </a:lvl4pPr>
+            <a:lvl5pPr marL="1828800" indent="0">
+              <a:buNone/>
+              <a:defRPr sz="1600"/>
+            </a:lvl5pPr>
+            <a:lvl6pPr marL="2286000" indent="0">
+              <a:buNone/>
+              <a:defRPr sz="1600"/>
+            </a:lvl6pPr>
+            <a:lvl7pPr marL="2743200" indent="0">
+              <a:buNone/>
+              <a:defRPr sz="1600"/>
+            </a:lvl7pPr>
+            <a:lvl8pPr marL="3200400" indent="0">
+              <a:buNone/>
+              <a:defRPr sz="1600"/>
+            </a:lvl8pPr>
+            <a:lvl9pPr marL="3657600" indent="0">
+              <a:buNone/>
+              <a:defRPr sz="1600"/>
+            </a:lvl9pPr>
+          </a:lstStyle>
+          <a:p>
+            <a:r>
+              <a:rPr lang="en-US"/>
+              <a:t>Click icon to add picture</a:t>
+            </a:r>
+            <a:endParaRPr lang="en-US" dirty="0"/>
+          </a:p>
+        </p:txBody>
+      </p:sp>
+      <p:sp>
+        <p:nvSpPr>
+          <p:cNvPr id="4" name="Text Placeholder 3"/>
+          <p:cNvSpPr>
+            <a:spLocks noGrp="1"/>
+          </p:cNvSpPr>
+          <p:nvPr>
+            <p:ph type="body" sz="half" idx="2"/>
+          </p:nvPr>
+        </p:nvSpPr>
+        <p:spPr>
+          <a:xfrm>
+            <a:off x="685800" y="5299603"/>
+            <a:ext cx="10131427" cy="493712"/>
+          </a:xfrm>
+        </p:spPr>
+        <p:txBody>
+          <a:bodyPr anchor="t">
+            <a:normAutofit/>
+          </a:bodyPr>
+          <a:lstStyle>
+            <a:lvl1pPr marL="0" indent="0">
+              <a:buNone/>
+              <a:defRPr sz="1400"/>
+            </a:lvl1pPr>
+            <a:lvl2pPr marL="457200" indent="0">
+              <a:buNone/>
+              <a:defRPr sz="1200"/>
+            </a:lvl2pPr>
+            <a:lvl3pPr marL="914400" indent="0">
+              <a:buNone/>
+              <a:defRPr sz="1000"/>
+            </a:lvl3pPr>
+            <a:lvl4pPr marL="1371600" indent="0">
+              <a:buNone/>
+              <a:defRPr sz="900"/>
+            </a:lvl4pPr>
+            <a:lvl5pPr marL="1828800" indent="0">
+              <a:buNone/>
+              <a:defRPr sz="900"/>
+            </a:lvl5pPr>
+            <a:lvl6pPr marL="2286000" indent="0">
+              <a:buNone/>
+              <a:defRPr sz="900"/>
+            </a:lvl6pPr>
+            <a:lvl7pPr marL="2743200" indent="0">
+              <a:buNone/>
+              <a:defRPr sz="900"/>
+            </a:lvl7pPr>
+            <a:lvl8pPr marL="3200400" indent="0">
+              <a:buNone/>
+              <a:defRPr sz="900"/>
+            </a:lvl8pPr>
+            <a:lvl9pPr marL="3657600" indent="0">
+              <a:buNone/>
+              <a:defRPr sz="900"/>
+            </a:lvl9pPr>
+          </a:lstStyle>
+          <a:p>
+            <a:pPr lvl="0"/>
+            <a:r>
+              <a:rPr lang="en-US"/>
+              <a:t>Click to edit Master text styles</a:t>
+            </a:r>
+          </a:p>
+        </p:txBody>
+      </p:sp>
+      <p:sp>
+        <p:nvSpPr>
+          <p:cNvPr id="5" name="Date Placeholder 4"/>
+          <p:cNvSpPr>
+            <a:spLocks noGrp="1"/>
+          </p:cNvSpPr>
+          <p:nvPr>
+            <p:ph type="dt" sz="half" idx="10"/>
+          </p:nvPr>
+        </p:nvSpPr>
+        <p:spPr/>
+        <p:txBody>
+          <a:bodyPr/>
+          <a:lstStyle/>
+          <a:p>
+            <a:fld id="{3A764045-405C-F944-8314-44E0B285DAAA}" type="datetimeFigureOut">
+              <a:rPr lang="en-US" smtClean="0"/>
+              <a:t>11/16/24</a:t>
+            </a:fld>
+            <a:endParaRPr lang="en-US"/>
+          </a:p>
+        </p:txBody>
+      </p:sp>
+      <p:sp>
+        <p:nvSpPr>
+          <p:cNvPr id="6" name="Footer Placeholder 5"/>
+          <p:cNvSpPr>
+            <a:spLocks noGrp="1"/>
+          </p:cNvSpPr>
+          <p:nvPr>
+            <p:ph type="ftr" sz="quarter" idx="11"/>
+          </p:nvPr>
+        </p:nvSpPr>
+        <p:spPr/>
+        <p:txBody>
+          <a:bodyPr/>
+          <a:lstStyle/>
+          <a:p>
+            <a:endParaRPr lang="en-US"/>
+          </a:p>
+        </p:txBody>
+      </p:sp>
+      <p:sp>
+        <p:nvSpPr>
+          <p:cNvPr id="7" name="Slide Number Placeholder 6"/>
+          <p:cNvSpPr>
+            <a:spLocks noGrp="1"/>
+          </p:cNvSpPr>
+          <p:nvPr>
+            <p:ph type="sldNum" sz="quarter" idx="12"/>
+          </p:nvPr>
+        </p:nvSpPr>
+        <p:spPr/>
+        <p:txBody>
+          <a:bodyPr/>
+          <a:lstStyle/>
+          <a:p>
+            <a:fld id="{F46A29C6-DB1E-E143-8E02-2C5ADDB6AB61}" type="slidenum">
+              <a:rPr lang="en-US" smtClean="0"/>
+              <a:t>‹#›</a:t>
+            </a:fld>
+            <a:endParaRPr lang="en-US"/>
+          </a:p>
+        </p:txBody>
+      </p:sp>
+    </p:spTree>
+    <p:extLst>
+      <p:ext uri="{BB962C8B-B14F-4D97-AF65-F5344CB8AC3E}">
+        <p14:creationId xmlns:p14="http://schemas.microsoft.com/office/powerpoint/2010/main" val="3891881272"/>
       </p:ext>
     </p:extLst>
   </p:cSld>
@@ -330,7 +736,2020 @@
 </p:sldLayout>
 </file>
 
-<file path=ppt/slideLayouts/slideLayout10.xml><?xml version="1.0" encoding="utf-8"?>
+<file path=ppt/slideLayouts/slideLayout11.xml><?xml version="1.0" encoding="utf-8"?>
+<p:sldLayout xmlns:a="http://schemas.openxmlformats.org/drawingml/2006/main" xmlns:r="http://schemas.openxmlformats.org/officeDocument/2006/relationships" xmlns:p="http://schemas.openxmlformats.org/presentationml/2006/main" preserve="1">
+  <p:cSld name="Title and Caption">
+    <p:spTree>
+      <p:nvGrpSpPr>
+        <p:cNvPr id="1" name=""/>
+        <p:cNvGrpSpPr/>
+        <p:nvPr/>
+      </p:nvGrpSpPr>
+      <p:grpSpPr>
+        <a:xfrm>
+          <a:off x="0" y="0"/>
+          <a:ext cx="0" cy="0"/>
+          <a:chOff x="0" y="0"/>
+          <a:chExt cx="0" cy="0"/>
+        </a:xfrm>
+      </p:grpSpPr>
+      <p:pic>
+        <p:nvPicPr>
+          <p:cNvPr id="7" name="Picture 6" descr="Celestia-R1---OverlayContentHD.png"/>
+          <p:cNvPicPr>
+            <a:picLocks noChangeAspect="1"/>
+          </p:cNvPicPr>
+          <p:nvPr/>
+        </p:nvPicPr>
+        <p:blipFill>
+          <a:blip r:embed="rId2">
+            <a:extLst>
+              <a:ext uri="{28A0092B-C50C-407E-A947-70E740481C1C}">
+                <a14:useLocalDpi xmlns:a14="http://schemas.microsoft.com/office/drawing/2010/main" val="0"/>
+              </a:ext>
+            </a:extLst>
+          </a:blip>
+          <a:stretch>
+            <a:fillRect/>
+          </a:stretch>
+        </p:blipFill>
+        <p:spPr>
+          <a:xfrm>
+            <a:off x="0" y="0"/>
+            <a:ext cx="12188825" cy="6856214"/>
+          </a:xfrm>
+          <a:prstGeom prst="rect">
+            <a:avLst/>
+          </a:prstGeom>
+        </p:spPr>
+      </p:pic>
+      <p:sp>
+        <p:nvSpPr>
+          <p:cNvPr id="2" name="Title 1"/>
+          <p:cNvSpPr>
+            <a:spLocks noGrp="1"/>
+          </p:cNvSpPr>
+          <p:nvPr>
+            <p:ph type="title"/>
+          </p:nvPr>
+        </p:nvSpPr>
+        <p:spPr>
+          <a:xfrm>
+            <a:off x="685801" y="609601"/>
+            <a:ext cx="10131427" cy="3124199"/>
+          </a:xfrm>
+        </p:spPr>
+        <p:txBody>
+          <a:bodyPr anchor="ctr">
+            <a:normAutofit/>
+          </a:bodyPr>
+          <a:lstStyle>
+            <a:lvl1pPr algn="l">
+              <a:defRPr sz="3200" b="0" cap="none"/>
+            </a:lvl1pPr>
+          </a:lstStyle>
+          <a:p>
+            <a:r>
+              <a:rPr lang="en-US"/>
+              <a:t>Click to edit Master title style</a:t>
+            </a:r>
+            <a:endParaRPr lang="en-US" dirty="0"/>
+          </a:p>
+        </p:txBody>
+      </p:sp>
+      <p:sp>
+        <p:nvSpPr>
+          <p:cNvPr id="3" name="Text Placeholder 2"/>
+          <p:cNvSpPr>
+            <a:spLocks noGrp="1"/>
+          </p:cNvSpPr>
+          <p:nvPr>
+            <p:ph type="body" idx="1"/>
+          </p:nvPr>
+        </p:nvSpPr>
+        <p:spPr>
+          <a:xfrm>
+            <a:off x="685800" y="4343400"/>
+            <a:ext cx="10131428" cy="1447800"/>
+          </a:xfrm>
+        </p:spPr>
+        <p:txBody>
+          <a:bodyPr anchor="ctr">
+            <a:normAutofit/>
+          </a:bodyPr>
+          <a:lstStyle>
+            <a:lvl1pPr marL="0" indent="0" algn="l">
+              <a:buNone/>
+              <a:defRPr sz="2000">
+                <a:solidFill>
+                  <a:schemeClr val="tx1"/>
+                </a:solidFill>
+              </a:defRPr>
+            </a:lvl1pPr>
+            <a:lvl2pPr marL="457200" indent="0">
+              <a:buNone/>
+              <a:defRPr sz="1800">
+                <a:solidFill>
+                  <a:schemeClr val="tx1">
+                    <a:tint val="75000"/>
+                  </a:schemeClr>
+                </a:solidFill>
+              </a:defRPr>
+            </a:lvl2pPr>
+            <a:lvl3pPr marL="914400" indent="0">
+              <a:buNone/>
+              <a:defRPr sz="1600">
+                <a:solidFill>
+                  <a:schemeClr val="tx1">
+                    <a:tint val="75000"/>
+                  </a:schemeClr>
+                </a:solidFill>
+              </a:defRPr>
+            </a:lvl3pPr>
+            <a:lvl4pPr marL="1371600" indent="0">
+              <a:buNone/>
+              <a:defRPr sz="1400">
+                <a:solidFill>
+                  <a:schemeClr val="tx1">
+                    <a:tint val="75000"/>
+                  </a:schemeClr>
+                </a:solidFill>
+              </a:defRPr>
+            </a:lvl4pPr>
+            <a:lvl5pPr marL="1828800" indent="0">
+              <a:buNone/>
+              <a:defRPr sz="1400">
+                <a:solidFill>
+                  <a:schemeClr val="tx1">
+                    <a:tint val="75000"/>
+                  </a:schemeClr>
+                </a:solidFill>
+              </a:defRPr>
+            </a:lvl5pPr>
+            <a:lvl6pPr marL="2286000" indent="0">
+              <a:buNone/>
+              <a:defRPr sz="1400">
+                <a:solidFill>
+                  <a:schemeClr val="tx1">
+                    <a:tint val="75000"/>
+                  </a:schemeClr>
+                </a:solidFill>
+              </a:defRPr>
+            </a:lvl6pPr>
+            <a:lvl7pPr marL="2743200" indent="0">
+              <a:buNone/>
+              <a:defRPr sz="1400">
+                <a:solidFill>
+                  <a:schemeClr val="tx1">
+                    <a:tint val="75000"/>
+                  </a:schemeClr>
+                </a:solidFill>
+              </a:defRPr>
+            </a:lvl7pPr>
+            <a:lvl8pPr marL="3200400" indent="0">
+              <a:buNone/>
+              <a:defRPr sz="1400">
+                <a:solidFill>
+                  <a:schemeClr val="tx1">
+                    <a:tint val="75000"/>
+                  </a:schemeClr>
+                </a:solidFill>
+              </a:defRPr>
+            </a:lvl8pPr>
+            <a:lvl9pPr marL="3657600" indent="0">
+              <a:buNone/>
+              <a:defRPr sz="1400">
+                <a:solidFill>
+                  <a:schemeClr val="tx1">
+                    <a:tint val="75000"/>
+                  </a:schemeClr>
+                </a:solidFill>
+              </a:defRPr>
+            </a:lvl9pPr>
+          </a:lstStyle>
+          <a:p>
+            <a:pPr lvl="0"/>
+            <a:r>
+              <a:rPr lang="en-US"/>
+              <a:t>Click to edit Master text styles</a:t>
+            </a:r>
+          </a:p>
+        </p:txBody>
+      </p:sp>
+      <p:sp>
+        <p:nvSpPr>
+          <p:cNvPr id="4" name="Date Placeholder 3"/>
+          <p:cNvSpPr>
+            <a:spLocks noGrp="1"/>
+          </p:cNvSpPr>
+          <p:nvPr>
+            <p:ph type="dt" sz="half" idx="10"/>
+          </p:nvPr>
+        </p:nvSpPr>
+        <p:spPr/>
+        <p:txBody>
+          <a:bodyPr/>
+          <a:lstStyle/>
+          <a:p>
+            <a:fld id="{3A764045-405C-F944-8314-44E0B285DAAA}" type="datetimeFigureOut">
+              <a:rPr lang="en-US" smtClean="0"/>
+              <a:t>11/16/24</a:t>
+            </a:fld>
+            <a:endParaRPr lang="en-US"/>
+          </a:p>
+        </p:txBody>
+      </p:sp>
+      <p:sp>
+        <p:nvSpPr>
+          <p:cNvPr id="5" name="Footer Placeholder 4"/>
+          <p:cNvSpPr>
+            <a:spLocks noGrp="1"/>
+          </p:cNvSpPr>
+          <p:nvPr>
+            <p:ph type="ftr" sz="quarter" idx="11"/>
+          </p:nvPr>
+        </p:nvSpPr>
+        <p:spPr/>
+        <p:txBody>
+          <a:bodyPr/>
+          <a:lstStyle/>
+          <a:p>
+            <a:endParaRPr lang="en-US"/>
+          </a:p>
+        </p:txBody>
+      </p:sp>
+      <p:sp>
+        <p:nvSpPr>
+          <p:cNvPr id="6" name="Slide Number Placeholder 5"/>
+          <p:cNvSpPr>
+            <a:spLocks noGrp="1"/>
+          </p:cNvSpPr>
+          <p:nvPr>
+            <p:ph type="sldNum" sz="quarter" idx="12"/>
+          </p:nvPr>
+        </p:nvSpPr>
+        <p:spPr/>
+        <p:txBody>
+          <a:bodyPr/>
+          <a:lstStyle/>
+          <a:p>
+            <a:fld id="{F46A29C6-DB1E-E143-8E02-2C5ADDB6AB61}" type="slidenum">
+              <a:rPr lang="en-US" smtClean="0"/>
+              <a:t>‹#›</a:t>
+            </a:fld>
+            <a:endParaRPr lang="en-US"/>
+          </a:p>
+        </p:txBody>
+      </p:sp>
+    </p:spTree>
+    <p:extLst>
+      <p:ext uri="{BB962C8B-B14F-4D97-AF65-F5344CB8AC3E}">
+        <p14:creationId xmlns:p14="http://schemas.microsoft.com/office/powerpoint/2010/main" val="3267570373"/>
+      </p:ext>
+    </p:extLst>
+  </p:cSld>
+  <p:clrMapOvr>
+    <a:masterClrMapping/>
+  </p:clrMapOvr>
+</p:sldLayout>
+</file>
+
+<file path=ppt/slideLayouts/slideLayout12.xml><?xml version="1.0" encoding="utf-8"?>
+<p:sldLayout xmlns:a="http://schemas.openxmlformats.org/drawingml/2006/main" xmlns:r="http://schemas.openxmlformats.org/officeDocument/2006/relationships" xmlns:p="http://schemas.openxmlformats.org/presentationml/2006/main" preserve="1">
+  <p:cSld name="Quote with Caption">
+    <p:spTree>
+      <p:nvGrpSpPr>
+        <p:cNvPr id="1" name=""/>
+        <p:cNvGrpSpPr/>
+        <p:nvPr/>
+      </p:nvGrpSpPr>
+      <p:grpSpPr>
+        <a:xfrm>
+          <a:off x="0" y="0"/>
+          <a:ext cx="0" cy="0"/>
+          <a:chOff x="0" y="0"/>
+          <a:chExt cx="0" cy="0"/>
+        </a:xfrm>
+      </p:grpSpPr>
+      <p:pic>
+        <p:nvPicPr>
+          <p:cNvPr id="11" name="Picture 10" descr="Celestia-R1---OverlayContentHD.png"/>
+          <p:cNvPicPr>
+            <a:picLocks noChangeAspect="1"/>
+          </p:cNvPicPr>
+          <p:nvPr/>
+        </p:nvPicPr>
+        <p:blipFill>
+          <a:blip r:embed="rId2">
+            <a:extLst>
+              <a:ext uri="{28A0092B-C50C-407E-A947-70E740481C1C}">
+                <a14:useLocalDpi xmlns:a14="http://schemas.microsoft.com/office/drawing/2010/main" val="0"/>
+              </a:ext>
+            </a:extLst>
+          </a:blip>
+          <a:stretch>
+            <a:fillRect/>
+          </a:stretch>
+        </p:blipFill>
+        <p:spPr>
+          <a:xfrm>
+            <a:off x="0" y="0"/>
+            <a:ext cx="12188825" cy="6856214"/>
+          </a:xfrm>
+          <a:prstGeom prst="rect">
+            <a:avLst/>
+          </a:prstGeom>
+        </p:spPr>
+      </p:pic>
+      <p:sp>
+        <p:nvSpPr>
+          <p:cNvPr id="13" name="TextBox 12"/>
+          <p:cNvSpPr txBox="1"/>
+          <p:nvPr/>
+        </p:nvSpPr>
+        <p:spPr>
+          <a:xfrm>
+            <a:off x="10237867" y="2743200"/>
+            <a:ext cx="609600" cy="584776"/>
+          </a:xfrm>
+          <a:prstGeom prst="rect">
+            <a:avLst/>
+          </a:prstGeom>
+        </p:spPr>
+        <p:txBody>
+          <a:bodyPr vert="horz" lIns="91440" tIns="45720" rIns="91440" bIns="45720" rtlCol="0" anchor="ctr">
+            <a:noAutofit/>
+          </a:bodyPr>
+          <a:lstStyle>
+            <a:lvl1pPr>
+              <a:spcBef>
+                <a:spcPct val="0"/>
+              </a:spcBef>
+              <a:buNone/>
+              <a:defRPr sz="3200" b="0" cap="all">
+                <a:ln w="3175" cmpd="sng">
+                  <a:noFill/>
+                </a:ln>
+                <a:effectLst>
+                  <a:glow rad="38100">
+                    <a:schemeClr val="bg1">
+                      <a:lumMod val="65000"/>
+                      <a:lumOff val="35000"/>
+                      <a:alpha val="40000"/>
+                    </a:schemeClr>
+                  </a:glow>
+                  <a:outerShdw blurRad="28575" dist="38100" dir="14040000" algn="tl" rotWithShape="0">
+                    <a:srgbClr val="000000">
+                      <a:alpha val="25000"/>
+                    </a:srgbClr>
+                  </a:outerShdw>
+                </a:effectLst>
+              </a:defRPr>
+            </a:lvl1pPr>
+            <a:lvl2pPr>
+              <a:defRPr>
+                <a:solidFill>
+                  <a:schemeClr val="tx2"/>
+                </a:solidFill>
+              </a:defRPr>
+            </a:lvl2pPr>
+            <a:lvl3pPr>
+              <a:defRPr>
+                <a:solidFill>
+                  <a:schemeClr val="tx2"/>
+                </a:solidFill>
+              </a:defRPr>
+            </a:lvl3pPr>
+            <a:lvl4pPr>
+              <a:defRPr>
+                <a:solidFill>
+                  <a:schemeClr val="tx2"/>
+                </a:solidFill>
+              </a:defRPr>
+            </a:lvl4pPr>
+            <a:lvl5pPr>
+              <a:defRPr>
+                <a:solidFill>
+                  <a:schemeClr val="tx2"/>
+                </a:solidFill>
+              </a:defRPr>
+            </a:lvl5pPr>
+            <a:lvl6pPr>
+              <a:defRPr>
+                <a:solidFill>
+                  <a:schemeClr val="tx2"/>
+                </a:solidFill>
+              </a:defRPr>
+            </a:lvl6pPr>
+            <a:lvl7pPr>
+              <a:defRPr>
+                <a:solidFill>
+                  <a:schemeClr val="tx2"/>
+                </a:solidFill>
+              </a:defRPr>
+            </a:lvl7pPr>
+            <a:lvl8pPr>
+              <a:defRPr>
+                <a:solidFill>
+                  <a:schemeClr val="tx2"/>
+                </a:solidFill>
+              </a:defRPr>
+            </a:lvl8pPr>
+            <a:lvl9pPr>
+              <a:defRPr>
+                <a:solidFill>
+                  <a:schemeClr val="tx2"/>
+                </a:solidFill>
+              </a:defRPr>
+            </a:lvl9pPr>
+          </a:lstStyle>
+          <a:p>
+            <a:pPr lvl="0" algn="r"/>
+            <a:r>
+              <a:rPr lang="en-US" sz="8000" dirty="0">
+                <a:solidFill>
+                  <a:schemeClr val="tx1"/>
+                </a:solidFill>
+                <a:effectLst/>
+              </a:rPr>
+              <a:t>”</a:t>
+            </a:r>
+          </a:p>
+        </p:txBody>
+      </p:sp>
+      <p:sp>
+        <p:nvSpPr>
+          <p:cNvPr id="14" name="TextBox 13"/>
+          <p:cNvSpPr txBox="1"/>
+          <p:nvPr/>
+        </p:nvSpPr>
+        <p:spPr>
+          <a:xfrm>
+            <a:off x="488275" y="823337"/>
+            <a:ext cx="609600" cy="584776"/>
+          </a:xfrm>
+          <a:prstGeom prst="rect">
+            <a:avLst/>
+          </a:prstGeom>
+        </p:spPr>
+        <p:txBody>
+          <a:bodyPr vert="horz" lIns="91440" tIns="45720" rIns="91440" bIns="45720" rtlCol="0" anchor="ctr">
+            <a:noAutofit/>
+          </a:bodyPr>
+          <a:lstStyle>
+            <a:lvl1pPr>
+              <a:spcBef>
+                <a:spcPct val="0"/>
+              </a:spcBef>
+              <a:buNone/>
+              <a:defRPr sz="3200" b="0" cap="all">
+                <a:ln w="3175" cmpd="sng">
+                  <a:noFill/>
+                </a:ln>
+                <a:effectLst>
+                  <a:glow rad="38100">
+                    <a:schemeClr val="bg1">
+                      <a:lumMod val="65000"/>
+                      <a:lumOff val="35000"/>
+                      <a:alpha val="40000"/>
+                    </a:schemeClr>
+                  </a:glow>
+                  <a:outerShdw blurRad="28575" dist="38100" dir="14040000" algn="tl" rotWithShape="0">
+                    <a:srgbClr val="000000">
+                      <a:alpha val="25000"/>
+                    </a:srgbClr>
+                  </a:outerShdw>
+                </a:effectLst>
+              </a:defRPr>
+            </a:lvl1pPr>
+            <a:lvl2pPr>
+              <a:defRPr>
+                <a:solidFill>
+                  <a:schemeClr val="tx2"/>
+                </a:solidFill>
+              </a:defRPr>
+            </a:lvl2pPr>
+            <a:lvl3pPr>
+              <a:defRPr>
+                <a:solidFill>
+                  <a:schemeClr val="tx2"/>
+                </a:solidFill>
+              </a:defRPr>
+            </a:lvl3pPr>
+            <a:lvl4pPr>
+              <a:defRPr>
+                <a:solidFill>
+                  <a:schemeClr val="tx2"/>
+                </a:solidFill>
+              </a:defRPr>
+            </a:lvl4pPr>
+            <a:lvl5pPr>
+              <a:defRPr>
+                <a:solidFill>
+                  <a:schemeClr val="tx2"/>
+                </a:solidFill>
+              </a:defRPr>
+            </a:lvl5pPr>
+            <a:lvl6pPr>
+              <a:defRPr>
+                <a:solidFill>
+                  <a:schemeClr val="tx2"/>
+                </a:solidFill>
+              </a:defRPr>
+            </a:lvl6pPr>
+            <a:lvl7pPr>
+              <a:defRPr>
+                <a:solidFill>
+                  <a:schemeClr val="tx2"/>
+                </a:solidFill>
+              </a:defRPr>
+            </a:lvl7pPr>
+            <a:lvl8pPr>
+              <a:defRPr>
+                <a:solidFill>
+                  <a:schemeClr val="tx2"/>
+                </a:solidFill>
+              </a:defRPr>
+            </a:lvl8pPr>
+            <a:lvl9pPr>
+              <a:defRPr>
+                <a:solidFill>
+                  <a:schemeClr val="tx2"/>
+                </a:solidFill>
+              </a:defRPr>
+            </a:lvl9pPr>
+          </a:lstStyle>
+          <a:p>
+            <a:pPr lvl="0" algn="r"/>
+            <a:r>
+              <a:rPr lang="en-US" sz="8000" dirty="0">
+                <a:solidFill>
+                  <a:schemeClr val="tx1"/>
+                </a:solidFill>
+                <a:effectLst/>
+              </a:rPr>
+              <a:t>“</a:t>
+            </a:r>
+          </a:p>
+        </p:txBody>
+      </p:sp>
+      <p:sp>
+        <p:nvSpPr>
+          <p:cNvPr id="16" name="Title 1"/>
+          <p:cNvSpPr>
+            <a:spLocks noGrp="1"/>
+          </p:cNvSpPr>
+          <p:nvPr>
+            <p:ph type="title"/>
+          </p:nvPr>
+        </p:nvSpPr>
+        <p:spPr>
+          <a:xfrm>
+            <a:off x="992267" y="609601"/>
+            <a:ext cx="9550399" cy="2743199"/>
+          </a:xfrm>
+        </p:spPr>
+        <p:txBody>
+          <a:bodyPr anchor="ctr">
+            <a:normAutofit/>
+          </a:bodyPr>
+          <a:lstStyle>
+            <a:lvl1pPr algn="l">
+              <a:defRPr sz="3200" b="0" cap="none">
+                <a:solidFill>
+                  <a:schemeClr val="tx1"/>
+                </a:solidFill>
+              </a:defRPr>
+            </a:lvl1pPr>
+          </a:lstStyle>
+          <a:p>
+            <a:r>
+              <a:rPr lang="en-US"/>
+              <a:t>Click to edit Master title style</a:t>
+            </a:r>
+            <a:endParaRPr lang="en-US" dirty="0"/>
+          </a:p>
+        </p:txBody>
+      </p:sp>
+      <p:sp>
+        <p:nvSpPr>
+          <p:cNvPr id="10" name="Text Placeholder 9"/>
+          <p:cNvSpPr>
+            <a:spLocks noGrp="1"/>
+          </p:cNvSpPr>
+          <p:nvPr>
+            <p:ph type="body" sz="quarter" idx="13"/>
+          </p:nvPr>
+        </p:nvSpPr>
+        <p:spPr>
+          <a:xfrm>
+            <a:off x="1097875" y="3352800"/>
+            <a:ext cx="9339184" cy="381000"/>
+          </a:xfrm>
+        </p:spPr>
+        <p:txBody>
+          <a:bodyPr anchor="ctr"/>
+          <a:lstStyle>
+            <a:lvl1pPr marL="0" indent="0">
+              <a:buFontTx/>
+              <a:buNone/>
+              <a:defRPr/>
+            </a:lvl1pPr>
+            <a:lvl2pPr marL="457200" indent="0">
+              <a:buFontTx/>
+              <a:buNone/>
+              <a:defRPr/>
+            </a:lvl2pPr>
+            <a:lvl3pPr marL="914400" indent="0">
+              <a:buFontTx/>
+              <a:buNone/>
+              <a:defRPr/>
+            </a:lvl3pPr>
+            <a:lvl4pPr marL="1371600" indent="0">
+              <a:buFontTx/>
+              <a:buNone/>
+              <a:defRPr/>
+            </a:lvl4pPr>
+            <a:lvl5pPr marL="1828800" indent="0">
+              <a:buFontTx/>
+              <a:buNone/>
+              <a:defRPr/>
+            </a:lvl5pPr>
+          </a:lstStyle>
+          <a:p>
+            <a:pPr lvl="0"/>
+            <a:r>
+              <a:rPr lang="en-US"/>
+              <a:t>Click to edit Master text styles</a:t>
+            </a:r>
+          </a:p>
+        </p:txBody>
+      </p:sp>
+      <p:sp>
+        <p:nvSpPr>
+          <p:cNvPr id="3" name="Text Placeholder 2"/>
+          <p:cNvSpPr>
+            <a:spLocks noGrp="1"/>
+          </p:cNvSpPr>
+          <p:nvPr>
+            <p:ph type="body" idx="1"/>
+          </p:nvPr>
+        </p:nvSpPr>
+        <p:spPr>
+          <a:xfrm>
+            <a:off x="687465" y="4343400"/>
+            <a:ext cx="10152367" cy="1447800"/>
+          </a:xfrm>
+        </p:spPr>
+        <p:txBody>
+          <a:bodyPr anchor="ctr">
+            <a:normAutofit/>
+          </a:bodyPr>
+          <a:lstStyle>
+            <a:lvl1pPr marL="0" indent="0" algn="l">
+              <a:buNone/>
+              <a:defRPr sz="2000">
+                <a:solidFill>
+                  <a:schemeClr val="tx1"/>
+                </a:solidFill>
+              </a:defRPr>
+            </a:lvl1pPr>
+            <a:lvl2pPr marL="457200" indent="0">
+              <a:buNone/>
+              <a:defRPr sz="1800">
+                <a:solidFill>
+                  <a:schemeClr val="tx1">
+                    <a:tint val="75000"/>
+                  </a:schemeClr>
+                </a:solidFill>
+              </a:defRPr>
+            </a:lvl2pPr>
+            <a:lvl3pPr marL="914400" indent="0">
+              <a:buNone/>
+              <a:defRPr sz="1600">
+                <a:solidFill>
+                  <a:schemeClr val="tx1">
+                    <a:tint val="75000"/>
+                  </a:schemeClr>
+                </a:solidFill>
+              </a:defRPr>
+            </a:lvl3pPr>
+            <a:lvl4pPr marL="1371600" indent="0">
+              <a:buNone/>
+              <a:defRPr sz="1400">
+                <a:solidFill>
+                  <a:schemeClr val="tx1">
+                    <a:tint val="75000"/>
+                  </a:schemeClr>
+                </a:solidFill>
+              </a:defRPr>
+            </a:lvl4pPr>
+            <a:lvl5pPr marL="1828800" indent="0">
+              <a:buNone/>
+              <a:defRPr sz="1400">
+                <a:solidFill>
+                  <a:schemeClr val="tx1">
+                    <a:tint val="75000"/>
+                  </a:schemeClr>
+                </a:solidFill>
+              </a:defRPr>
+            </a:lvl5pPr>
+            <a:lvl6pPr marL="2286000" indent="0">
+              <a:buNone/>
+              <a:defRPr sz="1400">
+                <a:solidFill>
+                  <a:schemeClr val="tx1">
+                    <a:tint val="75000"/>
+                  </a:schemeClr>
+                </a:solidFill>
+              </a:defRPr>
+            </a:lvl6pPr>
+            <a:lvl7pPr marL="2743200" indent="0">
+              <a:buNone/>
+              <a:defRPr sz="1400">
+                <a:solidFill>
+                  <a:schemeClr val="tx1">
+                    <a:tint val="75000"/>
+                  </a:schemeClr>
+                </a:solidFill>
+              </a:defRPr>
+            </a:lvl7pPr>
+            <a:lvl8pPr marL="3200400" indent="0">
+              <a:buNone/>
+              <a:defRPr sz="1400">
+                <a:solidFill>
+                  <a:schemeClr val="tx1">
+                    <a:tint val="75000"/>
+                  </a:schemeClr>
+                </a:solidFill>
+              </a:defRPr>
+            </a:lvl8pPr>
+            <a:lvl9pPr marL="3657600" indent="0">
+              <a:buNone/>
+              <a:defRPr sz="1400">
+                <a:solidFill>
+                  <a:schemeClr val="tx1">
+                    <a:tint val="75000"/>
+                  </a:schemeClr>
+                </a:solidFill>
+              </a:defRPr>
+            </a:lvl9pPr>
+          </a:lstStyle>
+          <a:p>
+            <a:pPr lvl="0"/>
+            <a:r>
+              <a:rPr lang="en-US"/>
+              <a:t>Click to edit Master text styles</a:t>
+            </a:r>
+          </a:p>
+        </p:txBody>
+      </p:sp>
+      <p:sp>
+        <p:nvSpPr>
+          <p:cNvPr id="4" name="Date Placeholder 3"/>
+          <p:cNvSpPr>
+            <a:spLocks noGrp="1"/>
+          </p:cNvSpPr>
+          <p:nvPr>
+            <p:ph type="dt" sz="half" idx="10"/>
+          </p:nvPr>
+        </p:nvSpPr>
+        <p:spPr/>
+        <p:txBody>
+          <a:bodyPr/>
+          <a:lstStyle/>
+          <a:p>
+            <a:fld id="{3A764045-405C-F944-8314-44E0B285DAAA}" type="datetimeFigureOut">
+              <a:rPr lang="en-US" smtClean="0"/>
+              <a:t>11/16/24</a:t>
+            </a:fld>
+            <a:endParaRPr lang="en-US"/>
+          </a:p>
+        </p:txBody>
+      </p:sp>
+      <p:sp>
+        <p:nvSpPr>
+          <p:cNvPr id="5" name="Footer Placeholder 4"/>
+          <p:cNvSpPr>
+            <a:spLocks noGrp="1"/>
+          </p:cNvSpPr>
+          <p:nvPr>
+            <p:ph type="ftr" sz="quarter" idx="11"/>
+          </p:nvPr>
+        </p:nvSpPr>
+        <p:spPr/>
+        <p:txBody>
+          <a:bodyPr/>
+          <a:lstStyle/>
+          <a:p>
+            <a:endParaRPr lang="en-US"/>
+          </a:p>
+        </p:txBody>
+      </p:sp>
+      <p:sp>
+        <p:nvSpPr>
+          <p:cNvPr id="6" name="Slide Number Placeholder 5"/>
+          <p:cNvSpPr>
+            <a:spLocks noGrp="1"/>
+          </p:cNvSpPr>
+          <p:nvPr>
+            <p:ph type="sldNum" sz="quarter" idx="12"/>
+          </p:nvPr>
+        </p:nvSpPr>
+        <p:spPr/>
+        <p:txBody>
+          <a:bodyPr/>
+          <a:lstStyle/>
+          <a:p>
+            <a:fld id="{F46A29C6-DB1E-E143-8E02-2C5ADDB6AB61}" type="slidenum">
+              <a:rPr lang="en-US" smtClean="0"/>
+              <a:t>‹#›</a:t>
+            </a:fld>
+            <a:endParaRPr lang="en-US"/>
+          </a:p>
+        </p:txBody>
+      </p:sp>
+    </p:spTree>
+    <p:extLst>
+      <p:ext uri="{BB962C8B-B14F-4D97-AF65-F5344CB8AC3E}">
+        <p14:creationId xmlns:p14="http://schemas.microsoft.com/office/powerpoint/2010/main" val="2967458406"/>
+      </p:ext>
+    </p:extLst>
+  </p:cSld>
+  <p:clrMapOvr>
+    <a:masterClrMapping/>
+  </p:clrMapOvr>
+</p:sldLayout>
+</file>
+
+<file path=ppt/slideLayouts/slideLayout13.xml><?xml version="1.0" encoding="utf-8"?>
+<p:sldLayout xmlns:a="http://schemas.openxmlformats.org/drawingml/2006/main" xmlns:r="http://schemas.openxmlformats.org/officeDocument/2006/relationships" xmlns:p="http://schemas.openxmlformats.org/presentationml/2006/main" preserve="1">
+  <p:cSld name="Name Card">
+    <p:spTree>
+      <p:nvGrpSpPr>
+        <p:cNvPr id="1" name=""/>
+        <p:cNvGrpSpPr/>
+        <p:nvPr/>
+      </p:nvGrpSpPr>
+      <p:grpSpPr>
+        <a:xfrm>
+          <a:off x="0" y="0"/>
+          <a:ext cx="0" cy="0"/>
+          <a:chOff x="0" y="0"/>
+          <a:chExt cx="0" cy="0"/>
+        </a:xfrm>
+      </p:grpSpPr>
+      <p:pic>
+        <p:nvPicPr>
+          <p:cNvPr id="7" name="Picture 6" descr="Celestia-R1---OverlayContentHD.png"/>
+          <p:cNvPicPr>
+            <a:picLocks noChangeAspect="1"/>
+          </p:cNvPicPr>
+          <p:nvPr/>
+        </p:nvPicPr>
+        <p:blipFill>
+          <a:blip r:embed="rId2">
+            <a:extLst>
+              <a:ext uri="{28A0092B-C50C-407E-A947-70E740481C1C}">
+                <a14:useLocalDpi xmlns:a14="http://schemas.microsoft.com/office/drawing/2010/main" val="0"/>
+              </a:ext>
+            </a:extLst>
+          </a:blip>
+          <a:stretch>
+            <a:fillRect/>
+          </a:stretch>
+        </p:blipFill>
+        <p:spPr>
+          <a:xfrm>
+            <a:off x="0" y="0"/>
+            <a:ext cx="12188825" cy="6856214"/>
+          </a:xfrm>
+          <a:prstGeom prst="rect">
+            <a:avLst/>
+          </a:prstGeom>
+        </p:spPr>
+      </p:pic>
+      <p:sp>
+        <p:nvSpPr>
+          <p:cNvPr id="2" name="Title 1"/>
+          <p:cNvSpPr>
+            <a:spLocks noGrp="1"/>
+          </p:cNvSpPr>
+          <p:nvPr>
+            <p:ph type="title"/>
+          </p:nvPr>
+        </p:nvSpPr>
+        <p:spPr>
+          <a:xfrm>
+            <a:off x="685802" y="3308581"/>
+            <a:ext cx="10131425" cy="1468800"/>
+          </a:xfrm>
+        </p:spPr>
+        <p:txBody>
+          <a:bodyPr anchor="b">
+            <a:normAutofit/>
+          </a:bodyPr>
+          <a:lstStyle>
+            <a:lvl1pPr algn="l">
+              <a:defRPr sz="3200" b="0" cap="none"/>
+            </a:lvl1pPr>
+          </a:lstStyle>
+          <a:p>
+            <a:r>
+              <a:rPr lang="en-US"/>
+              <a:t>Click to edit Master title style</a:t>
+            </a:r>
+            <a:endParaRPr lang="en-US" dirty="0"/>
+          </a:p>
+        </p:txBody>
+      </p:sp>
+      <p:sp>
+        <p:nvSpPr>
+          <p:cNvPr id="3" name="Text Placeholder 2"/>
+          <p:cNvSpPr>
+            <a:spLocks noGrp="1"/>
+          </p:cNvSpPr>
+          <p:nvPr>
+            <p:ph type="body" idx="1"/>
+          </p:nvPr>
+        </p:nvSpPr>
+        <p:spPr>
+          <a:xfrm>
+            <a:off x="685801" y="4777381"/>
+            <a:ext cx="10131426" cy="860400"/>
+          </a:xfrm>
+        </p:spPr>
+        <p:txBody>
+          <a:bodyPr anchor="t">
+            <a:normAutofit/>
+          </a:bodyPr>
+          <a:lstStyle>
+            <a:lvl1pPr marL="0" indent="0" algn="l">
+              <a:buNone/>
+              <a:defRPr sz="2000">
+                <a:solidFill>
+                  <a:schemeClr val="tx1"/>
+                </a:solidFill>
+              </a:defRPr>
+            </a:lvl1pPr>
+            <a:lvl2pPr marL="457200" indent="0">
+              <a:buNone/>
+              <a:defRPr sz="1800">
+                <a:solidFill>
+                  <a:schemeClr val="tx1">
+                    <a:tint val="75000"/>
+                  </a:schemeClr>
+                </a:solidFill>
+              </a:defRPr>
+            </a:lvl2pPr>
+            <a:lvl3pPr marL="914400" indent="0">
+              <a:buNone/>
+              <a:defRPr sz="1600">
+                <a:solidFill>
+                  <a:schemeClr val="tx1">
+                    <a:tint val="75000"/>
+                  </a:schemeClr>
+                </a:solidFill>
+              </a:defRPr>
+            </a:lvl3pPr>
+            <a:lvl4pPr marL="1371600" indent="0">
+              <a:buNone/>
+              <a:defRPr sz="1400">
+                <a:solidFill>
+                  <a:schemeClr val="tx1">
+                    <a:tint val="75000"/>
+                  </a:schemeClr>
+                </a:solidFill>
+              </a:defRPr>
+            </a:lvl4pPr>
+            <a:lvl5pPr marL="1828800" indent="0">
+              <a:buNone/>
+              <a:defRPr sz="1400">
+                <a:solidFill>
+                  <a:schemeClr val="tx1">
+                    <a:tint val="75000"/>
+                  </a:schemeClr>
+                </a:solidFill>
+              </a:defRPr>
+            </a:lvl5pPr>
+            <a:lvl6pPr marL="2286000" indent="0">
+              <a:buNone/>
+              <a:defRPr sz="1400">
+                <a:solidFill>
+                  <a:schemeClr val="tx1">
+                    <a:tint val="75000"/>
+                  </a:schemeClr>
+                </a:solidFill>
+              </a:defRPr>
+            </a:lvl6pPr>
+            <a:lvl7pPr marL="2743200" indent="0">
+              <a:buNone/>
+              <a:defRPr sz="1400">
+                <a:solidFill>
+                  <a:schemeClr val="tx1">
+                    <a:tint val="75000"/>
+                  </a:schemeClr>
+                </a:solidFill>
+              </a:defRPr>
+            </a:lvl7pPr>
+            <a:lvl8pPr marL="3200400" indent="0">
+              <a:buNone/>
+              <a:defRPr sz="1400">
+                <a:solidFill>
+                  <a:schemeClr val="tx1">
+                    <a:tint val="75000"/>
+                  </a:schemeClr>
+                </a:solidFill>
+              </a:defRPr>
+            </a:lvl8pPr>
+            <a:lvl9pPr marL="3657600" indent="0">
+              <a:buNone/>
+              <a:defRPr sz="1400">
+                <a:solidFill>
+                  <a:schemeClr val="tx1">
+                    <a:tint val="75000"/>
+                  </a:schemeClr>
+                </a:solidFill>
+              </a:defRPr>
+            </a:lvl9pPr>
+          </a:lstStyle>
+          <a:p>
+            <a:pPr lvl="0"/>
+            <a:r>
+              <a:rPr lang="en-US"/>
+              <a:t>Click to edit Master text styles</a:t>
+            </a:r>
+          </a:p>
+        </p:txBody>
+      </p:sp>
+      <p:sp>
+        <p:nvSpPr>
+          <p:cNvPr id="4" name="Date Placeholder 3"/>
+          <p:cNvSpPr>
+            <a:spLocks noGrp="1"/>
+          </p:cNvSpPr>
+          <p:nvPr>
+            <p:ph type="dt" sz="half" idx="10"/>
+          </p:nvPr>
+        </p:nvSpPr>
+        <p:spPr/>
+        <p:txBody>
+          <a:bodyPr/>
+          <a:lstStyle/>
+          <a:p>
+            <a:fld id="{3A764045-405C-F944-8314-44E0B285DAAA}" type="datetimeFigureOut">
+              <a:rPr lang="en-US" smtClean="0"/>
+              <a:t>11/16/24</a:t>
+            </a:fld>
+            <a:endParaRPr lang="en-US"/>
+          </a:p>
+        </p:txBody>
+      </p:sp>
+      <p:sp>
+        <p:nvSpPr>
+          <p:cNvPr id="5" name="Footer Placeholder 4"/>
+          <p:cNvSpPr>
+            <a:spLocks noGrp="1"/>
+          </p:cNvSpPr>
+          <p:nvPr>
+            <p:ph type="ftr" sz="quarter" idx="11"/>
+          </p:nvPr>
+        </p:nvSpPr>
+        <p:spPr/>
+        <p:txBody>
+          <a:bodyPr/>
+          <a:lstStyle/>
+          <a:p>
+            <a:endParaRPr lang="en-US"/>
+          </a:p>
+        </p:txBody>
+      </p:sp>
+      <p:sp>
+        <p:nvSpPr>
+          <p:cNvPr id="6" name="Slide Number Placeholder 5"/>
+          <p:cNvSpPr>
+            <a:spLocks noGrp="1"/>
+          </p:cNvSpPr>
+          <p:nvPr>
+            <p:ph type="sldNum" sz="quarter" idx="12"/>
+          </p:nvPr>
+        </p:nvSpPr>
+        <p:spPr/>
+        <p:txBody>
+          <a:bodyPr/>
+          <a:lstStyle/>
+          <a:p>
+            <a:fld id="{F46A29C6-DB1E-E143-8E02-2C5ADDB6AB61}" type="slidenum">
+              <a:rPr lang="en-US" smtClean="0"/>
+              <a:t>‹#›</a:t>
+            </a:fld>
+            <a:endParaRPr lang="en-US"/>
+          </a:p>
+        </p:txBody>
+      </p:sp>
+    </p:spTree>
+    <p:extLst>
+      <p:ext uri="{BB962C8B-B14F-4D97-AF65-F5344CB8AC3E}">
+        <p14:creationId xmlns:p14="http://schemas.microsoft.com/office/powerpoint/2010/main" val="2087797485"/>
+      </p:ext>
+    </p:extLst>
+  </p:cSld>
+  <p:clrMapOvr>
+    <a:masterClrMapping/>
+  </p:clrMapOvr>
+</p:sldLayout>
+</file>
+
+<file path=ppt/slideLayouts/slideLayout14.xml><?xml version="1.0" encoding="utf-8"?>
+<p:sldLayout xmlns:a="http://schemas.openxmlformats.org/drawingml/2006/main" xmlns:r="http://schemas.openxmlformats.org/officeDocument/2006/relationships" xmlns:p="http://schemas.openxmlformats.org/presentationml/2006/main" preserve="1">
+  <p:cSld name="Quote Name Card">
+    <p:spTree>
+      <p:nvGrpSpPr>
+        <p:cNvPr id="1" name=""/>
+        <p:cNvGrpSpPr/>
+        <p:nvPr/>
+      </p:nvGrpSpPr>
+      <p:grpSpPr>
+        <a:xfrm>
+          <a:off x="0" y="0"/>
+          <a:ext cx="0" cy="0"/>
+          <a:chOff x="0" y="0"/>
+          <a:chExt cx="0" cy="0"/>
+        </a:xfrm>
+      </p:grpSpPr>
+      <p:pic>
+        <p:nvPicPr>
+          <p:cNvPr id="11" name="Picture 10" descr="Celestia-R1---OverlayContentHD.png"/>
+          <p:cNvPicPr>
+            <a:picLocks noChangeAspect="1"/>
+          </p:cNvPicPr>
+          <p:nvPr/>
+        </p:nvPicPr>
+        <p:blipFill>
+          <a:blip r:embed="rId2">
+            <a:extLst>
+              <a:ext uri="{28A0092B-C50C-407E-A947-70E740481C1C}">
+                <a14:useLocalDpi xmlns:a14="http://schemas.microsoft.com/office/drawing/2010/main" val="0"/>
+              </a:ext>
+            </a:extLst>
+          </a:blip>
+          <a:stretch>
+            <a:fillRect/>
+          </a:stretch>
+        </p:blipFill>
+        <p:spPr>
+          <a:xfrm>
+            <a:off x="0" y="0"/>
+            <a:ext cx="12188825" cy="6856214"/>
+          </a:xfrm>
+          <a:prstGeom prst="rect">
+            <a:avLst/>
+          </a:prstGeom>
+        </p:spPr>
+      </p:pic>
+      <p:sp>
+        <p:nvSpPr>
+          <p:cNvPr id="13" name="TextBox 12"/>
+          <p:cNvSpPr txBox="1"/>
+          <p:nvPr/>
+        </p:nvSpPr>
+        <p:spPr>
+          <a:xfrm>
+            <a:off x="10237867" y="2743200"/>
+            <a:ext cx="609600" cy="584776"/>
+          </a:xfrm>
+          <a:prstGeom prst="rect">
+            <a:avLst/>
+          </a:prstGeom>
+        </p:spPr>
+        <p:txBody>
+          <a:bodyPr vert="horz" lIns="91440" tIns="45720" rIns="91440" bIns="45720" rtlCol="0" anchor="ctr">
+            <a:noAutofit/>
+          </a:bodyPr>
+          <a:lstStyle>
+            <a:lvl1pPr>
+              <a:spcBef>
+                <a:spcPct val="0"/>
+              </a:spcBef>
+              <a:buNone/>
+              <a:defRPr sz="3200" b="0" cap="all">
+                <a:ln w="3175" cmpd="sng">
+                  <a:noFill/>
+                </a:ln>
+                <a:effectLst>
+                  <a:glow rad="38100">
+                    <a:schemeClr val="bg1">
+                      <a:lumMod val="65000"/>
+                      <a:lumOff val="35000"/>
+                      <a:alpha val="40000"/>
+                    </a:schemeClr>
+                  </a:glow>
+                  <a:outerShdw blurRad="28575" dist="38100" dir="14040000" algn="tl" rotWithShape="0">
+                    <a:srgbClr val="000000">
+                      <a:alpha val="25000"/>
+                    </a:srgbClr>
+                  </a:outerShdw>
+                </a:effectLst>
+              </a:defRPr>
+            </a:lvl1pPr>
+            <a:lvl2pPr>
+              <a:defRPr>
+                <a:solidFill>
+                  <a:schemeClr val="tx2"/>
+                </a:solidFill>
+              </a:defRPr>
+            </a:lvl2pPr>
+            <a:lvl3pPr>
+              <a:defRPr>
+                <a:solidFill>
+                  <a:schemeClr val="tx2"/>
+                </a:solidFill>
+              </a:defRPr>
+            </a:lvl3pPr>
+            <a:lvl4pPr>
+              <a:defRPr>
+                <a:solidFill>
+                  <a:schemeClr val="tx2"/>
+                </a:solidFill>
+              </a:defRPr>
+            </a:lvl4pPr>
+            <a:lvl5pPr>
+              <a:defRPr>
+                <a:solidFill>
+                  <a:schemeClr val="tx2"/>
+                </a:solidFill>
+              </a:defRPr>
+            </a:lvl5pPr>
+            <a:lvl6pPr>
+              <a:defRPr>
+                <a:solidFill>
+                  <a:schemeClr val="tx2"/>
+                </a:solidFill>
+              </a:defRPr>
+            </a:lvl6pPr>
+            <a:lvl7pPr>
+              <a:defRPr>
+                <a:solidFill>
+                  <a:schemeClr val="tx2"/>
+                </a:solidFill>
+              </a:defRPr>
+            </a:lvl7pPr>
+            <a:lvl8pPr>
+              <a:defRPr>
+                <a:solidFill>
+                  <a:schemeClr val="tx2"/>
+                </a:solidFill>
+              </a:defRPr>
+            </a:lvl8pPr>
+            <a:lvl9pPr>
+              <a:defRPr>
+                <a:solidFill>
+                  <a:schemeClr val="tx2"/>
+                </a:solidFill>
+              </a:defRPr>
+            </a:lvl9pPr>
+          </a:lstStyle>
+          <a:p>
+            <a:pPr lvl="0" algn="r"/>
+            <a:r>
+              <a:rPr lang="en-US" sz="8000" dirty="0">
+                <a:solidFill>
+                  <a:schemeClr val="tx1"/>
+                </a:solidFill>
+                <a:effectLst/>
+              </a:rPr>
+              <a:t>”</a:t>
+            </a:r>
+          </a:p>
+        </p:txBody>
+      </p:sp>
+      <p:sp>
+        <p:nvSpPr>
+          <p:cNvPr id="14" name="TextBox 13"/>
+          <p:cNvSpPr txBox="1"/>
+          <p:nvPr/>
+        </p:nvSpPr>
+        <p:spPr>
+          <a:xfrm>
+            <a:off x="488275" y="823337"/>
+            <a:ext cx="609600" cy="584776"/>
+          </a:xfrm>
+          <a:prstGeom prst="rect">
+            <a:avLst/>
+          </a:prstGeom>
+        </p:spPr>
+        <p:txBody>
+          <a:bodyPr vert="horz" lIns="91440" tIns="45720" rIns="91440" bIns="45720" rtlCol="0" anchor="ctr">
+            <a:noAutofit/>
+          </a:bodyPr>
+          <a:lstStyle>
+            <a:lvl1pPr>
+              <a:spcBef>
+                <a:spcPct val="0"/>
+              </a:spcBef>
+              <a:buNone/>
+              <a:defRPr sz="3200" b="0" cap="all">
+                <a:ln w="3175" cmpd="sng">
+                  <a:noFill/>
+                </a:ln>
+                <a:effectLst>
+                  <a:glow rad="38100">
+                    <a:schemeClr val="bg1">
+                      <a:lumMod val="65000"/>
+                      <a:lumOff val="35000"/>
+                      <a:alpha val="40000"/>
+                    </a:schemeClr>
+                  </a:glow>
+                  <a:outerShdw blurRad="28575" dist="38100" dir="14040000" algn="tl" rotWithShape="0">
+                    <a:srgbClr val="000000">
+                      <a:alpha val="25000"/>
+                    </a:srgbClr>
+                  </a:outerShdw>
+                </a:effectLst>
+              </a:defRPr>
+            </a:lvl1pPr>
+            <a:lvl2pPr>
+              <a:defRPr>
+                <a:solidFill>
+                  <a:schemeClr val="tx2"/>
+                </a:solidFill>
+              </a:defRPr>
+            </a:lvl2pPr>
+            <a:lvl3pPr>
+              <a:defRPr>
+                <a:solidFill>
+                  <a:schemeClr val="tx2"/>
+                </a:solidFill>
+              </a:defRPr>
+            </a:lvl3pPr>
+            <a:lvl4pPr>
+              <a:defRPr>
+                <a:solidFill>
+                  <a:schemeClr val="tx2"/>
+                </a:solidFill>
+              </a:defRPr>
+            </a:lvl4pPr>
+            <a:lvl5pPr>
+              <a:defRPr>
+                <a:solidFill>
+                  <a:schemeClr val="tx2"/>
+                </a:solidFill>
+              </a:defRPr>
+            </a:lvl5pPr>
+            <a:lvl6pPr>
+              <a:defRPr>
+                <a:solidFill>
+                  <a:schemeClr val="tx2"/>
+                </a:solidFill>
+              </a:defRPr>
+            </a:lvl6pPr>
+            <a:lvl7pPr>
+              <a:defRPr>
+                <a:solidFill>
+                  <a:schemeClr val="tx2"/>
+                </a:solidFill>
+              </a:defRPr>
+            </a:lvl7pPr>
+            <a:lvl8pPr>
+              <a:defRPr>
+                <a:solidFill>
+                  <a:schemeClr val="tx2"/>
+                </a:solidFill>
+              </a:defRPr>
+            </a:lvl8pPr>
+            <a:lvl9pPr>
+              <a:defRPr>
+                <a:solidFill>
+                  <a:schemeClr val="tx2"/>
+                </a:solidFill>
+              </a:defRPr>
+            </a:lvl9pPr>
+          </a:lstStyle>
+          <a:p>
+            <a:pPr lvl="0" algn="r"/>
+            <a:r>
+              <a:rPr lang="en-US" sz="8000" dirty="0">
+                <a:solidFill>
+                  <a:schemeClr val="tx1"/>
+                </a:solidFill>
+                <a:effectLst/>
+              </a:rPr>
+              <a:t>“</a:t>
+            </a:r>
+          </a:p>
+        </p:txBody>
+      </p:sp>
+      <p:sp>
+        <p:nvSpPr>
+          <p:cNvPr id="16" name="Title 1"/>
+          <p:cNvSpPr>
+            <a:spLocks noGrp="1"/>
+          </p:cNvSpPr>
+          <p:nvPr>
+            <p:ph type="title"/>
+          </p:nvPr>
+        </p:nvSpPr>
+        <p:spPr>
+          <a:xfrm>
+            <a:off x="992267" y="609601"/>
+            <a:ext cx="9550399" cy="2743199"/>
+          </a:xfrm>
+        </p:spPr>
+        <p:txBody>
+          <a:bodyPr anchor="ctr">
+            <a:normAutofit/>
+          </a:bodyPr>
+          <a:lstStyle>
+            <a:lvl1pPr algn="l">
+              <a:defRPr sz="3200" b="0" cap="none">
+                <a:solidFill>
+                  <a:schemeClr val="tx1"/>
+                </a:solidFill>
+              </a:defRPr>
+            </a:lvl1pPr>
+          </a:lstStyle>
+          <a:p>
+            <a:r>
+              <a:rPr lang="en-US"/>
+              <a:t>Click to edit Master title style</a:t>
+            </a:r>
+            <a:endParaRPr lang="en-US" dirty="0"/>
+          </a:p>
+        </p:txBody>
+      </p:sp>
+      <p:sp>
+        <p:nvSpPr>
+          <p:cNvPr id="10" name="Text Placeholder 9"/>
+          <p:cNvSpPr>
+            <a:spLocks noGrp="1"/>
+          </p:cNvSpPr>
+          <p:nvPr>
+            <p:ph type="body" sz="quarter" idx="13"/>
+          </p:nvPr>
+        </p:nvSpPr>
+        <p:spPr>
+          <a:xfrm>
+            <a:off x="685800" y="3886200"/>
+            <a:ext cx="10135436" cy="889000"/>
+          </a:xfrm>
+        </p:spPr>
+        <p:txBody>
+          <a:bodyPr vert="horz" lIns="91440" tIns="45720" rIns="91440" bIns="45720" rtlCol="0" anchor="b">
+            <a:normAutofit/>
+          </a:bodyPr>
+          <a:lstStyle>
+            <a:lvl1pPr>
+              <a:buNone/>
+              <a:defRPr lang="en-US" sz="2400" b="0" cap="none" dirty="0">
+                <a:ln w="3175" cmpd="sng">
+                  <a:noFill/>
+                </a:ln>
+                <a:solidFill>
+                  <a:schemeClr val="tx1"/>
+                </a:solidFill>
+                <a:effectLst/>
+              </a:defRPr>
+            </a:lvl1pPr>
+          </a:lstStyle>
+          <a:p>
+            <a:pPr marL="0" lvl="0">
+              <a:spcBef>
+                <a:spcPct val="0"/>
+              </a:spcBef>
+              <a:buNone/>
+            </a:pPr>
+            <a:r>
+              <a:rPr lang="en-US"/>
+              <a:t>Click to edit Master text styles</a:t>
+            </a:r>
+          </a:p>
+        </p:txBody>
+      </p:sp>
+      <p:sp>
+        <p:nvSpPr>
+          <p:cNvPr id="3" name="Text Placeholder 2"/>
+          <p:cNvSpPr>
+            <a:spLocks noGrp="1"/>
+          </p:cNvSpPr>
+          <p:nvPr>
+            <p:ph type="body" idx="1"/>
+          </p:nvPr>
+        </p:nvSpPr>
+        <p:spPr>
+          <a:xfrm>
+            <a:off x="685799" y="4775200"/>
+            <a:ext cx="10135436" cy="1016000"/>
+          </a:xfrm>
+        </p:spPr>
+        <p:txBody>
+          <a:bodyPr anchor="t">
+            <a:normAutofit/>
+          </a:bodyPr>
+          <a:lstStyle>
+            <a:lvl1pPr marL="0" indent="0" algn="l">
+              <a:buNone/>
+              <a:defRPr sz="1800">
+                <a:solidFill>
+                  <a:schemeClr val="tx1"/>
+                </a:solidFill>
+              </a:defRPr>
+            </a:lvl1pPr>
+            <a:lvl2pPr marL="457200" indent="0">
+              <a:buNone/>
+              <a:defRPr sz="1800">
+                <a:solidFill>
+                  <a:schemeClr val="tx1">
+                    <a:tint val="75000"/>
+                  </a:schemeClr>
+                </a:solidFill>
+              </a:defRPr>
+            </a:lvl2pPr>
+            <a:lvl3pPr marL="914400" indent="0">
+              <a:buNone/>
+              <a:defRPr sz="1600">
+                <a:solidFill>
+                  <a:schemeClr val="tx1">
+                    <a:tint val="75000"/>
+                  </a:schemeClr>
+                </a:solidFill>
+              </a:defRPr>
+            </a:lvl3pPr>
+            <a:lvl4pPr marL="1371600" indent="0">
+              <a:buNone/>
+              <a:defRPr sz="1400">
+                <a:solidFill>
+                  <a:schemeClr val="tx1">
+                    <a:tint val="75000"/>
+                  </a:schemeClr>
+                </a:solidFill>
+              </a:defRPr>
+            </a:lvl4pPr>
+            <a:lvl5pPr marL="1828800" indent="0">
+              <a:buNone/>
+              <a:defRPr sz="1400">
+                <a:solidFill>
+                  <a:schemeClr val="tx1">
+                    <a:tint val="75000"/>
+                  </a:schemeClr>
+                </a:solidFill>
+              </a:defRPr>
+            </a:lvl5pPr>
+            <a:lvl6pPr marL="2286000" indent="0">
+              <a:buNone/>
+              <a:defRPr sz="1400">
+                <a:solidFill>
+                  <a:schemeClr val="tx1">
+                    <a:tint val="75000"/>
+                  </a:schemeClr>
+                </a:solidFill>
+              </a:defRPr>
+            </a:lvl6pPr>
+            <a:lvl7pPr marL="2743200" indent="0">
+              <a:buNone/>
+              <a:defRPr sz="1400">
+                <a:solidFill>
+                  <a:schemeClr val="tx1">
+                    <a:tint val="75000"/>
+                  </a:schemeClr>
+                </a:solidFill>
+              </a:defRPr>
+            </a:lvl7pPr>
+            <a:lvl8pPr marL="3200400" indent="0">
+              <a:buNone/>
+              <a:defRPr sz="1400">
+                <a:solidFill>
+                  <a:schemeClr val="tx1">
+                    <a:tint val="75000"/>
+                  </a:schemeClr>
+                </a:solidFill>
+              </a:defRPr>
+            </a:lvl8pPr>
+            <a:lvl9pPr marL="3657600" indent="0">
+              <a:buNone/>
+              <a:defRPr sz="1400">
+                <a:solidFill>
+                  <a:schemeClr val="tx1">
+                    <a:tint val="75000"/>
+                  </a:schemeClr>
+                </a:solidFill>
+              </a:defRPr>
+            </a:lvl9pPr>
+          </a:lstStyle>
+          <a:p>
+            <a:pPr lvl="0"/>
+            <a:r>
+              <a:rPr lang="en-US"/>
+              <a:t>Click to edit Master text styles</a:t>
+            </a:r>
+          </a:p>
+        </p:txBody>
+      </p:sp>
+      <p:sp>
+        <p:nvSpPr>
+          <p:cNvPr id="4" name="Date Placeholder 3"/>
+          <p:cNvSpPr>
+            <a:spLocks noGrp="1"/>
+          </p:cNvSpPr>
+          <p:nvPr>
+            <p:ph type="dt" sz="half" idx="10"/>
+          </p:nvPr>
+        </p:nvSpPr>
+        <p:spPr/>
+        <p:txBody>
+          <a:bodyPr/>
+          <a:lstStyle/>
+          <a:p>
+            <a:fld id="{3A764045-405C-F944-8314-44E0B285DAAA}" type="datetimeFigureOut">
+              <a:rPr lang="en-US" smtClean="0"/>
+              <a:t>11/16/24</a:t>
+            </a:fld>
+            <a:endParaRPr lang="en-US"/>
+          </a:p>
+        </p:txBody>
+      </p:sp>
+      <p:sp>
+        <p:nvSpPr>
+          <p:cNvPr id="5" name="Footer Placeholder 4"/>
+          <p:cNvSpPr>
+            <a:spLocks noGrp="1"/>
+          </p:cNvSpPr>
+          <p:nvPr>
+            <p:ph type="ftr" sz="quarter" idx="11"/>
+          </p:nvPr>
+        </p:nvSpPr>
+        <p:spPr/>
+        <p:txBody>
+          <a:bodyPr/>
+          <a:lstStyle/>
+          <a:p>
+            <a:endParaRPr lang="en-US"/>
+          </a:p>
+        </p:txBody>
+      </p:sp>
+      <p:sp>
+        <p:nvSpPr>
+          <p:cNvPr id="6" name="Slide Number Placeholder 5"/>
+          <p:cNvSpPr>
+            <a:spLocks noGrp="1"/>
+          </p:cNvSpPr>
+          <p:nvPr>
+            <p:ph type="sldNum" sz="quarter" idx="12"/>
+          </p:nvPr>
+        </p:nvSpPr>
+        <p:spPr/>
+        <p:txBody>
+          <a:bodyPr/>
+          <a:lstStyle/>
+          <a:p>
+            <a:fld id="{F46A29C6-DB1E-E143-8E02-2C5ADDB6AB61}" type="slidenum">
+              <a:rPr lang="en-US" smtClean="0"/>
+              <a:t>‹#›</a:t>
+            </a:fld>
+            <a:endParaRPr lang="en-US"/>
+          </a:p>
+        </p:txBody>
+      </p:sp>
+    </p:spTree>
+    <p:extLst>
+      <p:ext uri="{BB962C8B-B14F-4D97-AF65-F5344CB8AC3E}">
+        <p14:creationId xmlns:p14="http://schemas.microsoft.com/office/powerpoint/2010/main" val="4243450343"/>
+      </p:ext>
+    </p:extLst>
+  </p:cSld>
+  <p:clrMapOvr>
+    <a:masterClrMapping/>
+  </p:clrMapOvr>
+</p:sldLayout>
+</file>
+
+<file path=ppt/slideLayouts/slideLayout15.xml><?xml version="1.0" encoding="utf-8"?>
+<p:sldLayout xmlns:a="http://schemas.openxmlformats.org/drawingml/2006/main" xmlns:r="http://schemas.openxmlformats.org/officeDocument/2006/relationships" xmlns:p="http://schemas.openxmlformats.org/presentationml/2006/main" preserve="1">
+  <p:cSld name="True or False">
+    <p:spTree>
+      <p:nvGrpSpPr>
+        <p:cNvPr id="1" name=""/>
+        <p:cNvGrpSpPr/>
+        <p:nvPr/>
+      </p:nvGrpSpPr>
+      <p:grpSpPr>
+        <a:xfrm>
+          <a:off x="0" y="0"/>
+          <a:ext cx="0" cy="0"/>
+          <a:chOff x="0" y="0"/>
+          <a:chExt cx="0" cy="0"/>
+        </a:xfrm>
+      </p:grpSpPr>
+      <p:pic>
+        <p:nvPicPr>
+          <p:cNvPr id="8" name="Picture 7" descr="Celestia-R1---OverlayContentHD.png"/>
+          <p:cNvPicPr>
+            <a:picLocks noChangeAspect="1"/>
+          </p:cNvPicPr>
+          <p:nvPr/>
+        </p:nvPicPr>
+        <p:blipFill>
+          <a:blip r:embed="rId2">
+            <a:extLst>
+              <a:ext uri="{28A0092B-C50C-407E-A947-70E740481C1C}">
+                <a14:useLocalDpi xmlns:a14="http://schemas.microsoft.com/office/drawing/2010/main" val="0"/>
+              </a:ext>
+            </a:extLst>
+          </a:blip>
+          <a:stretch>
+            <a:fillRect/>
+          </a:stretch>
+        </p:blipFill>
+        <p:spPr>
+          <a:xfrm>
+            <a:off x="0" y="0"/>
+            <a:ext cx="12188825" cy="6856214"/>
+          </a:xfrm>
+          <a:prstGeom prst="rect">
+            <a:avLst/>
+          </a:prstGeom>
+        </p:spPr>
+      </p:pic>
+      <p:sp>
+        <p:nvSpPr>
+          <p:cNvPr id="2" name="Title 1"/>
+          <p:cNvSpPr>
+            <a:spLocks noGrp="1"/>
+          </p:cNvSpPr>
+          <p:nvPr>
+            <p:ph type="title"/>
+          </p:nvPr>
+        </p:nvSpPr>
+        <p:spPr>
+          <a:xfrm>
+            <a:off x="685801" y="609601"/>
+            <a:ext cx="10131427" cy="2743199"/>
+          </a:xfrm>
+        </p:spPr>
+        <p:txBody>
+          <a:bodyPr vert="horz" lIns="91440" tIns="45720" rIns="91440" bIns="45720" rtlCol="0" anchor="ctr">
+            <a:normAutofit/>
+          </a:bodyPr>
+          <a:lstStyle>
+            <a:lvl1pPr>
+              <a:defRPr lang="en-US" b="0" dirty="0"/>
+            </a:lvl1pPr>
+          </a:lstStyle>
+          <a:p>
+            <a:pPr marL="0" lvl="0"/>
+            <a:r>
+              <a:rPr lang="en-US"/>
+              <a:t>Click to edit Master title style</a:t>
+            </a:r>
+            <a:endParaRPr lang="en-US" dirty="0"/>
+          </a:p>
+        </p:txBody>
+      </p:sp>
+      <p:sp>
+        <p:nvSpPr>
+          <p:cNvPr id="10" name="Text Placeholder 9"/>
+          <p:cNvSpPr>
+            <a:spLocks noGrp="1"/>
+          </p:cNvSpPr>
+          <p:nvPr>
+            <p:ph type="body" sz="quarter" idx="13"/>
+          </p:nvPr>
+        </p:nvSpPr>
+        <p:spPr>
+          <a:xfrm>
+            <a:off x="685801" y="3505200"/>
+            <a:ext cx="10131428" cy="838200"/>
+          </a:xfrm>
+        </p:spPr>
+        <p:txBody>
+          <a:bodyPr vert="horz" lIns="91440" tIns="45720" rIns="91440" bIns="45720" rtlCol="0" anchor="b">
+            <a:normAutofit/>
+          </a:bodyPr>
+          <a:lstStyle>
+            <a:lvl1pPr>
+              <a:buNone/>
+              <a:defRPr lang="en-US" sz="2800" b="0" cap="none" dirty="0">
+                <a:ln w="3175" cmpd="sng">
+                  <a:noFill/>
+                </a:ln>
+                <a:solidFill>
+                  <a:schemeClr val="tx1"/>
+                </a:solidFill>
+                <a:effectLst/>
+              </a:defRPr>
+            </a:lvl1pPr>
+          </a:lstStyle>
+          <a:p>
+            <a:pPr marL="0" lvl="0">
+              <a:spcBef>
+                <a:spcPct val="0"/>
+              </a:spcBef>
+              <a:buNone/>
+            </a:pPr>
+            <a:r>
+              <a:rPr lang="en-US"/>
+              <a:t>Click to edit Master text styles</a:t>
+            </a:r>
+          </a:p>
+        </p:txBody>
+      </p:sp>
+      <p:sp>
+        <p:nvSpPr>
+          <p:cNvPr id="3" name="Text Placeholder 2"/>
+          <p:cNvSpPr>
+            <a:spLocks noGrp="1"/>
+          </p:cNvSpPr>
+          <p:nvPr>
+            <p:ph type="body" idx="1"/>
+          </p:nvPr>
+        </p:nvSpPr>
+        <p:spPr>
+          <a:xfrm>
+            <a:off x="685800" y="4343400"/>
+            <a:ext cx="10131428" cy="1447800"/>
+          </a:xfrm>
+        </p:spPr>
+        <p:txBody>
+          <a:bodyPr anchor="t">
+            <a:normAutofit/>
+          </a:bodyPr>
+          <a:lstStyle>
+            <a:lvl1pPr marL="0" indent="0" algn="l">
+              <a:buNone/>
+              <a:defRPr sz="1800">
+                <a:solidFill>
+                  <a:schemeClr val="tx1"/>
+                </a:solidFill>
+              </a:defRPr>
+            </a:lvl1pPr>
+            <a:lvl2pPr marL="457200" indent="0">
+              <a:buNone/>
+              <a:defRPr sz="1800">
+                <a:solidFill>
+                  <a:schemeClr val="tx1">
+                    <a:tint val="75000"/>
+                  </a:schemeClr>
+                </a:solidFill>
+              </a:defRPr>
+            </a:lvl2pPr>
+            <a:lvl3pPr marL="914400" indent="0">
+              <a:buNone/>
+              <a:defRPr sz="1600">
+                <a:solidFill>
+                  <a:schemeClr val="tx1">
+                    <a:tint val="75000"/>
+                  </a:schemeClr>
+                </a:solidFill>
+              </a:defRPr>
+            </a:lvl3pPr>
+            <a:lvl4pPr marL="1371600" indent="0">
+              <a:buNone/>
+              <a:defRPr sz="1400">
+                <a:solidFill>
+                  <a:schemeClr val="tx1">
+                    <a:tint val="75000"/>
+                  </a:schemeClr>
+                </a:solidFill>
+              </a:defRPr>
+            </a:lvl4pPr>
+            <a:lvl5pPr marL="1828800" indent="0">
+              <a:buNone/>
+              <a:defRPr sz="1400">
+                <a:solidFill>
+                  <a:schemeClr val="tx1">
+                    <a:tint val="75000"/>
+                  </a:schemeClr>
+                </a:solidFill>
+              </a:defRPr>
+            </a:lvl5pPr>
+            <a:lvl6pPr marL="2286000" indent="0">
+              <a:buNone/>
+              <a:defRPr sz="1400">
+                <a:solidFill>
+                  <a:schemeClr val="tx1">
+                    <a:tint val="75000"/>
+                  </a:schemeClr>
+                </a:solidFill>
+              </a:defRPr>
+            </a:lvl6pPr>
+            <a:lvl7pPr marL="2743200" indent="0">
+              <a:buNone/>
+              <a:defRPr sz="1400">
+                <a:solidFill>
+                  <a:schemeClr val="tx1">
+                    <a:tint val="75000"/>
+                  </a:schemeClr>
+                </a:solidFill>
+              </a:defRPr>
+            </a:lvl7pPr>
+            <a:lvl8pPr marL="3200400" indent="0">
+              <a:buNone/>
+              <a:defRPr sz="1400">
+                <a:solidFill>
+                  <a:schemeClr val="tx1">
+                    <a:tint val="75000"/>
+                  </a:schemeClr>
+                </a:solidFill>
+              </a:defRPr>
+            </a:lvl8pPr>
+            <a:lvl9pPr marL="3657600" indent="0">
+              <a:buNone/>
+              <a:defRPr sz="1400">
+                <a:solidFill>
+                  <a:schemeClr val="tx1">
+                    <a:tint val="75000"/>
+                  </a:schemeClr>
+                </a:solidFill>
+              </a:defRPr>
+            </a:lvl9pPr>
+          </a:lstStyle>
+          <a:p>
+            <a:pPr lvl="0"/>
+            <a:r>
+              <a:rPr lang="en-US"/>
+              <a:t>Click to edit Master text styles</a:t>
+            </a:r>
+          </a:p>
+        </p:txBody>
+      </p:sp>
+      <p:sp>
+        <p:nvSpPr>
+          <p:cNvPr id="4" name="Date Placeholder 3"/>
+          <p:cNvSpPr>
+            <a:spLocks noGrp="1"/>
+          </p:cNvSpPr>
+          <p:nvPr>
+            <p:ph type="dt" sz="half" idx="10"/>
+          </p:nvPr>
+        </p:nvSpPr>
+        <p:spPr/>
+        <p:txBody>
+          <a:bodyPr/>
+          <a:lstStyle/>
+          <a:p>
+            <a:fld id="{3A764045-405C-F944-8314-44E0B285DAAA}" type="datetimeFigureOut">
+              <a:rPr lang="en-US" smtClean="0"/>
+              <a:t>11/16/24</a:t>
+            </a:fld>
+            <a:endParaRPr lang="en-US"/>
+          </a:p>
+        </p:txBody>
+      </p:sp>
+      <p:sp>
+        <p:nvSpPr>
+          <p:cNvPr id="5" name="Footer Placeholder 4"/>
+          <p:cNvSpPr>
+            <a:spLocks noGrp="1"/>
+          </p:cNvSpPr>
+          <p:nvPr>
+            <p:ph type="ftr" sz="quarter" idx="11"/>
+          </p:nvPr>
+        </p:nvSpPr>
+        <p:spPr/>
+        <p:txBody>
+          <a:bodyPr/>
+          <a:lstStyle/>
+          <a:p>
+            <a:endParaRPr lang="en-US"/>
+          </a:p>
+        </p:txBody>
+      </p:sp>
+      <p:sp>
+        <p:nvSpPr>
+          <p:cNvPr id="6" name="Slide Number Placeholder 5"/>
+          <p:cNvSpPr>
+            <a:spLocks noGrp="1"/>
+          </p:cNvSpPr>
+          <p:nvPr>
+            <p:ph type="sldNum" sz="quarter" idx="12"/>
+          </p:nvPr>
+        </p:nvSpPr>
+        <p:spPr/>
+        <p:txBody>
+          <a:bodyPr/>
+          <a:lstStyle/>
+          <a:p>
+            <a:fld id="{F46A29C6-DB1E-E143-8E02-2C5ADDB6AB61}" type="slidenum">
+              <a:rPr lang="en-US" smtClean="0"/>
+              <a:t>‹#›</a:t>
+            </a:fld>
+            <a:endParaRPr lang="en-US"/>
+          </a:p>
+        </p:txBody>
+      </p:sp>
+    </p:spTree>
+    <p:extLst>
+      <p:ext uri="{BB962C8B-B14F-4D97-AF65-F5344CB8AC3E}">
+        <p14:creationId xmlns:p14="http://schemas.microsoft.com/office/powerpoint/2010/main" val="1898496661"/>
+      </p:ext>
+    </p:extLst>
+  </p:cSld>
+  <p:clrMapOvr>
+    <a:masterClrMapping/>
+  </p:clrMapOvr>
+</p:sldLayout>
+</file>
+
+<file path=ppt/slideLayouts/slideLayout16.xml><?xml version="1.0" encoding="utf-8"?>
 <p:sldLayout xmlns:a="http://schemas.openxmlformats.org/drawingml/2006/main" xmlns:r="http://schemas.openxmlformats.org/officeDocument/2006/relationships" xmlns:p="http://schemas.openxmlformats.org/presentationml/2006/main" type="vertTx" preserve="1">
   <p:cSld name="Title and Vertical Text">
     <p:spTree>
@@ -347,15 +2766,39 @@
           <a:chExt cx="0" cy="0"/>
         </a:xfrm>
       </p:grpSpPr>
-      <p:sp>
-        <p:nvSpPr>
-          <p:cNvPr id="2" name="Title 1">
+      <p:pic>
+        <p:nvPicPr>
+          <p:cNvPr id="7" name="Picture 6" descr="Celestia-R1---OverlayContentHD.png"/>
+          <p:cNvPicPr>
+            <a:picLocks noChangeAspect="1"/>
+          </p:cNvPicPr>
+          <p:nvPr/>
+        </p:nvPicPr>
+        <p:blipFill>
+          <a:blip r:embed="rId2">
             <a:extLst>
-              <a:ext uri="{FF2B5EF4-FFF2-40B4-BE49-F238E27FC236}">
-                <a16:creationId xmlns:a16="http://schemas.microsoft.com/office/drawing/2014/main" id="{CE374BF3-8396-C4BC-785F-E4B490A8981B}"/>
+              <a:ext uri="{28A0092B-C50C-407E-A947-70E740481C1C}">
+                <a14:useLocalDpi xmlns:a14="http://schemas.microsoft.com/office/drawing/2010/main" val="0"/>
               </a:ext>
             </a:extLst>
-          </p:cNvPr>
+          </a:blip>
+          <a:stretch>
+            <a:fillRect/>
+          </a:stretch>
+        </p:blipFill>
+        <p:spPr>
+          <a:xfrm>
+            <a:off x="0" y="0"/>
+            <a:ext cx="12188825" cy="6856214"/>
+          </a:xfrm>
+          <a:prstGeom prst="rect">
+            <a:avLst/>
+          </a:prstGeom>
+        </p:spPr>
+      </p:pic>
+      <p:sp>
+        <p:nvSpPr>
+          <p:cNvPr id="8" name="Title 1"/>
           <p:cNvSpPr>
             <a:spLocks noGrp="1"/>
           </p:cNvSpPr>
@@ -363,37 +2806,37 @@
             <p:ph type="title"/>
           </p:nvPr>
         </p:nvSpPr>
+        <p:spPr>
+          <a:xfrm>
+            <a:off x="685801" y="609600"/>
+            <a:ext cx="10131425" cy="1456267"/>
+          </a:xfrm>
+        </p:spPr>
+        <p:txBody>
+          <a:bodyPr/>
+          <a:lstStyle/>
+          <a:p>
+            <a:r>
+              <a:rPr lang="en-US"/>
+              <a:t>Click to edit Master title style</a:t>
+            </a:r>
+            <a:endParaRPr lang="en-US" dirty="0"/>
+          </a:p>
+        </p:txBody>
+      </p:sp>
+      <p:sp>
+        <p:nvSpPr>
+          <p:cNvPr id="3" name="Vertical Text Placeholder 2"/>
+          <p:cNvSpPr>
+            <a:spLocks noGrp="1"/>
+          </p:cNvSpPr>
+          <p:nvPr>
+            <p:ph type="body" orient="vert" idx="1"/>
+          </p:nvPr>
+        </p:nvSpPr>
         <p:spPr/>
         <p:txBody>
-          <a:bodyPr/>
-          <a:lstStyle/>
-          <a:p>
-            <a:r>
-              <a:rPr lang="en-US"/>
-              <a:t>Click to edit Master title style</a:t>
-            </a:r>
-          </a:p>
-        </p:txBody>
-      </p:sp>
-      <p:sp>
-        <p:nvSpPr>
-          <p:cNvPr id="3" name="Vertical Text Placeholder 2">
-            <a:extLst>
-              <a:ext uri="{FF2B5EF4-FFF2-40B4-BE49-F238E27FC236}">
-                <a16:creationId xmlns:a16="http://schemas.microsoft.com/office/drawing/2014/main" id="{16AA9642-5D26-A450-6DD4-45E33C709979}"/>
-              </a:ext>
-            </a:extLst>
-          </p:cNvPr>
-          <p:cNvSpPr>
-            <a:spLocks noGrp="1"/>
-          </p:cNvSpPr>
-          <p:nvPr>
-            <p:ph type="body" orient="vert" idx="1"/>
-          </p:nvPr>
-        </p:nvSpPr>
-        <p:spPr/>
-        <p:txBody>
-          <a:bodyPr vert="eaVert"/>
+          <a:bodyPr vert="eaVert" anchor="t"/>
           <a:lstStyle/>
           <a:p>
             <a:pPr lvl="0"/>
@@ -429,18 +2872,13 @@
               <a:rPr lang="en-US"/>
               <a:t>Fifth level</a:t>
             </a:r>
-          </a:p>
-        </p:txBody>
-      </p:sp>
-      <p:sp>
-        <p:nvSpPr>
-          <p:cNvPr id="4" name="Date Placeholder 3">
-            <a:extLst>
-              <a:ext uri="{FF2B5EF4-FFF2-40B4-BE49-F238E27FC236}">
-                <a16:creationId xmlns:a16="http://schemas.microsoft.com/office/drawing/2014/main" id="{4850FE1E-8379-68FF-B41F-493CC5CDB881}"/>
-              </a:ext>
-            </a:extLst>
-          </p:cNvPr>
+            <a:endParaRPr lang="en-US" dirty="0"/>
+          </a:p>
+        </p:txBody>
+      </p:sp>
+      <p:sp>
+        <p:nvSpPr>
+          <p:cNvPr id="4" name="Date Placeholder 3"/>
           <p:cNvSpPr>
             <a:spLocks noGrp="1"/>
           </p:cNvSpPr>
@@ -463,13 +2901,7 @@
       </p:sp>
       <p:sp>
         <p:nvSpPr>
-          <p:cNvPr id="5" name="Footer Placeholder 4">
-            <a:extLst>
-              <a:ext uri="{FF2B5EF4-FFF2-40B4-BE49-F238E27FC236}">
-                <a16:creationId xmlns:a16="http://schemas.microsoft.com/office/drawing/2014/main" id="{05CF57BE-F4EE-E32C-4E31-01DF89C17D1A}"/>
-              </a:ext>
-            </a:extLst>
-          </p:cNvPr>
+          <p:cNvPr id="5" name="Footer Placeholder 4"/>
           <p:cNvSpPr>
             <a:spLocks noGrp="1"/>
           </p:cNvSpPr>
@@ -488,13 +2920,7 @@
       </p:sp>
       <p:sp>
         <p:nvSpPr>
-          <p:cNvPr id="6" name="Slide Number Placeholder 5">
-            <a:extLst>
-              <a:ext uri="{FF2B5EF4-FFF2-40B4-BE49-F238E27FC236}">
-                <a16:creationId xmlns:a16="http://schemas.microsoft.com/office/drawing/2014/main" id="{EF7B4FB3-1075-DB40-0FA0-8025284DAB04}"/>
-              </a:ext>
-            </a:extLst>
-          </p:cNvPr>
+          <p:cNvPr id="6" name="Slide Number Placeholder 5"/>
           <p:cNvSpPr>
             <a:spLocks noGrp="1"/>
           </p:cNvSpPr>
@@ -518,7 +2944,7 @@
     </p:spTree>
     <p:extLst>
       <p:ext uri="{BB962C8B-B14F-4D97-AF65-F5344CB8AC3E}">
-        <p14:creationId xmlns:p14="http://schemas.microsoft.com/office/powerpoint/2010/main" val="145720806"/>
+        <p14:creationId xmlns:p14="http://schemas.microsoft.com/office/powerpoint/2010/main" val="1684244817"/>
       </p:ext>
     </p:extLst>
   </p:cSld>
@@ -528,7 +2954,7 @@
 </p:sldLayout>
 </file>
 
-<file path=ppt/slideLayouts/slideLayout11.xml><?xml version="1.0" encoding="utf-8"?>
+<file path=ppt/slideLayouts/slideLayout17.xml><?xml version="1.0" encoding="utf-8"?>
 <p:sldLayout xmlns:a="http://schemas.openxmlformats.org/drawingml/2006/main" xmlns:r="http://schemas.openxmlformats.org/officeDocument/2006/relationships" xmlns:p="http://schemas.openxmlformats.org/presentationml/2006/main" type="vertTitleAndTx" preserve="1">
   <p:cSld name="Vertical Title and Text">
     <p:spTree>
@@ -545,15 +2971,39 @@
           <a:chExt cx="0" cy="0"/>
         </a:xfrm>
       </p:grpSpPr>
-      <p:sp>
-        <p:nvSpPr>
-          <p:cNvPr id="2" name="Vertical Title 1">
+      <p:pic>
+        <p:nvPicPr>
+          <p:cNvPr id="7" name="Picture 6" descr="Celestia-R1---OverlayContentHD.png"/>
+          <p:cNvPicPr>
+            <a:picLocks noChangeAspect="1"/>
+          </p:cNvPicPr>
+          <p:nvPr/>
+        </p:nvPicPr>
+        <p:blipFill>
+          <a:blip r:embed="rId2">
             <a:extLst>
-              <a:ext uri="{FF2B5EF4-FFF2-40B4-BE49-F238E27FC236}">
-                <a16:creationId xmlns:a16="http://schemas.microsoft.com/office/drawing/2014/main" id="{85FAAA2F-EB64-C5F5-F339-C70939E8CB85}"/>
+              <a:ext uri="{28A0092B-C50C-407E-A947-70E740481C1C}">
+                <a14:useLocalDpi xmlns:a14="http://schemas.microsoft.com/office/drawing/2010/main" val="0"/>
               </a:ext>
             </a:extLst>
-          </p:cNvPr>
+          </a:blip>
+          <a:stretch>
+            <a:fillRect/>
+          </a:stretch>
+        </p:blipFill>
+        <p:spPr>
+          <a:xfrm>
+            <a:off x="0" y="0"/>
+            <a:ext cx="12188825" cy="6856214"/>
+          </a:xfrm>
+          <a:prstGeom prst="rect">
+            <a:avLst/>
+          </a:prstGeom>
+        </p:spPr>
+      </p:pic>
+      <p:sp>
+        <p:nvSpPr>
+          <p:cNvPr id="2" name="Vertical Title 1"/>
           <p:cNvSpPr>
             <a:spLocks noGrp="1"/>
           </p:cNvSpPr>
@@ -563,8 +3013,8 @@
         </p:nvSpPr>
         <p:spPr>
           <a:xfrm>
-            <a:off x="8724900" y="365125"/>
-            <a:ext cx="2628900" cy="5811838"/>
+            <a:off x="8658675" y="609599"/>
+            <a:ext cx="2158552" cy="5181601"/>
           </a:xfrm>
         </p:spPr>
         <p:txBody>
@@ -575,18 +3025,13 @@
               <a:rPr lang="en-US"/>
               <a:t>Click to edit Master title style</a:t>
             </a:r>
-          </a:p>
-        </p:txBody>
-      </p:sp>
-      <p:sp>
-        <p:nvSpPr>
-          <p:cNvPr id="3" name="Vertical Text Placeholder 2">
-            <a:extLst>
-              <a:ext uri="{FF2B5EF4-FFF2-40B4-BE49-F238E27FC236}">
-                <a16:creationId xmlns:a16="http://schemas.microsoft.com/office/drawing/2014/main" id="{ECE85085-5F0E-8A4A-0333-11097E27B5F5}"/>
-              </a:ext>
-            </a:extLst>
-          </p:cNvPr>
+            <a:endParaRPr lang="en-US" dirty="0"/>
+          </a:p>
+        </p:txBody>
+      </p:sp>
+      <p:sp>
+        <p:nvSpPr>
+          <p:cNvPr id="3" name="Vertical Text Placeholder 2"/>
           <p:cNvSpPr>
             <a:spLocks noGrp="1"/>
           </p:cNvSpPr>
@@ -596,12 +3041,12 @@
         </p:nvSpPr>
         <p:spPr>
           <a:xfrm>
-            <a:off x="838200" y="365125"/>
-            <a:ext cx="7734300" cy="5811838"/>
-          </a:xfrm>
-        </p:spPr>
-        <p:txBody>
-          <a:bodyPr vert="eaVert"/>
+            <a:off x="685800" y="609600"/>
+            <a:ext cx="7832116" cy="5181600"/>
+          </a:xfrm>
+        </p:spPr>
+        <p:txBody>
+          <a:bodyPr vert="eaVert" anchor="t"/>
           <a:lstStyle/>
           <a:p>
             <a:pPr lvl="0"/>
@@ -637,18 +3082,13 @@
               <a:rPr lang="en-US"/>
               <a:t>Fifth level</a:t>
             </a:r>
-          </a:p>
-        </p:txBody>
-      </p:sp>
-      <p:sp>
-        <p:nvSpPr>
-          <p:cNvPr id="4" name="Date Placeholder 3">
-            <a:extLst>
-              <a:ext uri="{FF2B5EF4-FFF2-40B4-BE49-F238E27FC236}">
-                <a16:creationId xmlns:a16="http://schemas.microsoft.com/office/drawing/2014/main" id="{E1C2D599-0031-5216-6B25-E1A3F9FC8B3B}"/>
-              </a:ext>
-            </a:extLst>
-          </p:cNvPr>
+            <a:endParaRPr lang="en-US" dirty="0"/>
+          </a:p>
+        </p:txBody>
+      </p:sp>
+      <p:sp>
+        <p:nvSpPr>
+          <p:cNvPr id="4" name="Date Placeholder 3"/>
           <p:cNvSpPr>
             <a:spLocks noGrp="1"/>
           </p:cNvSpPr>
@@ -671,13 +3111,7 @@
       </p:sp>
       <p:sp>
         <p:nvSpPr>
-          <p:cNvPr id="5" name="Footer Placeholder 4">
-            <a:extLst>
-              <a:ext uri="{FF2B5EF4-FFF2-40B4-BE49-F238E27FC236}">
-                <a16:creationId xmlns:a16="http://schemas.microsoft.com/office/drawing/2014/main" id="{5C38C33E-CFC0-9E79-1385-E1246112653D}"/>
-              </a:ext>
-            </a:extLst>
-          </p:cNvPr>
+          <p:cNvPr id="5" name="Footer Placeholder 4"/>
           <p:cNvSpPr>
             <a:spLocks noGrp="1"/>
           </p:cNvSpPr>
@@ -696,13 +3130,7 @@
       </p:sp>
       <p:sp>
         <p:nvSpPr>
-          <p:cNvPr id="6" name="Slide Number Placeholder 5">
-            <a:extLst>
-              <a:ext uri="{FF2B5EF4-FFF2-40B4-BE49-F238E27FC236}">
-                <a16:creationId xmlns:a16="http://schemas.microsoft.com/office/drawing/2014/main" id="{9C51C370-1D45-45A3-5BA8-0F6140C921DE}"/>
-              </a:ext>
-            </a:extLst>
-          </p:cNvPr>
+          <p:cNvPr id="6" name="Slide Number Placeholder 5"/>
           <p:cNvSpPr>
             <a:spLocks noGrp="1"/>
           </p:cNvSpPr>
@@ -726,7 +3154,7 @@
     </p:spTree>
     <p:extLst>
       <p:ext uri="{BB962C8B-B14F-4D97-AF65-F5344CB8AC3E}">
-        <p14:creationId xmlns:p14="http://schemas.microsoft.com/office/powerpoint/2010/main" val="3931944783"/>
+        <p14:creationId xmlns:p14="http://schemas.microsoft.com/office/powerpoint/2010/main" val="2491966355"/>
       </p:ext>
     </p:extLst>
   </p:cSld>
@@ -753,15 +3181,39 @@
           <a:chExt cx="0" cy="0"/>
         </a:xfrm>
       </p:grpSpPr>
-      <p:sp>
-        <p:nvSpPr>
-          <p:cNvPr id="2" name="Title 1">
+      <p:pic>
+        <p:nvPicPr>
+          <p:cNvPr id="7" name="Picture 6" descr="Celestia-R1---OverlayContentHD.png"/>
+          <p:cNvPicPr>
+            <a:picLocks noChangeAspect="1"/>
+          </p:cNvPicPr>
+          <p:nvPr/>
+        </p:nvPicPr>
+        <p:blipFill>
+          <a:blip r:embed="rId2">
             <a:extLst>
-              <a:ext uri="{FF2B5EF4-FFF2-40B4-BE49-F238E27FC236}">
-                <a16:creationId xmlns:a16="http://schemas.microsoft.com/office/drawing/2014/main" id="{581D7E02-5BC9-9431-C08D-180DEE4EF818}"/>
+              <a:ext uri="{28A0092B-C50C-407E-A947-70E740481C1C}">
+                <a14:useLocalDpi xmlns:a14="http://schemas.microsoft.com/office/drawing/2010/main" val="0"/>
               </a:ext>
             </a:extLst>
-          </p:cNvPr>
+          </a:blip>
+          <a:stretch>
+            <a:fillRect/>
+          </a:stretch>
+        </p:blipFill>
+        <p:spPr>
+          <a:xfrm>
+            <a:off x="0" y="0"/>
+            <a:ext cx="12188825" cy="6856214"/>
+          </a:xfrm>
+          <a:prstGeom prst="rect">
+            <a:avLst/>
+          </a:prstGeom>
+        </p:spPr>
+      </p:pic>
+      <p:sp>
+        <p:nvSpPr>
+          <p:cNvPr id="2" name="Title 1"/>
           <p:cNvSpPr>
             <a:spLocks noGrp="1"/>
           </p:cNvSpPr>
@@ -778,18 +3230,13 @@
               <a:rPr lang="en-US"/>
               <a:t>Click to edit Master title style</a:t>
             </a:r>
-          </a:p>
-        </p:txBody>
-      </p:sp>
-      <p:sp>
-        <p:nvSpPr>
-          <p:cNvPr id="3" name="Content Placeholder 2">
-            <a:extLst>
-              <a:ext uri="{FF2B5EF4-FFF2-40B4-BE49-F238E27FC236}">
-                <a16:creationId xmlns:a16="http://schemas.microsoft.com/office/drawing/2014/main" id="{4F85AEB2-647F-01B3-2DE3-296C38B888EA}"/>
-              </a:ext>
-            </a:extLst>
-          </p:cNvPr>
+            <a:endParaRPr lang="en-US" dirty="0"/>
+          </a:p>
+        </p:txBody>
+      </p:sp>
+      <p:sp>
+        <p:nvSpPr>
+          <p:cNvPr id="3" name="Content Placeholder 2"/>
           <p:cNvSpPr>
             <a:spLocks noGrp="1"/>
           </p:cNvSpPr>
@@ -799,7 +3246,7 @@
         </p:nvSpPr>
         <p:spPr/>
         <p:txBody>
-          <a:bodyPr/>
+          <a:bodyPr anchor="ctr"/>
           <a:lstStyle/>
           <a:p>
             <a:pPr lvl="0"/>
@@ -835,18 +3282,13 @@
               <a:rPr lang="en-US"/>
               <a:t>Fifth level</a:t>
             </a:r>
-          </a:p>
-        </p:txBody>
-      </p:sp>
-      <p:sp>
-        <p:nvSpPr>
-          <p:cNvPr id="4" name="Date Placeholder 3">
-            <a:extLst>
-              <a:ext uri="{FF2B5EF4-FFF2-40B4-BE49-F238E27FC236}">
-                <a16:creationId xmlns:a16="http://schemas.microsoft.com/office/drawing/2014/main" id="{F5FF474C-0652-7ADC-79A2-65DBC8E38D45}"/>
-              </a:ext>
-            </a:extLst>
-          </p:cNvPr>
+            <a:endParaRPr lang="en-US" dirty="0"/>
+          </a:p>
+        </p:txBody>
+      </p:sp>
+      <p:sp>
+        <p:nvSpPr>
+          <p:cNvPr id="4" name="Date Placeholder 3"/>
           <p:cNvSpPr>
             <a:spLocks noGrp="1"/>
           </p:cNvSpPr>
@@ -869,13 +3311,7 @@
       </p:sp>
       <p:sp>
         <p:nvSpPr>
-          <p:cNvPr id="5" name="Footer Placeholder 4">
-            <a:extLst>
-              <a:ext uri="{FF2B5EF4-FFF2-40B4-BE49-F238E27FC236}">
-                <a16:creationId xmlns:a16="http://schemas.microsoft.com/office/drawing/2014/main" id="{2E61E78B-B75A-31CC-2312-AFA07100F698}"/>
-              </a:ext>
-            </a:extLst>
-          </p:cNvPr>
+          <p:cNvPr id="5" name="Footer Placeholder 4"/>
           <p:cNvSpPr>
             <a:spLocks noGrp="1"/>
           </p:cNvSpPr>
@@ -894,13 +3330,7 @@
       </p:sp>
       <p:sp>
         <p:nvSpPr>
-          <p:cNvPr id="6" name="Slide Number Placeholder 5">
-            <a:extLst>
-              <a:ext uri="{FF2B5EF4-FFF2-40B4-BE49-F238E27FC236}">
-                <a16:creationId xmlns:a16="http://schemas.microsoft.com/office/drawing/2014/main" id="{DDA3AEF2-D357-BCFB-690B-B2C241225576}"/>
-              </a:ext>
-            </a:extLst>
-          </p:cNvPr>
+          <p:cNvPr id="6" name="Slide Number Placeholder 5"/>
           <p:cNvSpPr>
             <a:spLocks noGrp="1"/>
           </p:cNvSpPr>
@@ -924,7 +3354,7 @@
     </p:spTree>
     <p:extLst>
       <p:ext uri="{BB962C8B-B14F-4D97-AF65-F5344CB8AC3E}">
-        <p14:creationId xmlns:p14="http://schemas.microsoft.com/office/powerpoint/2010/main" val="3864892782"/>
+        <p14:creationId xmlns:p14="http://schemas.microsoft.com/office/powerpoint/2010/main" val="648673944"/>
       </p:ext>
     </p:extLst>
   </p:cSld>
@@ -951,15 +3381,39 @@
           <a:chExt cx="0" cy="0"/>
         </a:xfrm>
       </p:grpSpPr>
-      <p:sp>
-        <p:nvSpPr>
-          <p:cNvPr id="2" name="Title 1">
+      <p:pic>
+        <p:nvPicPr>
+          <p:cNvPr id="7" name="Picture 6" descr="Celestia-R1---OverlayContentHD.png"/>
+          <p:cNvPicPr>
+            <a:picLocks noChangeAspect="1"/>
+          </p:cNvPicPr>
+          <p:nvPr/>
+        </p:nvPicPr>
+        <p:blipFill>
+          <a:blip r:embed="rId2">
             <a:extLst>
-              <a:ext uri="{FF2B5EF4-FFF2-40B4-BE49-F238E27FC236}">
-                <a16:creationId xmlns:a16="http://schemas.microsoft.com/office/drawing/2014/main" id="{321D9CB7-CF54-7958-E454-1BC526D8E25B}"/>
+              <a:ext uri="{28A0092B-C50C-407E-A947-70E740481C1C}">
+                <a14:useLocalDpi xmlns:a14="http://schemas.microsoft.com/office/drawing/2010/main" val="0"/>
               </a:ext>
             </a:extLst>
-          </p:cNvPr>
+          </a:blip>
+          <a:stretch>
+            <a:fillRect/>
+          </a:stretch>
+        </p:blipFill>
+        <p:spPr>
+          <a:xfrm>
+            <a:off x="0" y="0"/>
+            <a:ext cx="12188825" cy="6856214"/>
+          </a:xfrm>
+          <a:prstGeom prst="rect">
+            <a:avLst/>
+          </a:prstGeom>
+        </p:spPr>
+      </p:pic>
+      <p:sp>
+        <p:nvSpPr>
+          <p:cNvPr id="2" name="Title 1"/>
           <p:cNvSpPr>
             <a:spLocks noGrp="1"/>
           </p:cNvSpPr>
@@ -969,15 +3423,15 @@
         </p:nvSpPr>
         <p:spPr>
           <a:xfrm>
-            <a:off x="831850" y="1709738"/>
-            <a:ext cx="10515600" cy="2852737"/>
+            <a:off x="685800" y="3308581"/>
+            <a:ext cx="10131427" cy="1468800"/>
           </a:xfrm>
         </p:spPr>
         <p:txBody>
           <a:bodyPr anchor="b"/>
           <a:lstStyle>
-            <a:lvl1pPr>
-              <a:defRPr sz="6000"/>
+            <a:lvl1pPr algn="l">
+              <a:defRPr sz="4000" b="0" cap="all"/>
             </a:lvl1pPr>
           </a:lstStyle>
           <a:p>
@@ -985,18 +3439,13 @@
               <a:rPr lang="en-US"/>
               <a:t>Click to edit Master title style</a:t>
             </a:r>
-          </a:p>
-        </p:txBody>
-      </p:sp>
-      <p:sp>
-        <p:nvSpPr>
-          <p:cNvPr id="3" name="Text Placeholder 2">
-            <a:extLst>
-              <a:ext uri="{FF2B5EF4-FFF2-40B4-BE49-F238E27FC236}">
-                <a16:creationId xmlns:a16="http://schemas.microsoft.com/office/drawing/2014/main" id="{277FBDD2-EDAF-BF32-28EC-EA5ECB269662}"/>
-              </a:ext>
-            </a:extLst>
-          </p:cNvPr>
+            <a:endParaRPr lang="en-US" dirty="0"/>
+          </a:p>
+        </p:txBody>
+      </p:sp>
+      <p:sp>
+        <p:nvSpPr>
+          <p:cNvPr id="3" name="Text Placeholder 2"/>
           <p:cNvSpPr>
             <a:spLocks noGrp="1"/>
           </p:cNvSpPr>
@@ -1006,99 +3455,99 @@
         </p:nvSpPr>
         <p:spPr>
           <a:xfrm>
-            <a:off x="831850" y="4589463"/>
-            <a:ext cx="10515600" cy="1500187"/>
-          </a:xfrm>
-        </p:spPr>
-        <p:txBody>
-          <a:bodyPr/>
+            <a:off x="685799" y="4777381"/>
+            <a:ext cx="10131428" cy="860400"/>
+          </a:xfrm>
+        </p:spPr>
+        <p:txBody>
+          <a:bodyPr anchor="t">
+            <a:normAutofit/>
+          </a:bodyPr>
           <a:lstStyle>
-            <a:lvl1pPr marL="0" indent="0">
-              <a:buNone/>
-              <a:defRPr sz="2400">
-                <a:solidFill>
-                  <a:schemeClr val="tx1">
-                    <a:tint val="82000"/>
-                  </a:schemeClr>
+            <a:lvl1pPr marL="0" indent="0" algn="l">
+              <a:buNone/>
+              <a:defRPr sz="2000" cap="all">
+                <a:solidFill>
+                  <a:schemeClr val="tx1"/>
                 </a:solidFill>
               </a:defRPr>
             </a:lvl1pPr>
             <a:lvl2pPr marL="457200" indent="0">
               <a:buNone/>
-              <a:defRPr sz="2000">
+              <a:defRPr sz="1800">
                 <a:solidFill>
                   <a:schemeClr val="tx1">
-                    <a:tint val="82000"/>
+                    <a:tint val="75000"/>
                   </a:schemeClr>
                 </a:solidFill>
               </a:defRPr>
             </a:lvl2pPr>
             <a:lvl3pPr marL="914400" indent="0">
               <a:buNone/>
-              <a:defRPr sz="1800">
+              <a:defRPr sz="1600">
                 <a:solidFill>
                   <a:schemeClr val="tx1">
-                    <a:tint val="82000"/>
+                    <a:tint val="75000"/>
                   </a:schemeClr>
                 </a:solidFill>
               </a:defRPr>
             </a:lvl3pPr>
             <a:lvl4pPr marL="1371600" indent="0">
               <a:buNone/>
-              <a:defRPr sz="1600">
+              <a:defRPr sz="1400">
                 <a:solidFill>
                   <a:schemeClr val="tx1">
-                    <a:tint val="82000"/>
+                    <a:tint val="75000"/>
                   </a:schemeClr>
                 </a:solidFill>
               </a:defRPr>
             </a:lvl4pPr>
             <a:lvl5pPr marL="1828800" indent="0">
               <a:buNone/>
-              <a:defRPr sz="1600">
+              <a:defRPr sz="1400">
                 <a:solidFill>
                   <a:schemeClr val="tx1">
-                    <a:tint val="82000"/>
+                    <a:tint val="75000"/>
                   </a:schemeClr>
                 </a:solidFill>
               </a:defRPr>
             </a:lvl5pPr>
             <a:lvl6pPr marL="2286000" indent="0">
               <a:buNone/>
-              <a:defRPr sz="1600">
+              <a:defRPr sz="1400">
                 <a:solidFill>
                   <a:schemeClr val="tx1">
-                    <a:tint val="82000"/>
+                    <a:tint val="75000"/>
                   </a:schemeClr>
                 </a:solidFill>
               </a:defRPr>
             </a:lvl6pPr>
             <a:lvl7pPr marL="2743200" indent="0">
               <a:buNone/>
-              <a:defRPr sz="1600">
+              <a:defRPr sz="1400">
                 <a:solidFill>
                   <a:schemeClr val="tx1">
-                    <a:tint val="82000"/>
+                    <a:tint val="75000"/>
                   </a:schemeClr>
                 </a:solidFill>
               </a:defRPr>
             </a:lvl7pPr>
             <a:lvl8pPr marL="3200400" indent="0">
               <a:buNone/>
-              <a:defRPr sz="1600">
+              <a:defRPr sz="1400">
                 <a:solidFill>
                   <a:schemeClr val="tx1">
-                    <a:tint val="82000"/>
+                    <a:tint val="75000"/>
                   </a:schemeClr>
                 </a:solidFill>
               </a:defRPr>
             </a:lvl8pPr>
             <a:lvl9pPr marL="3657600" indent="0">
               <a:buNone/>
-              <a:defRPr sz="1600">
+              <a:defRPr sz="1400">
                 <a:solidFill>
                   <a:schemeClr val="tx1">
-                    <a:tint val="82000"/>
+                    <a:tint val="75000"/>
                   </a:schemeClr>
                 </a:solidFill>
               </a:defRPr>
@@ -1115,13 +3564,7 @@
       </p:sp>
       <p:sp>
         <p:nvSpPr>
-          <p:cNvPr id="4" name="Date Placeholder 3">
-            <a:extLst>
-              <a:ext uri="{FF2B5EF4-FFF2-40B4-BE49-F238E27FC236}">
-                <a16:creationId xmlns:a16="http://schemas.microsoft.com/office/drawing/2014/main" id="{42D71DE9-A663-2DEE-9CD8-EC334F628375}"/>
-              </a:ext>
-            </a:extLst>
-          </p:cNvPr>
+          <p:cNvPr id="4" name="Date Placeholder 3"/>
           <p:cNvSpPr>
             <a:spLocks noGrp="1"/>
           </p:cNvSpPr>
@@ -1144,13 +3587,7 @@
       </p:sp>
       <p:sp>
         <p:nvSpPr>
-          <p:cNvPr id="5" name="Footer Placeholder 4">
-            <a:extLst>
-              <a:ext uri="{FF2B5EF4-FFF2-40B4-BE49-F238E27FC236}">
-                <a16:creationId xmlns:a16="http://schemas.microsoft.com/office/drawing/2014/main" id="{22FF4F85-7EA3-1B73-48D3-BCDA2415D387}"/>
-              </a:ext>
-            </a:extLst>
-          </p:cNvPr>
+          <p:cNvPr id="5" name="Footer Placeholder 4"/>
           <p:cNvSpPr>
             <a:spLocks noGrp="1"/>
           </p:cNvSpPr>
@@ -1169,13 +3606,7 @@
       </p:sp>
       <p:sp>
         <p:nvSpPr>
-          <p:cNvPr id="6" name="Slide Number Placeholder 5">
-            <a:extLst>
-              <a:ext uri="{FF2B5EF4-FFF2-40B4-BE49-F238E27FC236}">
-                <a16:creationId xmlns:a16="http://schemas.microsoft.com/office/drawing/2014/main" id="{EB2B582E-7214-6BA8-8F0D-74EFFF65577A}"/>
-              </a:ext>
-            </a:extLst>
-          </p:cNvPr>
+          <p:cNvPr id="6" name="Slide Number Placeholder 5"/>
           <p:cNvSpPr>
             <a:spLocks noGrp="1"/>
           </p:cNvSpPr>
@@ -1199,7 +3630,7 @@
     </p:spTree>
     <p:extLst>
       <p:ext uri="{BB962C8B-B14F-4D97-AF65-F5344CB8AC3E}">
-        <p14:creationId xmlns:p14="http://schemas.microsoft.com/office/powerpoint/2010/main" val="2350487685"/>
+        <p14:creationId xmlns:p14="http://schemas.microsoft.com/office/powerpoint/2010/main" val="2742779953"/>
       </p:ext>
     </p:extLst>
   </p:cSld>
@@ -1226,15 +3657,39 @@
           <a:chExt cx="0" cy="0"/>
         </a:xfrm>
       </p:grpSpPr>
-      <p:sp>
-        <p:nvSpPr>
-          <p:cNvPr id="2" name="Title 1">
+      <p:pic>
+        <p:nvPicPr>
+          <p:cNvPr id="8" name="Picture 7" descr="Celestia-R1---OverlayContentHD.png"/>
+          <p:cNvPicPr>
+            <a:picLocks noChangeAspect="1"/>
+          </p:cNvPicPr>
+          <p:nvPr/>
+        </p:nvPicPr>
+        <p:blipFill>
+          <a:blip r:embed="rId2">
             <a:extLst>
-              <a:ext uri="{FF2B5EF4-FFF2-40B4-BE49-F238E27FC236}">
-                <a16:creationId xmlns:a16="http://schemas.microsoft.com/office/drawing/2014/main" id="{EBB90DBE-BE94-12D1-9120-C8854CFE599F}"/>
+              <a:ext uri="{28A0092B-C50C-407E-A947-70E740481C1C}">
+                <a14:useLocalDpi xmlns:a14="http://schemas.microsoft.com/office/drawing/2010/main" val="0"/>
               </a:ext>
             </a:extLst>
-          </p:cNvPr>
+          </a:blip>
+          <a:stretch>
+            <a:fillRect/>
+          </a:stretch>
+        </p:blipFill>
+        <p:spPr>
+          <a:xfrm>
+            <a:off x="0" y="0"/>
+            <a:ext cx="12188825" cy="6856214"/>
+          </a:xfrm>
+          <a:prstGeom prst="rect">
+            <a:avLst/>
+          </a:prstGeom>
+        </p:spPr>
+      </p:pic>
+      <p:sp>
+        <p:nvSpPr>
+          <p:cNvPr id="2" name="Title 1"/>
           <p:cNvSpPr>
             <a:spLocks noGrp="1"/>
           </p:cNvSpPr>
@@ -1251,18 +3706,13 @@
               <a:rPr lang="en-US"/>
               <a:t>Click to edit Master title style</a:t>
             </a:r>
-          </a:p>
-        </p:txBody>
-      </p:sp>
-      <p:sp>
-        <p:nvSpPr>
-          <p:cNvPr id="3" name="Content Placeholder 2">
-            <a:extLst>
-              <a:ext uri="{FF2B5EF4-FFF2-40B4-BE49-F238E27FC236}">
-                <a16:creationId xmlns:a16="http://schemas.microsoft.com/office/drawing/2014/main" id="{B0AA84FF-2F20-6878-9AFF-2C52EB50D62B}"/>
-              </a:ext>
-            </a:extLst>
-          </p:cNvPr>
+            <a:endParaRPr lang="en-US" dirty="0"/>
+          </a:p>
+        </p:txBody>
+      </p:sp>
+      <p:sp>
+        <p:nvSpPr>
+          <p:cNvPr id="3" name="Content Placeholder 2"/>
           <p:cNvSpPr>
             <a:spLocks noGrp="1"/>
           </p:cNvSpPr>
@@ -1272,12 +3722,14 @@
         </p:nvSpPr>
         <p:spPr>
           <a:xfrm>
-            <a:off x="838200" y="1825625"/>
-            <a:ext cx="5181600" cy="4351338"/>
-          </a:xfrm>
-        </p:spPr>
-        <p:txBody>
-          <a:bodyPr/>
+            <a:off x="685802" y="2142067"/>
+            <a:ext cx="4995334" cy="3649134"/>
+          </a:xfrm>
+        </p:spPr>
+        <p:txBody>
+          <a:bodyPr>
+            <a:normAutofit/>
+          </a:bodyPr>
           <a:lstStyle/>
           <a:p>
             <a:pPr lvl="0"/>
@@ -1313,18 +3765,13 @@
               <a:rPr lang="en-US"/>
               <a:t>Fifth level</a:t>
             </a:r>
-          </a:p>
-        </p:txBody>
-      </p:sp>
-      <p:sp>
-        <p:nvSpPr>
-          <p:cNvPr id="4" name="Content Placeholder 3">
-            <a:extLst>
-              <a:ext uri="{FF2B5EF4-FFF2-40B4-BE49-F238E27FC236}">
-                <a16:creationId xmlns:a16="http://schemas.microsoft.com/office/drawing/2014/main" id="{1A402815-61C0-3639-F70F-002FDABF4714}"/>
-              </a:ext>
-            </a:extLst>
-          </p:cNvPr>
+            <a:endParaRPr lang="en-US" dirty="0"/>
+          </a:p>
+        </p:txBody>
+      </p:sp>
+      <p:sp>
+        <p:nvSpPr>
+          <p:cNvPr id="4" name="Content Placeholder 3"/>
           <p:cNvSpPr>
             <a:spLocks noGrp="1"/>
           </p:cNvSpPr>
@@ -1334,12 +3781,14 @@
         </p:nvSpPr>
         <p:spPr>
           <a:xfrm>
-            <a:off x="6172200" y="1825625"/>
-            <a:ext cx="5181600" cy="4351338"/>
-          </a:xfrm>
-        </p:spPr>
-        <p:txBody>
-          <a:bodyPr/>
+            <a:off x="5821895" y="2142067"/>
+            <a:ext cx="4995332" cy="3649133"/>
+          </a:xfrm>
+        </p:spPr>
+        <p:txBody>
+          <a:bodyPr>
+            <a:normAutofit/>
+          </a:bodyPr>
           <a:lstStyle/>
           <a:p>
             <a:pPr lvl="0"/>
@@ -1375,18 +3824,13 @@
               <a:rPr lang="en-US"/>
               <a:t>Fifth level</a:t>
             </a:r>
-          </a:p>
-        </p:txBody>
-      </p:sp>
-      <p:sp>
-        <p:nvSpPr>
-          <p:cNvPr id="5" name="Date Placeholder 4">
-            <a:extLst>
-              <a:ext uri="{FF2B5EF4-FFF2-40B4-BE49-F238E27FC236}">
-                <a16:creationId xmlns:a16="http://schemas.microsoft.com/office/drawing/2014/main" id="{2312DF49-73C3-B5EC-4AB2-17E3CD9AE850}"/>
-              </a:ext>
-            </a:extLst>
-          </p:cNvPr>
+            <a:endParaRPr lang="en-US" dirty="0"/>
+          </a:p>
+        </p:txBody>
+      </p:sp>
+      <p:sp>
+        <p:nvSpPr>
+          <p:cNvPr id="5" name="Date Placeholder 4"/>
           <p:cNvSpPr>
             <a:spLocks noGrp="1"/>
           </p:cNvSpPr>
@@ -1409,13 +3853,7 @@
       </p:sp>
       <p:sp>
         <p:nvSpPr>
-          <p:cNvPr id="6" name="Footer Placeholder 5">
-            <a:extLst>
-              <a:ext uri="{FF2B5EF4-FFF2-40B4-BE49-F238E27FC236}">
-                <a16:creationId xmlns:a16="http://schemas.microsoft.com/office/drawing/2014/main" id="{289D8185-62E0-960A-446D-5780549C5135}"/>
-              </a:ext>
-            </a:extLst>
-          </p:cNvPr>
+          <p:cNvPr id="6" name="Footer Placeholder 5"/>
           <p:cNvSpPr>
             <a:spLocks noGrp="1"/>
           </p:cNvSpPr>
@@ -1434,13 +3872,7 @@
       </p:sp>
       <p:sp>
         <p:nvSpPr>
-          <p:cNvPr id="7" name="Slide Number Placeholder 6">
-            <a:extLst>
-              <a:ext uri="{FF2B5EF4-FFF2-40B4-BE49-F238E27FC236}">
-                <a16:creationId xmlns:a16="http://schemas.microsoft.com/office/drawing/2014/main" id="{FD019ACA-8FA3-DA22-5B39-C8C0399695EA}"/>
-              </a:ext>
-            </a:extLst>
-          </p:cNvPr>
+          <p:cNvPr id="7" name="Slide Number Placeholder 6"/>
           <p:cNvSpPr>
             <a:spLocks noGrp="1"/>
           </p:cNvSpPr>
@@ -1464,7 +3896,7 @@
     </p:spTree>
     <p:extLst>
       <p:ext uri="{BB962C8B-B14F-4D97-AF65-F5344CB8AC3E}">
-        <p14:creationId xmlns:p14="http://schemas.microsoft.com/office/powerpoint/2010/main" val="3444969817"/>
+        <p14:creationId xmlns:p14="http://schemas.microsoft.com/office/powerpoint/2010/main" val="4012113525"/>
       </p:ext>
     </p:extLst>
   </p:cSld>
@@ -1493,13 +3925,7 @@
       </p:grpSpPr>
       <p:sp>
         <p:nvSpPr>
-          <p:cNvPr id="2" name="Title 1">
-            <a:extLst>
-              <a:ext uri="{FF2B5EF4-FFF2-40B4-BE49-F238E27FC236}">
-                <a16:creationId xmlns:a16="http://schemas.microsoft.com/office/drawing/2014/main" id="{1974BA07-EF5D-941D-3094-DE6C51A2A06C}"/>
-              </a:ext>
-            </a:extLst>
-          </p:cNvPr>
+          <p:cNvPr id="2" name="Title 1"/>
           <p:cNvSpPr>
             <a:spLocks noGrp="1"/>
           </p:cNvSpPr>
@@ -1507,32 +3933,26 @@
             <p:ph type="title"/>
           </p:nvPr>
         </p:nvSpPr>
-        <p:spPr>
-          <a:xfrm>
-            <a:off x="839788" y="365125"/>
-            <a:ext cx="10515600" cy="1325563"/>
-          </a:xfrm>
-        </p:spPr>
+        <p:spPr/>
         <p:txBody>
           <a:bodyPr/>
-          <a:lstStyle/>
+          <a:lstStyle>
+            <a:lvl1pPr>
+              <a:defRPr/>
+            </a:lvl1pPr>
+          </a:lstStyle>
           <a:p>
             <a:r>
               <a:rPr lang="en-US"/>
               <a:t>Click to edit Master title style</a:t>
             </a:r>
-          </a:p>
-        </p:txBody>
-      </p:sp>
-      <p:sp>
-        <p:nvSpPr>
-          <p:cNvPr id="3" name="Text Placeholder 2">
-            <a:extLst>
-              <a:ext uri="{FF2B5EF4-FFF2-40B4-BE49-F238E27FC236}">
-                <a16:creationId xmlns:a16="http://schemas.microsoft.com/office/drawing/2014/main" id="{0CAA27D9-9767-0168-B7C9-AD29ABE53887}"/>
-              </a:ext>
-            </a:extLst>
-          </p:cNvPr>
+            <a:endParaRPr lang="en-US" dirty="0"/>
+          </a:p>
+        </p:txBody>
+      </p:sp>
+      <p:sp>
+        <p:nvSpPr>
+          <p:cNvPr id="3" name="Text Placeholder 2"/>
           <p:cNvSpPr>
             <a:spLocks noGrp="1"/>
           </p:cNvSpPr>
@@ -1542,16 +3962,18 @@
         </p:nvSpPr>
         <p:spPr>
           <a:xfrm>
-            <a:off x="839788" y="1681163"/>
-            <a:ext cx="5157787" cy="823912"/>
-          </a:xfrm>
-        </p:spPr>
-        <p:txBody>
-          <a:bodyPr anchor="b"/>
+            <a:off x="973670" y="2218267"/>
+            <a:ext cx="4709054" cy="576262"/>
+          </a:xfrm>
+        </p:spPr>
+        <p:txBody>
+          <a:bodyPr anchor="b">
+            <a:noAutofit/>
+          </a:bodyPr>
           <a:lstStyle>
             <a:lvl1pPr marL="0" indent="0">
               <a:buNone/>
-              <a:defRPr sz="2400" b="1"/>
+              <a:defRPr sz="2800" b="0"/>
             </a:lvl1pPr>
             <a:lvl2pPr marL="457200" indent="0">
               <a:buNone/>
@@ -1597,13 +4019,7 @@
       </p:sp>
       <p:sp>
         <p:nvSpPr>
-          <p:cNvPr id="4" name="Content Placeholder 3">
-            <a:extLst>
-              <a:ext uri="{FF2B5EF4-FFF2-40B4-BE49-F238E27FC236}">
-                <a16:creationId xmlns:a16="http://schemas.microsoft.com/office/drawing/2014/main" id="{89A4EA2A-0220-209A-E896-851A15A3BBF6}"/>
-              </a:ext>
-            </a:extLst>
-          </p:cNvPr>
+          <p:cNvPr id="4" name="Content Placeholder 3"/>
           <p:cNvSpPr>
             <a:spLocks noGrp="1"/>
           </p:cNvSpPr>
@@ -1613,12 +4029,14 @@
         </p:nvSpPr>
         <p:spPr>
           <a:xfrm>
-            <a:off x="839788" y="2505075"/>
-            <a:ext cx="5157787" cy="3684588"/>
-          </a:xfrm>
-        </p:spPr>
-        <p:txBody>
-          <a:bodyPr/>
+            <a:off x="685801" y="2870201"/>
+            <a:ext cx="4996923" cy="2920998"/>
+          </a:xfrm>
+        </p:spPr>
+        <p:txBody>
+          <a:bodyPr anchor="t">
+            <a:normAutofit/>
+          </a:bodyPr>
           <a:lstStyle/>
           <a:p>
             <a:pPr lvl="0"/>
@@ -1654,18 +4072,13 @@
               <a:rPr lang="en-US"/>
               <a:t>Fifth level</a:t>
             </a:r>
-          </a:p>
-        </p:txBody>
-      </p:sp>
-      <p:sp>
-        <p:nvSpPr>
-          <p:cNvPr id="5" name="Text Placeholder 4">
-            <a:extLst>
-              <a:ext uri="{FF2B5EF4-FFF2-40B4-BE49-F238E27FC236}">
-                <a16:creationId xmlns:a16="http://schemas.microsoft.com/office/drawing/2014/main" id="{9EFC5066-C519-FF60-B472-ABA62B11A153}"/>
-              </a:ext>
-            </a:extLst>
-          </p:cNvPr>
+            <a:endParaRPr lang="en-US" dirty="0"/>
+          </a:p>
+        </p:txBody>
+      </p:sp>
+      <p:sp>
+        <p:nvSpPr>
+          <p:cNvPr id="5" name="Text Placeholder 4"/>
           <p:cNvSpPr>
             <a:spLocks noGrp="1"/>
           </p:cNvSpPr>
@@ -1675,16 +4088,18 @@
         </p:nvSpPr>
         <p:spPr>
           <a:xfrm>
-            <a:off x="6172200" y="1681163"/>
-            <a:ext cx="5183188" cy="823912"/>
-          </a:xfrm>
-        </p:spPr>
-        <p:txBody>
-          <a:bodyPr anchor="b"/>
+            <a:off x="6096003" y="2226734"/>
+            <a:ext cx="4722813" cy="576262"/>
+          </a:xfrm>
+        </p:spPr>
+        <p:txBody>
+          <a:bodyPr anchor="b">
+            <a:noAutofit/>
+          </a:bodyPr>
           <a:lstStyle>
             <a:lvl1pPr marL="0" indent="0">
               <a:buNone/>
-              <a:defRPr sz="2400" b="1"/>
+              <a:defRPr sz="2800" b="0"/>
             </a:lvl1pPr>
             <a:lvl2pPr marL="457200" indent="0">
               <a:buNone/>
@@ -1730,13 +4145,7 @@
       </p:sp>
       <p:sp>
         <p:nvSpPr>
-          <p:cNvPr id="6" name="Content Placeholder 5">
-            <a:extLst>
-              <a:ext uri="{FF2B5EF4-FFF2-40B4-BE49-F238E27FC236}">
-                <a16:creationId xmlns:a16="http://schemas.microsoft.com/office/drawing/2014/main" id="{7AE72F3D-CFC5-BAC0-7794-D5AF796BD2C6}"/>
-              </a:ext>
-            </a:extLst>
-          </p:cNvPr>
+          <p:cNvPr id="6" name="Content Placeholder 5"/>
           <p:cNvSpPr>
             <a:spLocks noGrp="1"/>
           </p:cNvSpPr>
@@ -1746,12 +4155,14 @@
         </p:nvSpPr>
         <p:spPr>
           <a:xfrm>
-            <a:off x="6172200" y="2505075"/>
-            <a:ext cx="5183188" cy="3684588"/>
-          </a:xfrm>
-        </p:spPr>
-        <p:txBody>
-          <a:bodyPr/>
+            <a:off x="5823483" y="2870201"/>
+            <a:ext cx="4995334" cy="2920998"/>
+          </a:xfrm>
+        </p:spPr>
+        <p:txBody>
+          <a:bodyPr anchor="t">
+            <a:normAutofit/>
+          </a:bodyPr>
           <a:lstStyle/>
           <a:p>
             <a:pPr lvl="0"/>
@@ -1787,18 +4198,13 @@
               <a:rPr lang="en-US"/>
               <a:t>Fifth level</a:t>
             </a:r>
-          </a:p>
-        </p:txBody>
-      </p:sp>
-      <p:sp>
-        <p:nvSpPr>
-          <p:cNvPr id="7" name="Date Placeholder 6">
-            <a:extLst>
-              <a:ext uri="{FF2B5EF4-FFF2-40B4-BE49-F238E27FC236}">
-                <a16:creationId xmlns:a16="http://schemas.microsoft.com/office/drawing/2014/main" id="{94F8C71E-E7C9-A5D0-1E03-50DBC0404DC5}"/>
-              </a:ext>
-            </a:extLst>
-          </p:cNvPr>
+            <a:endParaRPr lang="en-US" dirty="0"/>
+          </a:p>
+        </p:txBody>
+      </p:sp>
+      <p:sp>
+        <p:nvSpPr>
+          <p:cNvPr id="7" name="Date Placeholder 6"/>
           <p:cNvSpPr>
             <a:spLocks noGrp="1"/>
           </p:cNvSpPr>
@@ -1821,13 +4227,7 @@
       </p:sp>
       <p:sp>
         <p:nvSpPr>
-          <p:cNvPr id="8" name="Footer Placeholder 7">
-            <a:extLst>
-              <a:ext uri="{FF2B5EF4-FFF2-40B4-BE49-F238E27FC236}">
-                <a16:creationId xmlns:a16="http://schemas.microsoft.com/office/drawing/2014/main" id="{E5CCD606-634B-0AF5-5132-EDA8A498AE39}"/>
-              </a:ext>
-            </a:extLst>
-          </p:cNvPr>
+          <p:cNvPr id="8" name="Footer Placeholder 7"/>
           <p:cNvSpPr>
             <a:spLocks noGrp="1"/>
           </p:cNvSpPr>
@@ -1846,13 +4246,7 @@
       </p:sp>
       <p:sp>
         <p:nvSpPr>
-          <p:cNvPr id="9" name="Slide Number Placeholder 8">
-            <a:extLst>
-              <a:ext uri="{FF2B5EF4-FFF2-40B4-BE49-F238E27FC236}">
-                <a16:creationId xmlns:a16="http://schemas.microsoft.com/office/drawing/2014/main" id="{32E31039-F4CA-33BF-1D4A-E05112BDCD2D}"/>
-              </a:ext>
-            </a:extLst>
-          </p:cNvPr>
+          <p:cNvPr id="9" name="Slide Number Placeholder 8"/>
           <p:cNvSpPr>
             <a:spLocks noGrp="1"/>
           </p:cNvSpPr>
@@ -1876,7 +4270,7 @@
     </p:spTree>
     <p:extLst>
       <p:ext uri="{BB962C8B-B14F-4D97-AF65-F5344CB8AC3E}">
-        <p14:creationId xmlns:p14="http://schemas.microsoft.com/office/powerpoint/2010/main" val="258658467"/>
+        <p14:creationId xmlns:p14="http://schemas.microsoft.com/office/powerpoint/2010/main" val="1872690097"/>
       </p:ext>
     </p:extLst>
   </p:cSld>
@@ -1903,15 +4297,39 @@
           <a:chExt cx="0" cy="0"/>
         </a:xfrm>
       </p:grpSpPr>
-      <p:sp>
-        <p:nvSpPr>
-          <p:cNvPr id="2" name="Title 1">
+      <p:pic>
+        <p:nvPicPr>
+          <p:cNvPr id="6" name="Picture 5" descr="Celestia-R1---OverlayContentHD.png"/>
+          <p:cNvPicPr>
+            <a:picLocks noChangeAspect="1"/>
+          </p:cNvPicPr>
+          <p:nvPr/>
+        </p:nvPicPr>
+        <p:blipFill>
+          <a:blip r:embed="rId2">
             <a:extLst>
-              <a:ext uri="{FF2B5EF4-FFF2-40B4-BE49-F238E27FC236}">
-                <a16:creationId xmlns:a16="http://schemas.microsoft.com/office/drawing/2014/main" id="{3B6173A2-FE37-73AD-BC66-4950EF518E4A}"/>
+              <a:ext uri="{28A0092B-C50C-407E-A947-70E740481C1C}">
+                <a14:useLocalDpi xmlns:a14="http://schemas.microsoft.com/office/drawing/2010/main" val="0"/>
               </a:ext>
             </a:extLst>
-          </p:cNvPr>
+          </a:blip>
+          <a:stretch>
+            <a:fillRect/>
+          </a:stretch>
+        </p:blipFill>
+        <p:spPr>
+          <a:xfrm>
+            <a:off x="0" y="0"/>
+            <a:ext cx="12188825" cy="6856214"/>
+          </a:xfrm>
+          <a:prstGeom prst="rect">
+            <a:avLst/>
+          </a:prstGeom>
+        </p:spPr>
+      </p:pic>
+      <p:sp>
+        <p:nvSpPr>
+          <p:cNvPr id="2" name="Title 1"/>
           <p:cNvSpPr>
             <a:spLocks noGrp="1"/>
           </p:cNvSpPr>
@@ -1928,18 +4346,13 @@
               <a:rPr lang="en-US"/>
               <a:t>Click to edit Master title style</a:t>
             </a:r>
-          </a:p>
-        </p:txBody>
-      </p:sp>
-      <p:sp>
-        <p:nvSpPr>
-          <p:cNvPr id="3" name="Date Placeholder 2">
-            <a:extLst>
-              <a:ext uri="{FF2B5EF4-FFF2-40B4-BE49-F238E27FC236}">
-                <a16:creationId xmlns:a16="http://schemas.microsoft.com/office/drawing/2014/main" id="{48B2D607-2B98-1E47-3D86-CD375F752F00}"/>
-              </a:ext>
-            </a:extLst>
-          </p:cNvPr>
+            <a:endParaRPr lang="en-US" dirty="0"/>
+          </a:p>
+        </p:txBody>
+      </p:sp>
+      <p:sp>
+        <p:nvSpPr>
+          <p:cNvPr id="3" name="Date Placeholder 2"/>
           <p:cNvSpPr>
             <a:spLocks noGrp="1"/>
           </p:cNvSpPr>
@@ -1962,13 +4375,7 @@
       </p:sp>
       <p:sp>
         <p:nvSpPr>
-          <p:cNvPr id="4" name="Footer Placeholder 3">
-            <a:extLst>
-              <a:ext uri="{FF2B5EF4-FFF2-40B4-BE49-F238E27FC236}">
-                <a16:creationId xmlns:a16="http://schemas.microsoft.com/office/drawing/2014/main" id="{72B68733-288D-3FE0-2649-7178B78CEB37}"/>
-              </a:ext>
-            </a:extLst>
-          </p:cNvPr>
+          <p:cNvPr id="4" name="Footer Placeholder 3"/>
           <p:cNvSpPr>
             <a:spLocks noGrp="1"/>
           </p:cNvSpPr>
@@ -1987,13 +4394,7 @@
       </p:sp>
       <p:sp>
         <p:nvSpPr>
-          <p:cNvPr id="5" name="Slide Number Placeholder 4">
-            <a:extLst>
-              <a:ext uri="{FF2B5EF4-FFF2-40B4-BE49-F238E27FC236}">
-                <a16:creationId xmlns:a16="http://schemas.microsoft.com/office/drawing/2014/main" id="{DEB4764D-416A-9FC1-437A-1298AB86AFEC}"/>
-              </a:ext>
-            </a:extLst>
-          </p:cNvPr>
+          <p:cNvPr id="5" name="Slide Number Placeholder 4"/>
           <p:cNvSpPr>
             <a:spLocks noGrp="1"/>
           </p:cNvSpPr>
@@ -2017,7 +4418,7 @@
     </p:spTree>
     <p:extLst>
       <p:ext uri="{BB962C8B-B14F-4D97-AF65-F5344CB8AC3E}">
-        <p14:creationId xmlns:p14="http://schemas.microsoft.com/office/powerpoint/2010/main" val="2406040983"/>
+        <p14:creationId xmlns:p14="http://schemas.microsoft.com/office/powerpoint/2010/main" val="909056877"/>
       </p:ext>
     </p:extLst>
   </p:cSld>
@@ -2044,15 +4445,39 @@
           <a:chExt cx="0" cy="0"/>
         </a:xfrm>
       </p:grpSpPr>
-      <p:sp>
-        <p:nvSpPr>
-          <p:cNvPr id="2" name="Date Placeholder 1">
+      <p:pic>
+        <p:nvPicPr>
+          <p:cNvPr id="5" name="Picture 4" descr="Celestia-R1---OverlayContentHD.png"/>
+          <p:cNvPicPr>
+            <a:picLocks noChangeAspect="1"/>
+          </p:cNvPicPr>
+          <p:nvPr/>
+        </p:nvPicPr>
+        <p:blipFill>
+          <a:blip r:embed="rId2">
             <a:extLst>
-              <a:ext uri="{FF2B5EF4-FFF2-40B4-BE49-F238E27FC236}">
-                <a16:creationId xmlns:a16="http://schemas.microsoft.com/office/drawing/2014/main" id="{7CDBB0E9-07E3-036B-CF49-7D4CBDFF39F1}"/>
+              <a:ext uri="{28A0092B-C50C-407E-A947-70E740481C1C}">
+                <a14:useLocalDpi xmlns:a14="http://schemas.microsoft.com/office/drawing/2010/main" val="0"/>
               </a:ext>
             </a:extLst>
-          </p:cNvPr>
+          </a:blip>
+          <a:stretch>
+            <a:fillRect/>
+          </a:stretch>
+        </p:blipFill>
+        <p:spPr>
+          <a:xfrm>
+            <a:off x="0" y="0"/>
+            <a:ext cx="12188825" cy="6856214"/>
+          </a:xfrm>
+          <a:prstGeom prst="rect">
+            <a:avLst/>
+          </a:prstGeom>
+        </p:spPr>
+      </p:pic>
+      <p:sp>
+        <p:nvSpPr>
+          <p:cNvPr id="2" name="Date Placeholder 1"/>
           <p:cNvSpPr>
             <a:spLocks noGrp="1"/>
           </p:cNvSpPr>
@@ -2075,13 +4500,7 @@
       </p:sp>
       <p:sp>
         <p:nvSpPr>
-          <p:cNvPr id="3" name="Footer Placeholder 2">
-            <a:extLst>
-              <a:ext uri="{FF2B5EF4-FFF2-40B4-BE49-F238E27FC236}">
-                <a16:creationId xmlns:a16="http://schemas.microsoft.com/office/drawing/2014/main" id="{162C0084-7C8E-EF06-4160-2487633AF8B3}"/>
-              </a:ext>
-            </a:extLst>
-          </p:cNvPr>
+          <p:cNvPr id="3" name="Footer Placeholder 2"/>
           <p:cNvSpPr>
             <a:spLocks noGrp="1"/>
           </p:cNvSpPr>
@@ -2100,13 +4519,7 @@
       </p:sp>
       <p:sp>
         <p:nvSpPr>
-          <p:cNvPr id="4" name="Slide Number Placeholder 3">
-            <a:extLst>
-              <a:ext uri="{FF2B5EF4-FFF2-40B4-BE49-F238E27FC236}">
-                <a16:creationId xmlns:a16="http://schemas.microsoft.com/office/drawing/2014/main" id="{840848F7-1FFE-9FFE-945B-7FDE4ABEC6AD}"/>
-              </a:ext>
-            </a:extLst>
-          </p:cNvPr>
+          <p:cNvPr id="4" name="Slide Number Placeholder 3"/>
           <p:cNvSpPr>
             <a:spLocks noGrp="1"/>
           </p:cNvSpPr>
@@ -2130,7 +4543,7 @@
     </p:spTree>
     <p:extLst>
       <p:ext uri="{BB962C8B-B14F-4D97-AF65-F5344CB8AC3E}">
-        <p14:creationId xmlns:p14="http://schemas.microsoft.com/office/powerpoint/2010/main" val="2851772428"/>
+        <p14:creationId xmlns:p14="http://schemas.microsoft.com/office/powerpoint/2010/main" val="1335628981"/>
       </p:ext>
     </p:extLst>
   </p:cSld>
@@ -2157,15 +4570,39 @@
           <a:chExt cx="0" cy="0"/>
         </a:xfrm>
       </p:grpSpPr>
-      <p:sp>
-        <p:nvSpPr>
-          <p:cNvPr id="2" name="Title 1">
+      <p:pic>
+        <p:nvPicPr>
+          <p:cNvPr id="8" name="Picture 7" descr="Celestia-R1---OverlayContentHD.png"/>
+          <p:cNvPicPr>
+            <a:picLocks noChangeAspect="1"/>
+          </p:cNvPicPr>
+          <p:nvPr/>
+        </p:nvPicPr>
+        <p:blipFill>
+          <a:blip r:embed="rId2">
             <a:extLst>
-              <a:ext uri="{FF2B5EF4-FFF2-40B4-BE49-F238E27FC236}">
-                <a16:creationId xmlns:a16="http://schemas.microsoft.com/office/drawing/2014/main" id="{727B95BE-5408-E2ED-BB0E-AEDD63F0C080}"/>
+              <a:ext uri="{28A0092B-C50C-407E-A947-70E740481C1C}">
+                <a14:useLocalDpi xmlns:a14="http://schemas.microsoft.com/office/drawing/2010/main" val="0"/>
               </a:ext>
             </a:extLst>
-          </p:cNvPr>
+          </a:blip>
+          <a:stretch>
+            <a:fillRect/>
+          </a:stretch>
+        </p:blipFill>
+        <p:spPr>
+          <a:xfrm>
+            <a:off x="0" y="0"/>
+            <a:ext cx="12188825" cy="6856214"/>
+          </a:xfrm>
+          <a:prstGeom prst="rect">
+            <a:avLst/>
+          </a:prstGeom>
+        </p:spPr>
+      </p:pic>
+      <p:sp>
+        <p:nvSpPr>
+          <p:cNvPr id="2" name="Title 1"/>
           <p:cNvSpPr>
             <a:spLocks noGrp="1"/>
           </p:cNvSpPr>
@@ -2175,15 +4612,17 @@
         </p:nvSpPr>
         <p:spPr>
           <a:xfrm>
-            <a:off x="839788" y="457200"/>
-            <a:ext cx="3932237" cy="1600200"/>
-          </a:xfrm>
-        </p:spPr>
-        <p:txBody>
-          <a:bodyPr anchor="b"/>
+            <a:off x="685800" y="2074333"/>
+            <a:ext cx="3680885" cy="1371600"/>
+          </a:xfrm>
+        </p:spPr>
+        <p:txBody>
+          <a:bodyPr anchor="b">
+            <a:normAutofit/>
+          </a:bodyPr>
           <a:lstStyle>
-            <a:lvl1pPr>
-              <a:defRPr sz="3200"/>
+            <a:lvl1pPr algn="l">
+              <a:defRPr sz="2400" b="0"/>
             </a:lvl1pPr>
           </a:lstStyle>
           <a:p>
@@ -2191,18 +4630,13 @@
               <a:rPr lang="en-US"/>
               <a:t>Click to edit Master title style</a:t>
             </a:r>
-          </a:p>
-        </p:txBody>
-      </p:sp>
-      <p:sp>
-        <p:nvSpPr>
-          <p:cNvPr id="3" name="Content Placeholder 2">
-            <a:extLst>
-              <a:ext uri="{FF2B5EF4-FFF2-40B4-BE49-F238E27FC236}">
-                <a16:creationId xmlns:a16="http://schemas.microsoft.com/office/drawing/2014/main" id="{4DC8B34B-EB23-A707-34DA-6CD7652A386E}"/>
-              </a:ext>
-            </a:extLst>
-          </p:cNvPr>
+            <a:endParaRPr lang="en-US" dirty="0"/>
+          </a:p>
+        </p:txBody>
+      </p:sp>
+      <p:sp>
+        <p:nvSpPr>
+          <p:cNvPr id="3" name="Content Placeholder 2"/>
           <p:cNvSpPr>
             <a:spLocks noGrp="1"/>
           </p:cNvSpPr>
@@ -2212,41 +4646,15 @@
         </p:nvSpPr>
         <p:spPr>
           <a:xfrm>
-            <a:off x="5183188" y="987425"/>
-            <a:ext cx="6172200" cy="4873625"/>
-          </a:xfrm>
-        </p:spPr>
-        <p:txBody>
-          <a:bodyPr/>
-          <a:lstStyle>
-            <a:lvl1pPr>
-              <a:defRPr sz="3200"/>
-            </a:lvl1pPr>
-            <a:lvl2pPr>
-              <a:defRPr sz="2800"/>
-            </a:lvl2pPr>
-            <a:lvl3pPr>
-              <a:defRPr sz="2400"/>
-            </a:lvl3pPr>
-            <a:lvl4pPr>
-              <a:defRPr sz="2000"/>
-            </a:lvl4pPr>
-            <a:lvl5pPr>
-              <a:defRPr sz="2000"/>
-            </a:lvl5pPr>
-            <a:lvl6pPr>
-              <a:defRPr sz="2000"/>
-            </a:lvl6pPr>
-            <a:lvl7pPr>
-              <a:defRPr sz="2000"/>
-            </a:lvl7pPr>
-            <a:lvl8pPr>
-              <a:defRPr sz="2000"/>
-            </a:lvl8pPr>
-            <a:lvl9pPr>
-              <a:defRPr sz="2000"/>
-            </a:lvl9pPr>
-          </a:lstStyle>
+            <a:off x="4648201" y="609601"/>
+            <a:ext cx="6169026" cy="5181600"/>
+          </a:xfrm>
+        </p:spPr>
+        <p:txBody>
+          <a:bodyPr anchor="ctr">
+            <a:normAutofit/>
+          </a:bodyPr>
+          <a:lstStyle/>
           <a:p>
             <a:pPr lvl="0"/>
             <a:r>
@@ -2281,18 +4689,13 @@
               <a:rPr lang="en-US"/>
               <a:t>Fifth level</a:t>
             </a:r>
-          </a:p>
-        </p:txBody>
-      </p:sp>
-      <p:sp>
-        <p:nvSpPr>
-          <p:cNvPr id="4" name="Text Placeholder 3">
-            <a:extLst>
-              <a:ext uri="{FF2B5EF4-FFF2-40B4-BE49-F238E27FC236}">
-                <a16:creationId xmlns:a16="http://schemas.microsoft.com/office/drawing/2014/main" id="{0694B643-5E39-ACF0-3E90-EDE2CDF20A79}"/>
-              </a:ext>
-            </a:extLst>
-          </p:cNvPr>
+            <a:endParaRPr lang="en-US" dirty="0"/>
+          </a:p>
+        </p:txBody>
+      </p:sp>
+      <p:sp>
+        <p:nvSpPr>
+          <p:cNvPr id="4" name="Text Placeholder 3"/>
           <p:cNvSpPr>
             <a:spLocks noGrp="1"/>
           </p:cNvSpPr>
@@ -2302,12 +4705,14 @@
         </p:nvSpPr>
         <p:spPr>
           <a:xfrm>
-            <a:off x="839788" y="2057400"/>
-            <a:ext cx="3932237" cy="3811588"/>
-          </a:xfrm>
-        </p:spPr>
-        <p:txBody>
-          <a:bodyPr/>
+            <a:off x="685800" y="3445933"/>
+            <a:ext cx="3680885" cy="1828800"/>
+          </a:xfrm>
+        </p:spPr>
+        <p:txBody>
+          <a:bodyPr anchor="t">
+            <a:normAutofit/>
+          </a:bodyPr>
           <a:lstStyle>
             <a:lvl1pPr marL="0" indent="0">
               <a:buNone/>
@@ -2315,35 +4720,35 @@
             </a:lvl1pPr>
             <a:lvl2pPr marL="457200" indent="0">
               <a:buNone/>
-              <a:defRPr sz="1400"/>
+              <a:defRPr sz="1200"/>
             </a:lvl2pPr>
             <a:lvl3pPr marL="914400" indent="0">
               <a:buNone/>
-              <a:defRPr sz="1200"/>
+              <a:defRPr sz="1000"/>
             </a:lvl3pPr>
             <a:lvl4pPr marL="1371600" indent="0">
               <a:buNone/>
-              <a:defRPr sz="1000"/>
+              <a:defRPr sz="900"/>
             </a:lvl4pPr>
             <a:lvl5pPr marL="1828800" indent="0">
               <a:buNone/>
-              <a:defRPr sz="1000"/>
+              <a:defRPr sz="900"/>
             </a:lvl5pPr>
             <a:lvl6pPr marL="2286000" indent="0">
               <a:buNone/>
-              <a:defRPr sz="1000"/>
+              <a:defRPr sz="900"/>
             </a:lvl6pPr>
             <a:lvl7pPr marL="2743200" indent="0">
               <a:buNone/>
-              <a:defRPr sz="1000"/>
+              <a:defRPr sz="900"/>
             </a:lvl7pPr>
             <a:lvl8pPr marL="3200400" indent="0">
               <a:buNone/>
-              <a:defRPr sz="1000"/>
+              <a:defRPr sz="900"/>
             </a:lvl8pPr>
             <a:lvl9pPr marL="3657600" indent="0">
               <a:buNone/>
-              <a:defRPr sz="1000"/>
+              <a:defRPr sz="900"/>
             </a:lvl9pPr>
           </a:lstStyle>
           <a:p>
@@ -2357,13 +4762,7 @@
       </p:sp>
       <p:sp>
         <p:nvSpPr>
-          <p:cNvPr id="5" name="Date Placeholder 4">
-            <a:extLst>
-              <a:ext uri="{FF2B5EF4-FFF2-40B4-BE49-F238E27FC236}">
-                <a16:creationId xmlns:a16="http://schemas.microsoft.com/office/drawing/2014/main" id="{C08FBD1B-F0FC-CF8C-F8BE-482B01B97535}"/>
-              </a:ext>
-            </a:extLst>
-          </p:cNvPr>
+          <p:cNvPr id="5" name="Date Placeholder 4"/>
           <p:cNvSpPr>
             <a:spLocks noGrp="1"/>
           </p:cNvSpPr>
@@ -2386,13 +4785,7 @@
       </p:sp>
       <p:sp>
         <p:nvSpPr>
-          <p:cNvPr id="6" name="Footer Placeholder 5">
-            <a:extLst>
-              <a:ext uri="{FF2B5EF4-FFF2-40B4-BE49-F238E27FC236}">
-                <a16:creationId xmlns:a16="http://schemas.microsoft.com/office/drawing/2014/main" id="{0D425810-7C2B-4305-9D01-61986288B4D7}"/>
-              </a:ext>
-            </a:extLst>
-          </p:cNvPr>
+          <p:cNvPr id="6" name="Footer Placeholder 5"/>
           <p:cNvSpPr>
             <a:spLocks noGrp="1"/>
           </p:cNvSpPr>
@@ -2411,13 +4804,7 @@
       </p:sp>
       <p:sp>
         <p:nvSpPr>
-          <p:cNvPr id="7" name="Slide Number Placeholder 6">
-            <a:extLst>
-              <a:ext uri="{FF2B5EF4-FFF2-40B4-BE49-F238E27FC236}">
-                <a16:creationId xmlns:a16="http://schemas.microsoft.com/office/drawing/2014/main" id="{03263BA0-E625-CF7E-674F-B24D25E9D777}"/>
-              </a:ext>
-            </a:extLst>
-          </p:cNvPr>
+          <p:cNvPr id="7" name="Slide Number Placeholder 6"/>
           <p:cNvSpPr>
             <a:spLocks noGrp="1"/>
           </p:cNvSpPr>
@@ -2441,7 +4828,7 @@
     </p:spTree>
     <p:extLst>
       <p:ext uri="{BB962C8B-B14F-4D97-AF65-F5344CB8AC3E}">
-        <p14:creationId xmlns:p14="http://schemas.microsoft.com/office/powerpoint/2010/main" val="2119417264"/>
+        <p14:creationId xmlns:p14="http://schemas.microsoft.com/office/powerpoint/2010/main" val="776426902"/>
       </p:ext>
     </p:extLst>
   </p:cSld>
@@ -2468,15 +4855,39 @@
           <a:chExt cx="0" cy="0"/>
         </a:xfrm>
       </p:grpSpPr>
-      <p:sp>
-        <p:nvSpPr>
-          <p:cNvPr id="2" name="Title 1">
+      <p:pic>
+        <p:nvPicPr>
+          <p:cNvPr id="8" name="Picture 7" descr="Celestia-R1---OverlayContentHD.png"/>
+          <p:cNvPicPr>
+            <a:picLocks noChangeAspect="1"/>
+          </p:cNvPicPr>
+          <p:nvPr/>
+        </p:nvPicPr>
+        <p:blipFill>
+          <a:blip r:embed="rId2">
             <a:extLst>
-              <a:ext uri="{FF2B5EF4-FFF2-40B4-BE49-F238E27FC236}">
-                <a16:creationId xmlns:a16="http://schemas.microsoft.com/office/drawing/2014/main" id="{8B28C1D6-29B0-39A7-5FDC-21B0E733B527}"/>
+              <a:ext uri="{28A0092B-C50C-407E-A947-70E740481C1C}">
+                <a14:useLocalDpi xmlns:a14="http://schemas.microsoft.com/office/drawing/2010/main" val="0"/>
               </a:ext>
             </a:extLst>
-          </p:cNvPr>
+          </a:blip>
+          <a:stretch>
+            <a:fillRect/>
+          </a:stretch>
+        </p:blipFill>
+        <p:spPr>
+          <a:xfrm>
+            <a:off x="0" y="0"/>
+            <a:ext cx="12188825" cy="6856214"/>
+          </a:xfrm>
+          <a:prstGeom prst="rect">
+            <a:avLst/>
+          </a:prstGeom>
+        </p:spPr>
+      </p:pic>
+      <p:sp>
+        <p:nvSpPr>
+          <p:cNvPr id="2" name="Title 1"/>
           <p:cNvSpPr>
             <a:spLocks noGrp="1"/>
           </p:cNvSpPr>
@@ -2486,15 +4897,17 @@
         </p:nvSpPr>
         <p:spPr>
           <a:xfrm>
-            <a:off x="839788" y="457200"/>
-            <a:ext cx="3932237" cy="1600200"/>
-          </a:xfrm>
-        </p:spPr>
-        <p:txBody>
-          <a:bodyPr anchor="b"/>
+            <a:off x="685800" y="1600200"/>
+            <a:ext cx="6164653" cy="1371600"/>
+          </a:xfrm>
+        </p:spPr>
+        <p:txBody>
+          <a:bodyPr anchor="b">
+            <a:normAutofit/>
+          </a:bodyPr>
           <a:lstStyle>
-            <a:lvl1pPr>
-              <a:defRPr sz="3200"/>
+            <a:lvl1pPr algn="l">
+              <a:defRPr sz="2800" b="0"/>
             </a:lvl1pPr>
           </a:lstStyle>
           <a:p>
@@ -2502,20 +4915,15 @@
               <a:rPr lang="en-US"/>
               <a:t>Click to edit Master title style</a:t>
             </a:r>
-          </a:p>
-        </p:txBody>
-      </p:sp>
-      <p:sp>
-        <p:nvSpPr>
-          <p:cNvPr id="3" name="Picture Placeholder 2">
-            <a:extLst>
-              <a:ext uri="{FF2B5EF4-FFF2-40B4-BE49-F238E27FC236}">
-                <a16:creationId xmlns:a16="http://schemas.microsoft.com/office/drawing/2014/main" id="{9163430E-CA5F-63C2-44BF-C131B24186E0}"/>
-              </a:ext>
-            </a:extLst>
-          </p:cNvPr>
-          <p:cNvSpPr>
-            <a:spLocks noGrp="1"/>
+            <a:endParaRPr lang="en-US" dirty="0"/>
+          </a:p>
+        </p:txBody>
+      </p:sp>
+      <p:sp>
+        <p:nvSpPr>
+          <p:cNvPr id="14" name="Picture Placeholder 2"/>
+          <p:cNvSpPr>
+            <a:spLocks noGrp="1" noChangeAspect="1"/>
           </p:cNvSpPr>
           <p:nvPr>
             <p:ph type="pic" idx="1"/>
@@ -2523,118 +4931,151 @@
         </p:nvSpPr>
         <p:spPr>
           <a:xfrm>
-            <a:off x="5183188" y="987425"/>
-            <a:ext cx="6172200" cy="4873625"/>
-          </a:xfrm>
-        </p:spPr>
-        <p:txBody>
-          <a:bodyPr/>
+            <a:off x="7536253" y="914400"/>
+            <a:ext cx="3280974" cy="4572000"/>
+          </a:xfrm>
+          <a:prstGeom prst="roundRect">
+            <a:avLst>
+              <a:gd name="adj" fmla="val 4280"/>
+            </a:avLst>
+          </a:prstGeom>
+          <a:ln w="50800" cap="sq" cmpd="dbl">
+            <a:gradFill flip="none" rotWithShape="1">
+              <a:gsLst>
+                <a:gs pos="0">
+                  <a:srgbClr val="FFFFFF"/>
+                </a:gs>
+                <a:gs pos="100000">
+                  <a:schemeClr val="tx1">
+                    <a:alpha val="0"/>
+                  </a:schemeClr>
+                </a:gs>
+              </a:gsLst>
+              <a:path path="circle">
+                <a:fillToRect l="50000" t="50000" r="50000" b="50000"/>
+              </a:path>
+              <a:tileRect/>
+            </a:gradFill>
+            <a:miter lim="800000"/>
+          </a:ln>
+          <a:effectLst>
+            <a:outerShdw blurRad="254000" algn="tl" rotWithShape="0">
+              <a:srgbClr val="000000">
+                <a:alpha val="43000"/>
+              </a:srgbClr>
+            </a:outerShdw>
+          </a:effectLst>
+        </p:spPr>
+        <p:txBody>
+          <a:bodyPr anchor="t">
+            <a:normAutofit/>
+          </a:bodyPr>
           <a:lstStyle>
-            <a:lvl1pPr marL="0" indent="0">
-              <a:buNone/>
-              <a:defRPr sz="3200"/>
-            </a:lvl1pPr>
-            <a:lvl2pPr marL="457200" indent="0">
-              <a:buNone/>
-              <a:defRPr sz="2800"/>
-            </a:lvl2pPr>
-            <a:lvl3pPr marL="914400" indent="0">
-              <a:buNone/>
-              <a:defRPr sz="2400"/>
-            </a:lvl3pPr>
-            <a:lvl4pPr marL="1371600" indent="0">
-              <a:buNone/>
-              <a:defRPr sz="2000"/>
-            </a:lvl4pPr>
-            <a:lvl5pPr marL="1828800" indent="0">
-              <a:buNone/>
-              <a:defRPr sz="2000"/>
-            </a:lvl5pPr>
-            <a:lvl6pPr marL="2286000" indent="0">
-              <a:buNone/>
-              <a:defRPr sz="2000"/>
-            </a:lvl6pPr>
-            <a:lvl7pPr marL="2743200" indent="0">
-              <a:buNone/>
-              <a:defRPr sz="2000"/>
-            </a:lvl7pPr>
-            <a:lvl8pPr marL="3200400" indent="0">
-              <a:buNone/>
-              <a:defRPr sz="2000"/>
-            </a:lvl8pPr>
-            <a:lvl9pPr marL="3657600" indent="0">
-              <a:buNone/>
-              <a:defRPr sz="2000"/>
-            </a:lvl9pPr>
-          </a:lstStyle>
-          <a:p>
-            <a:endParaRPr lang="en-US"/>
-          </a:p>
-        </p:txBody>
-      </p:sp>
-      <p:sp>
-        <p:nvSpPr>
-          <p:cNvPr id="4" name="Text Placeholder 3">
-            <a:extLst>
-              <a:ext uri="{FF2B5EF4-FFF2-40B4-BE49-F238E27FC236}">
-                <a16:creationId xmlns:a16="http://schemas.microsoft.com/office/drawing/2014/main" id="{A957190C-D098-CCF4-849F-328E4F9D206F}"/>
-              </a:ext>
-            </a:extLst>
-          </p:cNvPr>
-          <p:cNvSpPr>
-            <a:spLocks noGrp="1"/>
-          </p:cNvSpPr>
-          <p:nvPr>
-            <p:ph type="body" sz="half" idx="2"/>
-          </p:nvPr>
-        </p:nvSpPr>
-        <p:spPr>
-          <a:xfrm>
-            <a:off x="839788" y="2057400"/>
-            <a:ext cx="3932237" cy="3811588"/>
-          </a:xfrm>
-        </p:spPr>
-        <p:txBody>
-          <a:bodyPr/>
-          <a:lstStyle>
-            <a:lvl1pPr marL="0" indent="0">
+            <a:lvl1pPr marL="0" indent="0" algn="ctr">
               <a:buNone/>
               <a:defRPr sz="1600"/>
             </a:lvl1pPr>
             <a:lvl2pPr marL="457200" indent="0">
               <a:buNone/>
-              <a:defRPr sz="1400"/>
+              <a:defRPr sz="1600"/>
             </a:lvl2pPr>
             <a:lvl3pPr marL="914400" indent="0">
               <a:buNone/>
-              <a:defRPr sz="1200"/>
+              <a:defRPr sz="1600"/>
             </a:lvl3pPr>
             <a:lvl4pPr marL="1371600" indent="0">
               <a:buNone/>
-              <a:defRPr sz="1000"/>
+              <a:defRPr sz="1600"/>
             </a:lvl4pPr>
             <a:lvl5pPr marL="1828800" indent="0">
               <a:buNone/>
-              <a:defRPr sz="1000"/>
+              <a:defRPr sz="1600"/>
             </a:lvl5pPr>
             <a:lvl6pPr marL="2286000" indent="0">
               <a:buNone/>
-              <a:defRPr sz="1000"/>
+              <a:defRPr sz="1600"/>
             </a:lvl6pPr>
             <a:lvl7pPr marL="2743200" indent="0">
               <a:buNone/>
-              <a:defRPr sz="1000"/>
+              <a:defRPr sz="1600"/>
             </a:lvl7pPr>
             <a:lvl8pPr marL="3200400" indent="0">
               <a:buNone/>
-              <a:defRPr sz="1000"/>
+              <a:defRPr sz="1600"/>
             </a:lvl8pPr>
             <a:lvl9pPr marL="3657600" indent="0">
               <a:buNone/>
-              <a:defRPr sz="1000"/>
+              <a:defRPr sz="1600"/>
             </a:lvl9pPr>
           </a:lstStyle>
           <a:p>
+            <a:r>
+              <a:rPr lang="en-US"/>
+              <a:t>Click icon to add picture</a:t>
+            </a:r>
+            <a:endParaRPr lang="en-US" dirty="0"/>
+          </a:p>
+        </p:txBody>
+      </p:sp>
+      <p:sp>
+        <p:nvSpPr>
+          <p:cNvPr id="4" name="Text Placeholder 3"/>
+          <p:cNvSpPr>
+            <a:spLocks noGrp="1"/>
+          </p:cNvSpPr>
+          <p:nvPr>
+            <p:ph type="body" sz="half" idx="2"/>
+          </p:nvPr>
+        </p:nvSpPr>
+        <p:spPr>
+          <a:xfrm>
+            <a:off x="685800" y="2971800"/>
+            <a:ext cx="6164653" cy="1828800"/>
+          </a:xfrm>
+        </p:spPr>
+        <p:txBody>
+          <a:bodyPr anchor="t">
+            <a:normAutofit/>
+          </a:bodyPr>
+          <a:lstStyle>
+            <a:lvl1pPr marL="0" indent="0">
+              <a:buNone/>
+              <a:defRPr sz="1800"/>
+            </a:lvl1pPr>
+            <a:lvl2pPr marL="457200" indent="0">
+              <a:buNone/>
+              <a:defRPr sz="1200"/>
+            </a:lvl2pPr>
+            <a:lvl3pPr marL="914400" indent="0">
+              <a:buNone/>
+              <a:defRPr sz="1000"/>
+            </a:lvl3pPr>
+            <a:lvl4pPr marL="1371600" indent="0">
+              <a:buNone/>
+              <a:defRPr sz="900"/>
+            </a:lvl4pPr>
+            <a:lvl5pPr marL="1828800" indent="0">
+              <a:buNone/>
+              <a:defRPr sz="900"/>
+            </a:lvl5pPr>
+            <a:lvl6pPr marL="2286000" indent="0">
+              <a:buNone/>
+              <a:defRPr sz="900"/>
+            </a:lvl6pPr>
+            <a:lvl7pPr marL="2743200" indent="0">
+              <a:buNone/>
+              <a:defRPr sz="900"/>
+            </a:lvl7pPr>
+            <a:lvl8pPr marL="3200400" indent="0">
+              <a:buNone/>
+              <a:defRPr sz="900"/>
+            </a:lvl8pPr>
+            <a:lvl9pPr marL="3657600" indent="0">
+              <a:buNone/>
+              <a:defRPr sz="900"/>
+            </a:lvl9pPr>
+          </a:lstStyle>
+          <a:p>
             <a:pPr lvl="0"/>
             <a:r>
               <a:rPr lang="en-US"/>
@@ -2645,13 +5086,7 @@
       </p:sp>
       <p:sp>
         <p:nvSpPr>
-          <p:cNvPr id="5" name="Date Placeholder 4">
-            <a:extLst>
-              <a:ext uri="{FF2B5EF4-FFF2-40B4-BE49-F238E27FC236}">
-                <a16:creationId xmlns:a16="http://schemas.microsoft.com/office/drawing/2014/main" id="{93107657-9846-166A-0865-B11EDF89C6F9}"/>
-              </a:ext>
-            </a:extLst>
-          </p:cNvPr>
+          <p:cNvPr id="5" name="Date Placeholder 4"/>
           <p:cNvSpPr>
             <a:spLocks noGrp="1"/>
           </p:cNvSpPr>
@@ -2674,13 +5109,7 @@
       </p:sp>
       <p:sp>
         <p:nvSpPr>
-          <p:cNvPr id="6" name="Footer Placeholder 5">
-            <a:extLst>
-              <a:ext uri="{FF2B5EF4-FFF2-40B4-BE49-F238E27FC236}">
-                <a16:creationId xmlns:a16="http://schemas.microsoft.com/office/drawing/2014/main" id="{C615A4DB-0ADF-2ABE-C550-B6C1DBE08645}"/>
-              </a:ext>
-            </a:extLst>
-          </p:cNvPr>
+          <p:cNvPr id="6" name="Footer Placeholder 5"/>
           <p:cNvSpPr>
             <a:spLocks noGrp="1"/>
           </p:cNvSpPr>
@@ -2699,13 +5128,7 @@
       </p:sp>
       <p:sp>
         <p:nvSpPr>
-          <p:cNvPr id="7" name="Slide Number Placeholder 6">
-            <a:extLst>
-              <a:ext uri="{FF2B5EF4-FFF2-40B4-BE49-F238E27FC236}">
-                <a16:creationId xmlns:a16="http://schemas.microsoft.com/office/drawing/2014/main" id="{2CCC359B-0A10-7A14-FE2A-C3BB95B10B01}"/>
-              </a:ext>
-            </a:extLst>
-          </p:cNvPr>
+          <p:cNvPr id="7" name="Slide Number Placeholder 6"/>
           <p:cNvSpPr>
             <a:spLocks noGrp="1"/>
           </p:cNvSpPr>
@@ -2729,7 +5152,7 @@
     </p:spTree>
     <p:extLst>
       <p:ext uri="{BB962C8B-B14F-4D97-AF65-F5344CB8AC3E}">
-        <p14:creationId xmlns:p14="http://schemas.microsoft.com/office/powerpoint/2010/main" val="2351731161"/>
+        <p14:creationId xmlns:p14="http://schemas.microsoft.com/office/powerpoint/2010/main" val="3385496471"/>
       </p:ext>
     </p:extLst>
   </p:cSld>
@@ -2743,9 +5166,42 @@
 <p:sldMaster xmlns:a="http://schemas.openxmlformats.org/drawingml/2006/main" xmlns:r="http://schemas.openxmlformats.org/officeDocument/2006/relationships" xmlns:p="http://schemas.openxmlformats.org/presentationml/2006/main">
   <p:cSld>
     <p:bg>
-      <p:bgRef idx="1001">
-        <a:schemeClr val="bg1"/>
-      </p:bgRef>
+      <p:bgPr>
+        <a:gradFill flip="none" rotWithShape="1">
+          <a:gsLst>
+            <a:gs pos="46990">
+              <a:srgbClr val="A1D7F0"/>
+            </a:gs>
+            <a:gs pos="0">
+              <a:schemeClr val="accent1">
+                <a:lumMod val="5000"/>
+                <a:lumOff val="95000"/>
+              </a:schemeClr>
+            </a:gs>
+            <a:gs pos="74000">
+              <a:schemeClr val="accent1">
+                <a:lumMod val="45000"/>
+                <a:lumOff val="55000"/>
+              </a:schemeClr>
+            </a:gs>
+            <a:gs pos="83000">
+              <a:schemeClr val="accent1">
+                <a:lumMod val="45000"/>
+                <a:lumOff val="55000"/>
+              </a:schemeClr>
+            </a:gs>
+            <a:gs pos="100000">
+              <a:schemeClr val="accent1">
+                <a:lumMod val="30000"/>
+                <a:lumOff val="70000"/>
+              </a:schemeClr>
+            </a:gs>
+          </a:gsLst>
+          <a:lin ang="5400000" scaled="1"/>
+          <a:tileRect/>
+        </a:gradFill>
+        <a:effectLst/>
+      </p:bgPr>
     </p:bg>
     <p:spTree>
       <p:nvGrpSpPr>
@@ -2763,13 +5219,7 @@
       </p:grpSpPr>
       <p:sp>
         <p:nvSpPr>
-          <p:cNvPr id="2" name="Title Placeholder 1">
-            <a:extLst>
-              <a:ext uri="{FF2B5EF4-FFF2-40B4-BE49-F238E27FC236}">
-                <a16:creationId xmlns:a16="http://schemas.microsoft.com/office/drawing/2014/main" id="{8544EE0F-5DE1-8C49-B653-57A08E15A49C}"/>
-              </a:ext>
-            </a:extLst>
-          </p:cNvPr>
+          <p:cNvPr id="2" name="Title Placeholder 1"/>
           <p:cNvSpPr>
             <a:spLocks noGrp="1"/>
           </p:cNvSpPr>
@@ -2779,12 +5229,13 @@
         </p:nvSpPr>
         <p:spPr>
           <a:xfrm>
-            <a:off x="838200" y="365125"/>
-            <a:ext cx="10515600" cy="1325563"/>
+            <a:off x="685801" y="609600"/>
+            <a:ext cx="10131425" cy="1456267"/>
           </a:xfrm>
           <a:prstGeom prst="rect">
             <a:avLst/>
           </a:prstGeom>
+          <a:effectLst/>
         </p:spPr>
         <p:txBody>
           <a:bodyPr vert="horz" lIns="91440" tIns="45720" rIns="91440" bIns="45720" rtlCol="0" anchor="ctr">
@@ -2796,18 +5247,13 @@
               <a:rPr lang="en-US"/>
               <a:t>Click to edit Master title style</a:t>
             </a:r>
-          </a:p>
-        </p:txBody>
-      </p:sp>
-      <p:sp>
-        <p:nvSpPr>
-          <p:cNvPr id="3" name="Text Placeholder 2">
-            <a:extLst>
-              <a:ext uri="{FF2B5EF4-FFF2-40B4-BE49-F238E27FC236}">
-                <a16:creationId xmlns:a16="http://schemas.microsoft.com/office/drawing/2014/main" id="{C8138A29-77E6-845E-6AF7-D2419E2625A6}"/>
-              </a:ext>
-            </a:extLst>
-          </p:cNvPr>
+            <a:endParaRPr lang="en-US" dirty="0"/>
+          </a:p>
+        </p:txBody>
+      </p:sp>
+      <p:sp>
+        <p:nvSpPr>
+          <p:cNvPr id="3" name="Text Placeholder 2"/>
           <p:cNvSpPr>
             <a:spLocks noGrp="1"/>
           </p:cNvSpPr>
@@ -2817,15 +5263,15 @@
         </p:nvSpPr>
         <p:spPr>
           <a:xfrm>
-            <a:off x="838200" y="1825625"/>
-            <a:ext cx="10515600" cy="4351338"/>
+            <a:off x="685801" y="2142067"/>
+            <a:ext cx="10131425" cy="3649133"/>
           </a:xfrm>
           <a:prstGeom prst="rect">
             <a:avLst/>
           </a:prstGeom>
         </p:spPr>
         <p:txBody>
-          <a:bodyPr vert="horz" lIns="91440" tIns="45720" rIns="91440" bIns="45720" rtlCol="0">
+          <a:bodyPr vert="horz" lIns="91440" tIns="45720" rIns="91440" bIns="45720" rtlCol="0" anchor="ctr">
             <a:normAutofit/>
           </a:bodyPr>
           <a:lstStyle/>
@@ -2863,18 +5309,13 @@
               <a:rPr lang="en-US"/>
               <a:t>Fifth level</a:t>
             </a:r>
-          </a:p>
-        </p:txBody>
-      </p:sp>
-      <p:sp>
-        <p:nvSpPr>
-          <p:cNvPr id="4" name="Date Placeholder 3">
-            <a:extLst>
-              <a:ext uri="{FF2B5EF4-FFF2-40B4-BE49-F238E27FC236}">
-                <a16:creationId xmlns:a16="http://schemas.microsoft.com/office/drawing/2014/main" id="{A4EB45B7-ECB0-832B-FC19-287677450CC0}"/>
-              </a:ext>
-            </a:extLst>
-          </p:cNvPr>
+            <a:endParaRPr lang="en-US" dirty="0"/>
+          </a:p>
+        </p:txBody>
+      </p:sp>
+      <p:sp>
+        <p:nvSpPr>
+          <p:cNvPr id="4" name="Date Placeholder 3"/>
           <p:cNvSpPr>
             <a:spLocks noGrp="1"/>
           </p:cNvSpPr>
@@ -2884,8 +5325,8 @@
         </p:nvSpPr>
         <p:spPr>
           <a:xfrm>
-            <a:off x="838200" y="6356350"/>
-            <a:ext cx="2743200" cy="365125"/>
+            <a:off x="8589660" y="5870575"/>
+            <a:ext cx="1600200" cy="377825"/>
           </a:xfrm>
           <a:prstGeom prst="rect">
             <a:avLst/>
@@ -2894,13 +5335,13 @@
         <p:txBody>
           <a:bodyPr vert="horz" lIns="91440" tIns="45720" rIns="91440" bIns="45720" rtlCol="0" anchor="ctr"/>
           <a:lstStyle>
-            <a:lvl1pPr algn="l">
-              <a:defRPr sz="1200">
-                <a:solidFill>
-                  <a:schemeClr val="tx1">
-                    <a:tint val="82000"/>
-                  </a:schemeClr>
-                </a:solidFill>
+            <a:lvl1pPr algn="r">
+              <a:defRPr sz="1000" b="0" i="0">
+                <a:solidFill>
+                  <a:schemeClr val="tx1"/>
+                </a:solidFill>
+                <a:effectLst/>
+                <a:latin typeface="+mn-lt"/>
               </a:defRPr>
             </a:lvl1pPr>
           </a:lstStyle>
@@ -2915,13 +5356,7 @@
       </p:sp>
       <p:sp>
         <p:nvSpPr>
-          <p:cNvPr id="5" name="Footer Placeholder 4">
-            <a:extLst>
-              <a:ext uri="{FF2B5EF4-FFF2-40B4-BE49-F238E27FC236}">
-                <a16:creationId xmlns:a16="http://schemas.microsoft.com/office/drawing/2014/main" id="{683446B5-4F6C-12D9-9D7E-E8FC9ACC3CE1}"/>
-              </a:ext>
-            </a:extLst>
-          </p:cNvPr>
+          <p:cNvPr id="5" name="Footer Placeholder 4"/>
           <p:cNvSpPr>
             <a:spLocks noGrp="1"/>
           </p:cNvSpPr>
@@ -2931,8 +5366,8 @@
         </p:nvSpPr>
         <p:spPr>
           <a:xfrm>
-            <a:off x="4038600" y="6356350"/>
-            <a:ext cx="4114800" cy="365125"/>
+            <a:off x="685800" y="5870575"/>
+            <a:ext cx="7827659" cy="377825"/>
           </a:xfrm>
           <a:prstGeom prst="rect">
             <a:avLst/>
@@ -2941,13 +5376,13 @@
         <p:txBody>
           <a:bodyPr vert="horz" lIns="91440" tIns="45720" rIns="91440" bIns="45720" rtlCol="0" anchor="ctr"/>
           <a:lstStyle>
-            <a:lvl1pPr algn="ctr">
-              <a:defRPr sz="1200">
-                <a:solidFill>
-                  <a:schemeClr val="tx1">
-                    <a:tint val="82000"/>
-                  </a:schemeClr>
-                </a:solidFill>
+            <a:lvl1pPr algn="l">
+              <a:defRPr sz="1000" b="0" i="0">
+                <a:solidFill>
+                  <a:schemeClr val="tx1"/>
+                </a:solidFill>
+                <a:effectLst/>
+                <a:latin typeface="+mn-lt"/>
               </a:defRPr>
             </a:lvl1pPr>
           </a:lstStyle>
@@ -2958,13 +5393,7 @@
       </p:sp>
       <p:sp>
         <p:nvSpPr>
-          <p:cNvPr id="6" name="Slide Number Placeholder 5">
-            <a:extLst>
-              <a:ext uri="{FF2B5EF4-FFF2-40B4-BE49-F238E27FC236}">
-                <a16:creationId xmlns:a16="http://schemas.microsoft.com/office/drawing/2014/main" id="{82BE5726-154A-777F-602B-67E5BD811F48}"/>
-              </a:ext>
-            </a:extLst>
-          </p:cNvPr>
+          <p:cNvPr id="6" name="Slide Number Placeholder 5"/>
           <p:cNvSpPr>
             <a:spLocks noGrp="1"/>
           </p:cNvSpPr>
@@ -2974,8 +5403,8 @@
         </p:nvSpPr>
         <p:spPr>
           <a:xfrm>
-            <a:off x="8610600" y="6356350"/>
-            <a:ext cx="2743200" cy="365125"/>
+            <a:off x="10266060" y="5870575"/>
+            <a:ext cx="551167" cy="377825"/>
           </a:xfrm>
           <a:prstGeom prst="rect">
             <a:avLst/>
@@ -2985,12 +5414,12 @@
           <a:bodyPr vert="horz" lIns="91440" tIns="45720" rIns="91440" bIns="45720" rtlCol="0" anchor="ctr"/>
           <a:lstStyle>
             <a:lvl1pPr algn="r">
-              <a:defRPr sz="1200">
-                <a:solidFill>
-                  <a:schemeClr val="tx1">
-                    <a:tint val="82000"/>
-                  </a:schemeClr>
-                </a:solidFill>
+              <a:defRPr sz="1000" b="0" i="0">
+                <a:solidFill>
+                  <a:schemeClr val="tx1"/>
+                </a:solidFill>
+                <a:effectLst/>
+                <a:latin typeface="+mn-lt"/>
               </a:defRPr>
             </a:lvl1pPr>
           </a:lstStyle>
@@ -3006,202 +5435,310 @@
     </p:spTree>
     <p:extLst>
       <p:ext uri="{BB962C8B-B14F-4D97-AF65-F5344CB8AC3E}">
-        <p14:creationId xmlns:p14="http://schemas.microsoft.com/office/powerpoint/2010/main" val="4159734271"/>
+        <p14:creationId xmlns:p14="http://schemas.microsoft.com/office/powerpoint/2010/main" val="1462305390"/>
       </p:ext>
     </p:extLst>
   </p:cSld>
-  <p:clrMap bg1="lt1" tx1="dk1" bg2="lt2" tx2="dk2" accent1="accent1" accent2="accent2" accent3="accent3" accent4="accent4" accent5="accent5" accent6="accent6" hlink="hlink" folHlink="folHlink"/>
+  <p:clrMap bg1="dk1" tx1="lt1" bg2="dk2" tx2="lt2" accent1="accent1" accent2="accent2" accent3="accent3" accent4="accent4" accent5="accent5" accent6="accent6" hlink="hlink" folHlink="folHlink"/>
   <p:sldLayoutIdLst>
-    <p:sldLayoutId id="2147483649" r:id="rId1"/>
-    <p:sldLayoutId id="2147483650" r:id="rId2"/>
-    <p:sldLayoutId id="2147483651" r:id="rId3"/>
-    <p:sldLayoutId id="2147483652" r:id="rId4"/>
-    <p:sldLayoutId id="2147483653" r:id="rId5"/>
-    <p:sldLayoutId id="2147483654" r:id="rId6"/>
-    <p:sldLayoutId id="2147483655" r:id="rId7"/>
-    <p:sldLayoutId id="2147483656" r:id="rId8"/>
-    <p:sldLayoutId id="2147483657" r:id="rId9"/>
-    <p:sldLayoutId id="2147483658" r:id="rId10"/>
-    <p:sldLayoutId id="2147483659" r:id="rId11"/>
+    <p:sldLayoutId id="2147483769" r:id="rId1"/>
+    <p:sldLayoutId id="2147483770" r:id="rId2"/>
+    <p:sldLayoutId id="2147483771" r:id="rId3"/>
+    <p:sldLayoutId id="2147483772" r:id="rId4"/>
+    <p:sldLayoutId id="2147483773" r:id="rId5"/>
+    <p:sldLayoutId id="2147483774" r:id="rId6"/>
+    <p:sldLayoutId id="2147483775" r:id="rId7"/>
+    <p:sldLayoutId id="2147483776" r:id="rId8"/>
+    <p:sldLayoutId id="2147483777" r:id="rId9"/>
+    <p:sldLayoutId id="2147483778" r:id="rId10"/>
+    <p:sldLayoutId id="2147483779" r:id="rId11"/>
+    <p:sldLayoutId id="2147483780" r:id="rId12"/>
+    <p:sldLayoutId id="2147483781" r:id="rId13"/>
+    <p:sldLayoutId id="2147483782" r:id="rId14"/>
+    <p:sldLayoutId id="2147483783" r:id="rId15"/>
+    <p:sldLayoutId id="2147483784" r:id="rId16"/>
+    <p:sldLayoutId id="2147483785" r:id="rId17"/>
   </p:sldLayoutIdLst>
   <p:txStyles>
     <p:titleStyle>
-      <a:lvl1pPr algn="l" defTabSz="914400" rtl="0" eaLnBrk="1" latinLnBrk="0" hangingPunct="1">
-        <a:lnSpc>
-          <a:spcPct val="90000"/>
-        </a:lnSpc>
+      <a:lvl1pPr algn="l" defTabSz="457200" rtl="0" eaLnBrk="1" latinLnBrk="0" hangingPunct="1">
         <a:spcBef>
           <a:spcPct val="0"/>
         </a:spcBef>
         <a:buNone/>
-        <a:defRPr sz="4400" kern="1200">
+        <a:defRPr sz="3600" kern="1200" cap="all">
+          <a:ln w="3175" cmpd="sng">
+            <a:noFill/>
+          </a:ln>
           <a:solidFill>
             <a:schemeClr val="tx1"/>
           </a:solidFill>
+          <a:effectLst/>
           <a:latin typeface="+mj-lt"/>
           <a:ea typeface="+mj-ea"/>
           <a:cs typeface="+mj-cs"/>
         </a:defRPr>
       </a:lvl1pPr>
+      <a:lvl2pPr eaLnBrk="1" hangingPunct="1">
+        <a:defRPr>
+          <a:solidFill>
+            <a:schemeClr val="tx2"/>
+          </a:solidFill>
+        </a:defRPr>
+      </a:lvl2pPr>
+      <a:lvl3pPr eaLnBrk="1" hangingPunct="1">
+        <a:defRPr>
+          <a:solidFill>
+            <a:schemeClr val="tx2"/>
+          </a:solidFill>
+        </a:defRPr>
+      </a:lvl3pPr>
+      <a:lvl4pPr eaLnBrk="1" hangingPunct="1">
+        <a:defRPr>
+          <a:solidFill>
+            <a:schemeClr val="tx2"/>
+          </a:solidFill>
+        </a:defRPr>
+      </a:lvl4pPr>
+      <a:lvl5pPr eaLnBrk="1" hangingPunct="1">
+        <a:defRPr>
+          <a:solidFill>
+            <a:schemeClr val="tx2"/>
+          </a:solidFill>
+        </a:defRPr>
+      </a:lvl5pPr>
+      <a:lvl6pPr eaLnBrk="1" hangingPunct="1">
+        <a:defRPr>
+          <a:solidFill>
+            <a:schemeClr val="tx2"/>
+          </a:solidFill>
+        </a:defRPr>
+      </a:lvl6pPr>
+      <a:lvl7pPr eaLnBrk="1" hangingPunct="1">
+        <a:defRPr>
+          <a:solidFill>
+            <a:schemeClr val="tx2"/>
+          </a:solidFill>
+        </a:defRPr>
+      </a:lvl7pPr>
+      <a:lvl8pPr eaLnBrk="1" hangingPunct="1">
+        <a:defRPr>
+          <a:solidFill>
+            <a:schemeClr val="tx2"/>
+          </a:solidFill>
+        </a:defRPr>
+      </a:lvl8pPr>
+      <a:lvl9pPr eaLnBrk="1" hangingPunct="1">
+        <a:defRPr>
+          <a:solidFill>
+            <a:schemeClr val="tx2"/>
+          </a:solidFill>
+        </a:defRPr>
+      </a:lvl9pPr>
     </p:titleStyle>
     <p:bodyStyle>
-      <a:lvl1pPr marL="228600" indent="-228600" algn="l" defTabSz="914400" rtl="0" eaLnBrk="1" latinLnBrk="0" hangingPunct="1">
-        <a:lnSpc>
-          <a:spcPct val="90000"/>
-        </a:lnSpc>
+      <a:lvl1pPr marL="285750" indent="-285750" algn="l" defTabSz="457200" rtl="0" eaLnBrk="1" latinLnBrk="0" hangingPunct="1">
         <a:spcBef>
+          <a:spcPts val="0"/>
+        </a:spcBef>
+        <a:spcAft>
           <a:spcPts val="1000"/>
-        </a:spcBef>
-        <a:buFont typeface="Arial" panose="020B0604020202020204" pitchFamily="34" charset="0"/>
+        </a:spcAft>
+        <a:buClr>
+          <a:schemeClr val="tx1"/>
+        </a:buClr>
+        <a:buSzPct val="100000"/>
+        <a:buFont typeface="Arial"/>
         <a:buChar char="•"/>
-        <a:defRPr sz="2800" kern="1200">
+        <a:defRPr sz="1800" kern="1200" cap="none">
           <a:solidFill>
             <a:schemeClr val="tx1"/>
           </a:solidFill>
+          <a:effectLst/>
           <a:latin typeface="+mn-lt"/>
           <a:ea typeface="+mn-ea"/>
           <a:cs typeface="+mn-cs"/>
         </a:defRPr>
       </a:lvl1pPr>
-      <a:lvl2pPr marL="685800" indent="-228600" algn="l" defTabSz="914400" rtl="0" eaLnBrk="1" latinLnBrk="0" hangingPunct="1">
-        <a:lnSpc>
-          <a:spcPct val="90000"/>
-        </a:lnSpc>
+      <a:lvl2pPr marL="742950" indent="-285750" algn="l" defTabSz="457200" rtl="0" eaLnBrk="1" latinLnBrk="0" hangingPunct="1">
         <a:spcBef>
-          <a:spcPts val="500"/>
+          <a:spcPts val="0"/>
         </a:spcBef>
-        <a:buFont typeface="Arial" panose="020B0604020202020204" pitchFamily="34" charset="0"/>
+        <a:spcAft>
+          <a:spcPts val="1000"/>
+        </a:spcAft>
+        <a:buClr>
+          <a:schemeClr val="tx1"/>
+        </a:buClr>
+        <a:buSzPct val="100000"/>
+        <a:buFont typeface="Arial"/>
         <a:buChar char="•"/>
-        <a:defRPr sz="2400" kern="1200">
+        <a:defRPr sz="1600" kern="1200" cap="none">
           <a:solidFill>
             <a:schemeClr val="tx1"/>
           </a:solidFill>
+          <a:effectLst/>
           <a:latin typeface="+mn-lt"/>
           <a:ea typeface="+mn-ea"/>
           <a:cs typeface="+mn-cs"/>
         </a:defRPr>
       </a:lvl2pPr>
-      <a:lvl3pPr marL="1143000" indent="-228600" algn="l" defTabSz="914400" rtl="0" eaLnBrk="1" latinLnBrk="0" hangingPunct="1">
-        <a:lnSpc>
-          <a:spcPct val="90000"/>
-        </a:lnSpc>
+      <a:lvl3pPr marL="1200150" indent="-285750" algn="l" defTabSz="457200" rtl="0" eaLnBrk="1" latinLnBrk="0" hangingPunct="1">
         <a:spcBef>
-          <a:spcPts val="500"/>
+          <a:spcPts val="0"/>
         </a:spcBef>
-        <a:buFont typeface="Arial" panose="020B0604020202020204" pitchFamily="34" charset="0"/>
+        <a:spcAft>
+          <a:spcPts val="1000"/>
+        </a:spcAft>
+        <a:buClr>
+          <a:schemeClr val="tx1"/>
+        </a:buClr>
+        <a:buSzPct val="100000"/>
+        <a:buFont typeface="Arial"/>
         <a:buChar char="•"/>
-        <a:defRPr sz="2000" kern="1200">
+        <a:defRPr sz="1400" kern="1200" cap="none">
           <a:solidFill>
             <a:schemeClr val="tx1"/>
           </a:solidFill>
+          <a:effectLst/>
           <a:latin typeface="+mn-lt"/>
           <a:ea typeface="+mn-ea"/>
           <a:cs typeface="+mn-cs"/>
         </a:defRPr>
       </a:lvl3pPr>
-      <a:lvl4pPr marL="1600200" indent="-228600" algn="l" defTabSz="914400" rtl="0" eaLnBrk="1" latinLnBrk="0" hangingPunct="1">
-        <a:lnSpc>
-          <a:spcPct val="90000"/>
-        </a:lnSpc>
+      <a:lvl4pPr marL="1543050" indent="-171450" algn="l" defTabSz="457200" rtl="0" eaLnBrk="1" latinLnBrk="0" hangingPunct="1">
         <a:spcBef>
-          <a:spcPts val="500"/>
+          <a:spcPts val="0"/>
         </a:spcBef>
-        <a:buFont typeface="Arial" panose="020B0604020202020204" pitchFamily="34" charset="0"/>
+        <a:spcAft>
+          <a:spcPts val="1000"/>
+        </a:spcAft>
+        <a:buClr>
+          <a:schemeClr val="tx1"/>
+        </a:buClr>
+        <a:buSzPct val="100000"/>
+        <a:buFont typeface="Arial"/>
         <a:buChar char="•"/>
-        <a:defRPr sz="1800" kern="1200">
+        <a:defRPr sz="1200" kern="1200" cap="none">
           <a:solidFill>
             <a:schemeClr val="tx1"/>
           </a:solidFill>
+          <a:effectLst/>
           <a:latin typeface="+mn-lt"/>
           <a:ea typeface="+mn-ea"/>
           <a:cs typeface="+mn-cs"/>
         </a:defRPr>
       </a:lvl4pPr>
-      <a:lvl5pPr marL="2057400" indent="-228600" algn="l" defTabSz="914400" rtl="0" eaLnBrk="1" latinLnBrk="0" hangingPunct="1">
-        <a:lnSpc>
-          <a:spcPct val="90000"/>
-        </a:lnSpc>
+      <a:lvl5pPr marL="2000250" indent="-171450" algn="l" defTabSz="457200" rtl="0" eaLnBrk="1" latinLnBrk="0" hangingPunct="1">
         <a:spcBef>
-          <a:spcPts val="500"/>
+          <a:spcPts val="0"/>
         </a:spcBef>
-        <a:buFont typeface="Arial" panose="020B0604020202020204" pitchFamily="34" charset="0"/>
+        <a:spcAft>
+          <a:spcPts val="1000"/>
+        </a:spcAft>
+        <a:buClr>
+          <a:schemeClr val="tx1"/>
+        </a:buClr>
+        <a:buSzPct val="100000"/>
+        <a:buFont typeface="Arial"/>
         <a:buChar char="•"/>
-        <a:defRPr sz="1800" kern="1200">
+        <a:defRPr sz="1200" kern="1200" cap="none">
           <a:solidFill>
             <a:schemeClr val="tx1"/>
           </a:solidFill>
+          <a:effectLst/>
           <a:latin typeface="+mn-lt"/>
           <a:ea typeface="+mn-ea"/>
           <a:cs typeface="+mn-cs"/>
         </a:defRPr>
       </a:lvl5pPr>
-      <a:lvl6pPr marL="2514600" indent="-228600" algn="l" defTabSz="914400" rtl="0" eaLnBrk="1" latinLnBrk="0" hangingPunct="1">
-        <a:lnSpc>
-          <a:spcPct val="90000"/>
-        </a:lnSpc>
+      <a:lvl6pPr marL="2514600" indent="-228600" algn="l" defTabSz="457200" rtl="0" eaLnBrk="1" latinLnBrk="0" hangingPunct="1">
         <a:spcBef>
-          <a:spcPts val="500"/>
+          <a:spcPts val="0"/>
         </a:spcBef>
-        <a:buFont typeface="Arial" panose="020B0604020202020204" pitchFamily="34" charset="0"/>
+        <a:spcAft>
+          <a:spcPts val="1000"/>
+        </a:spcAft>
+        <a:buClr>
+          <a:schemeClr val="tx1"/>
+        </a:buClr>
+        <a:buSzPct val="100000"/>
+        <a:buFont typeface="Arial"/>
         <a:buChar char="•"/>
-        <a:defRPr sz="1800" kern="1200">
+        <a:defRPr sz="1200" kern="1200" cap="none">
           <a:solidFill>
             <a:schemeClr val="tx1"/>
           </a:solidFill>
+          <a:effectLst/>
           <a:latin typeface="+mn-lt"/>
           <a:ea typeface="+mn-ea"/>
           <a:cs typeface="+mn-cs"/>
         </a:defRPr>
       </a:lvl6pPr>
-      <a:lvl7pPr marL="2971800" indent="-228600" algn="l" defTabSz="914400" rtl="0" eaLnBrk="1" latinLnBrk="0" hangingPunct="1">
-        <a:lnSpc>
-          <a:spcPct val="90000"/>
-        </a:lnSpc>
+      <a:lvl7pPr marL="2971800" indent="-228600" algn="l" defTabSz="457200" rtl="0" eaLnBrk="1" latinLnBrk="0" hangingPunct="1">
         <a:spcBef>
-          <a:spcPts val="500"/>
+          <a:spcPts val="0"/>
         </a:spcBef>
-        <a:buFont typeface="Arial" panose="020B0604020202020204" pitchFamily="34" charset="0"/>
+        <a:spcAft>
+          <a:spcPts val="1000"/>
+        </a:spcAft>
+        <a:buClr>
+          <a:schemeClr val="tx1"/>
+        </a:buClr>
+        <a:buSzPct val="100000"/>
+        <a:buFont typeface="Arial"/>
         <a:buChar char="•"/>
-        <a:defRPr sz="1800" kern="1200">
+        <a:defRPr sz="1200" kern="1200" cap="none">
           <a:solidFill>
             <a:schemeClr val="tx1"/>
           </a:solidFill>
+          <a:effectLst/>
           <a:latin typeface="+mn-lt"/>
           <a:ea typeface="+mn-ea"/>
           <a:cs typeface="+mn-cs"/>
         </a:defRPr>
       </a:lvl7pPr>
-      <a:lvl8pPr marL="3429000" indent="-228600" algn="l" defTabSz="914400" rtl="0" eaLnBrk="1" latinLnBrk="0" hangingPunct="1">
-        <a:lnSpc>
-          <a:spcPct val="90000"/>
-        </a:lnSpc>
+      <a:lvl8pPr marL="3429000" indent="-228600" algn="l" defTabSz="457200" rtl="0" eaLnBrk="1" latinLnBrk="0" hangingPunct="1">
         <a:spcBef>
-          <a:spcPts val="500"/>
+          <a:spcPts val="0"/>
         </a:spcBef>
-        <a:buFont typeface="Arial" panose="020B0604020202020204" pitchFamily="34" charset="0"/>
+        <a:spcAft>
+          <a:spcPts val="1000"/>
+        </a:spcAft>
+        <a:buClr>
+          <a:schemeClr val="tx1"/>
+        </a:buClr>
+        <a:buSzPct val="100000"/>
+        <a:buFont typeface="Arial"/>
         <a:buChar char="•"/>
-        <a:defRPr sz="1800" kern="1200">
+        <a:defRPr sz="1200" kern="1200" cap="none">
           <a:solidFill>
             <a:schemeClr val="tx1"/>
           </a:solidFill>
+          <a:effectLst/>
           <a:latin typeface="+mn-lt"/>
           <a:ea typeface="+mn-ea"/>
           <a:cs typeface="+mn-cs"/>
         </a:defRPr>
       </a:lvl8pPr>
-      <a:lvl9pPr marL="3886200" indent="-228600" algn="l" defTabSz="914400" rtl="0" eaLnBrk="1" latinLnBrk="0" hangingPunct="1">
-        <a:lnSpc>
-          <a:spcPct val="90000"/>
-        </a:lnSpc>
+      <a:lvl9pPr marL="3886200" indent="-228600" algn="l" defTabSz="457200" rtl="0" eaLnBrk="1" latinLnBrk="0" hangingPunct="1">
         <a:spcBef>
-          <a:spcPts val="500"/>
+          <a:spcPts val="0"/>
         </a:spcBef>
-        <a:buFont typeface="Arial" panose="020B0604020202020204" pitchFamily="34" charset="0"/>
+        <a:spcAft>
+          <a:spcPts val="1000"/>
+        </a:spcAft>
+        <a:buClr>
+          <a:schemeClr val="tx1"/>
+        </a:buClr>
+        <a:buSzPct val="100000"/>
+        <a:buFont typeface="Arial"/>
         <a:buChar char="•"/>
-        <a:defRPr sz="1800" kern="1200">
+        <a:defRPr sz="1200" kern="1200" cap="none">
           <a:solidFill>
             <a:schemeClr val="tx1"/>
           </a:solidFill>
+          <a:effectLst/>
           <a:latin typeface="+mn-lt"/>
           <a:ea typeface="+mn-ea"/>
           <a:cs typeface="+mn-cs"/>
@@ -3212,7 +5749,7 @@
       <a:defPPr>
         <a:defRPr lang="en-US"/>
       </a:defPPr>
-      <a:lvl1pPr marL="0" algn="l" defTabSz="914400" rtl="0" eaLnBrk="1" latinLnBrk="0" hangingPunct="1">
+      <a:lvl1pPr marL="0" algn="l" defTabSz="457200" rtl="0" eaLnBrk="1" latinLnBrk="0" hangingPunct="1">
         <a:defRPr sz="1800" kern="1200">
           <a:solidFill>
             <a:schemeClr val="tx1"/>
@@ -3222,7 +5759,7 @@
           <a:cs typeface="+mn-cs"/>
         </a:defRPr>
       </a:lvl1pPr>
-      <a:lvl2pPr marL="457200" algn="l" defTabSz="914400" rtl="0" eaLnBrk="1" latinLnBrk="0" hangingPunct="1">
+      <a:lvl2pPr marL="457200" algn="l" defTabSz="457200" rtl="0" eaLnBrk="1" latinLnBrk="0" hangingPunct="1">
         <a:defRPr sz="1800" kern="1200">
           <a:solidFill>
             <a:schemeClr val="tx1"/>
@@ -3232,7 +5769,7 @@
           <a:cs typeface="+mn-cs"/>
         </a:defRPr>
       </a:lvl2pPr>
-      <a:lvl3pPr marL="914400" algn="l" defTabSz="914400" rtl="0" eaLnBrk="1" latinLnBrk="0" hangingPunct="1">
+      <a:lvl3pPr marL="914400" algn="l" defTabSz="457200" rtl="0" eaLnBrk="1" latinLnBrk="0" hangingPunct="1">
         <a:defRPr sz="1800" kern="1200">
           <a:solidFill>
             <a:schemeClr val="tx1"/>
@@ -3242,7 +5779,7 @@
           <a:cs typeface="+mn-cs"/>
         </a:defRPr>
       </a:lvl3pPr>
-      <a:lvl4pPr marL="1371600" algn="l" defTabSz="914400" rtl="0" eaLnBrk="1" latinLnBrk="0" hangingPunct="1">
+      <a:lvl4pPr marL="1371600" algn="l" defTabSz="457200" rtl="0" eaLnBrk="1" latinLnBrk="0" hangingPunct="1">
         <a:defRPr sz="1800" kern="1200">
           <a:solidFill>
             <a:schemeClr val="tx1"/>
@@ -3252,7 +5789,7 @@
           <a:cs typeface="+mn-cs"/>
         </a:defRPr>
       </a:lvl4pPr>
-      <a:lvl5pPr marL="1828800" algn="l" defTabSz="914400" rtl="0" eaLnBrk="1" latinLnBrk="0" hangingPunct="1">
+      <a:lvl5pPr marL="1828800" algn="l" defTabSz="457200" rtl="0" eaLnBrk="1" latinLnBrk="0" hangingPunct="1">
         <a:defRPr sz="1800" kern="1200">
           <a:solidFill>
             <a:schemeClr val="tx1"/>
@@ -3262,7 +5799,7 @@
           <a:cs typeface="+mn-cs"/>
         </a:defRPr>
       </a:lvl5pPr>
-      <a:lvl6pPr marL="2286000" algn="l" defTabSz="914400" rtl="0" eaLnBrk="1" latinLnBrk="0" hangingPunct="1">
+      <a:lvl6pPr marL="2286000" algn="l" defTabSz="457200" rtl="0" eaLnBrk="1" latinLnBrk="0" hangingPunct="1">
         <a:defRPr sz="1800" kern="1200">
           <a:solidFill>
             <a:schemeClr val="tx1"/>
@@ -3272,7 +5809,7 @@
           <a:cs typeface="+mn-cs"/>
         </a:defRPr>
       </a:lvl6pPr>
-      <a:lvl7pPr marL="2743200" algn="l" defTabSz="914400" rtl="0" eaLnBrk="1" latinLnBrk="0" hangingPunct="1">
+      <a:lvl7pPr marL="2743200" algn="l" defTabSz="457200" rtl="0" eaLnBrk="1" latinLnBrk="0" hangingPunct="1">
         <a:defRPr sz="1800" kern="1200">
           <a:solidFill>
             <a:schemeClr val="tx1"/>
@@ -3282,7 +5819,7 @@
           <a:cs typeface="+mn-cs"/>
         </a:defRPr>
       </a:lvl7pPr>
-      <a:lvl8pPr marL="3200400" algn="l" defTabSz="914400" rtl="0" eaLnBrk="1" latinLnBrk="0" hangingPunct="1">
+      <a:lvl8pPr marL="3200400" algn="l" defTabSz="457200" rtl="0" eaLnBrk="1" latinLnBrk="0" hangingPunct="1">
         <a:defRPr sz="1800" kern="1200">
           <a:solidFill>
             <a:schemeClr val="tx1"/>
@@ -3292,7 +5829,7 @@
           <a:cs typeface="+mn-cs"/>
         </a:defRPr>
       </a:lvl8pPr>
-      <a:lvl9pPr marL="3657600" algn="l" defTabSz="914400" rtl="0" eaLnBrk="1" latinLnBrk="0" hangingPunct="1">
+      <a:lvl9pPr marL="3657600" algn="l" defTabSz="457200" rtl="0" eaLnBrk="1" latinLnBrk="0" hangingPunct="1">
         <a:defRPr sz="1800" kern="1200">
           <a:solidFill>
             <a:schemeClr val="tx1"/>
@@ -4339,8 +6876,8 @@
         </p:blipFill>
         <p:spPr>
           <a:xfrm>
-            <a:off x="2492829" y="2540726"/>
-            <a:ext cx="7772400" cy="2548327"/>
+            <a:off x="1007497" y="2540726"/>
+            <a:ext cx="10296742" cy="3375980"/>
           </a:xfrm>
           <a:prstGeom prst="rect">
             <a:avLst/>
@@ -4391,15 +6928,7 @@
             <a:pPr algn="ctr"/>
             <a:r>
               <a:rPr lang="en-CA" dirty="0"/>
-              <a:t>Emergency Response via application and Twilio </a:t>
-            </a:r>
-            <a:r>
-              <a:rPr lang="en-CA" dirty="0" err="1"/>
-              <a:t>api</a:t>
-            </a:r>
-            <a:r>
-              <a:rPr lang="en-CA" dirty="0"/>
-              <a:t> </a:t>
+              <a:t>Emergency Response via application and Twilio API </a:t>
             </a:r>
             <a:endParaRPr lang="en-US" dirty="0"/>
           </a:p>
@@ -4434,7 +6963,7 @@
         </p:blipFill>
         <p:spPr bwMode="auto">
           <a:xfrm>
-            <a:off x="5600990" y="2294752"/>
+            <a:off x="5377829" y="2617482"/>
             <a:ext cx="1556077" cy="491947"/>
           </a:xfrm>
           <a:prstGeom prst="rect">
@@ -4474,8 +7003,8 @@
         </p:blipFill>
         <p:spPr>
           <a:xfrm>
-            <a:off x="496387" y="2530928"/>
-            <a:ext cx="2169091" cy="1796144"/>
+            <a:off x="1076405" y="4424017"/>
+            <a:ext cx="1657829" cy="1372787"/>
           </a:xfrm>
           <a:prstGeom prst="rect">
             <a:avLst/>
@@ -4495,10 +7024,232 @@
 </p:sld>
 </file>
 
+<file path=ppt/slides/slide5.xml><?xml version="1.0" encoding="utf-8"?>
+<p:sld xmlns:a="http://schemas.openxmlformats.org/drawingml/2006/main" xmlns:r="http://schemas.openxmlformats.org/officeDocument/2006/relationships" xmlns:p="http://schemas.openxmlformats.org/presentationml/2006/main">
+  <p:cSld>
+    <p:spTree>
+      <p:nvGrpSpPr>
+        <p:cNvPr id="1" name=""/>
+        <p:cNvGrpSpPr/>
+        <p:nvPr/>
+      </p:nvGrpSpPr>
+      <p:grpSpPr>
+        <a:xfrm>
+          <a:off x="0" y="0"/>
+          <a:ext cx="0" cy="0"/>
+          <a:chOff x="0" y="0"/>
+          <a:chExt cx="0" cy="0"/>
+        </a:xfrm>
+      </p:grpSpPr>
+      <p:pic>
+        <p:nvPicPr>
+          <p:cNvPr id="3" name="Picture 2" descr="A screenshot of a website&#10;&#10;Description automatically generated">
+            <a:extLst>
+              <a:ext uri="{FF2B5EF4-FFF2-40B4-BE49-F238E27FC236}">
+                <a16:creationId xmlns:a16="http://schemas.microsoft.com/office/drawing/2014/main" id="{F521244C-F5C0-E04D-9C35-7E0D7ABA2360}"/>
+              </a:ext>
+            </a:extLst>
+          </p:cNvPr>
+          <p:cNvPicPr>
+            <a:picLocks noChangeAspect="1"/>
+          </p:cNvPicPr>
+          <p:nvPr/>
+        </p:nvPicPr>
+        <p:blipFill>
+          <a:blip r:embed="rId2"/>
+          <a:stretch>
+            <a:fillRect/>
+          </a:stretch>
+        </p:blipFill>
+        <p:spPr>
+          <a:xfrm>
+            <a:off x="183533" y="717572"/>
+            <a:ext cx="12008467" cy="5252921"/>
+          </a:xfrm>
+          <a:prstGeom prst="rect">
+            <a:avLst/>
+          </a:prstGeom>
+        </p:spPr>
+      </p:pic>
+      <p:sp>
+        <p:nvSpPr>
+          <p:cNvPr id="4" name="TextBox 3">
+            <a:extLst>
+              <a:ext uri="{FF2B5EF4-FFF2-40B4-BE49-F238E27FC236}">
+                <a16:creationId xmlns:a16="http://schemas.microsoft.com/office/drawing/2014/main" id="{31F8BF46-62F3-16CC-5FC5-E4FB7B78F304}"/>
+              </a:ext>
+            </a:extLst>
+          </p:cNvPr>
+          <p:cNvSpPr txBox="1"/>
+          <p:nvPr/>
+        </p:nvSpPr>
+        <p:spPr>
+          <a:xfrm>
+            <a:off x="183533" y="207213"/>
+            <a:ext cx="1878015" cy="400110"/>
+          </a:xfrm>
+          <a:prstGeom prst="rect">
+            <a:avLst/>
+          </a:prstGeom>
+        </p:spPr>
+        <p:style>
+          <a:lnRef idx="3">
+            <a:schemeClr val="lt1"/>
+          </a:lnRef>
+          <a:fillRef idx="1">
+            <a:schemeClr val="accent2"/>
+          </a:fillRef>
+          <a:effectRef idx="1">
+            <a:schemeClr val="accent2"/>
+          </a:effectRef>
+          <a:fontRef idx="minor">
+            <a:schemeClr val="lt1"/>
+          </a:fontRef>
+        </p:style>
+        <p:txBody>
+          <a:bodyPr wrap="none" rtlCol="0">
+            <a:spAutoFit/>
+          </a:bodyPr>
+          <a:lstStyle/>
+          <a:p>
+            <a:r>
+              <a:rPr lang="en-US" sz="2000" dirty="0">
+                <a:latin typeface="Calibri" panose="020F0502020204030204" pitchFamily="34" charset="0"/>
+                <a:cs typeface="Calibri" panose="020F0502020204030204" pitchFamily="34" charset="0"/>
+              </a:rPr>
+              <a:t>Web application</a:t>
+            </a:r>
+          </a:p>
+        </p:txBody>
+      </p:sp>
+    </p:spTree>
+    <p:extLst>
+      <p:ext uri="{BB962C8B-B14F-4D97-AF65-F5344CB8AC3E}">
+        <p14:creationId xmlns:p14="http://schemas.microsoft.com/office/powerpoint/2010/main" val="1067000890"/>
+      </p:ext>
+    </p:extLst>
+  </p:cSld>
+  <p:clrMapOvr>
+    <a:masterClrMapping/>
+  </p:clrMapOvr>
+</p:sld>
+</file>
+
+<file path=ppt/slides/slide6.xml><?xml version="1.0" encoding="utf-8"?>
+<p:sld xmlns:a="http://schemas.openxmlformats.org/drawingml/2006/main" xmlns:r="http://schemas.openxmlformats.org/officeDocument/2006/relationships" xmlns:p="http://schemas.openxmlformats.org/presentationml/2006/main">
+  <p:cSld>
+    <p:spTree>
+      <p:nvGrpSpPr>
+        <p:cNvPr id="1" name=""/>
+        <p:cNvGrpSpPr/>
+        <p:nvPr/>
+      </p:nvGrpSpPr>
+      <p:grpSpPr>
+        <a:xfrm>
+          <a:off x="0" y="0"/>
+          <a:ext cx="0" cy="0"/>
+          <a:chOff x="0" y="0"/>
+          <a:chExt cx="0" cy="0"/>
+        </a:xfrm>
+      </p:grpSpPr>
+      <p:pic>
+        <p:nvPicPr>
+          <p:cNvPr id="3" name="Picture 2" descr="A screenshot of a chat&#10;&#10;Description automatically generated">
+            <a:extLst>
+              <a:ext uri="{FF2B5EF4-FFF2-40B4-BE49-F238E27FC236}">
+                <a16:creationId xmlns:a16="http://schemas.microsoft.com/office/drawing/2014/main" id="{F91C541C-9842-D202-74B0-FB3B2BB582A3}"/>
+              </a:ext>
+            </a:extLst>
+          </p:cNvPr>
+          <p:cNvPicPr>
+            <a:picLocks noChangeAspect="1"/>
+          </p:cNvPicPr>
+          <p:nvPr/>
+        </p:nvPicPr>
+        <p:blipFill>
+          <a:blip r:embed="rId2"/>
+          <a:stretch>
+            <a:fillRect/>
+          </a:stretch>
+        </p:blipFill>
+        <p:spPr>
+          <a:xfrm>
+            <a:off x="284888" y="2028400"/>
+            <a:ext cx="11622224" cy="2498776"/>
+          </a:xfrm>
+          <a:prstGeom prst="rect">
+            <a:avLst/>
+          </a:prstGeom>
+        </p:spPr>
+      </p:pic>
+      <p:sp>
+        <p:nvSpPr>
+          <p:cNvPr id="4" name="TextBox 3">
+            <a:extLst>
+              <a:ext uri="{FF2B5EF4-FFF2-40B4-BE49-F238E27FC236}">
+                <a16:creationId xmlns:a16="http://schemas.microsoft.com/office/drawing/2014/main" id="{9EEA8086-3664-8552-D1E8-4DC2A8EE46DA}"/>
+              </a:ext>
+            </a:extLst>
+          </p:cNvPr>
+          <p:cNvSpPr txBox="1"/>
+          <p:nvPr/>
+        </p:nvSpPr>
+        <p:spPr>
+          <a:xfrm>
+            <a:off x="183533" y="207213"/>
+            <a:ext cx="2943370" cy="400110"/>
+          </a:xfrm>
+          <a:prstGeom prst="rect">
+            <a:avLst/>
+          </a:prstGeom>
+        </p:spPr>
+        <p:style>
+          <a:lnRef idx="3">
+            <a:schemeClr val="lt1"/>
+          </a:lnRef>
+          <a:fillRef idx="1">
+            <a:schemeClr val="accent2"/>
+          </a:fillRef>
+          <a:effectRef idx="1">
+            <a:schemeClr val="accent2"/>
+          </a:effectRef>
+          <a:fontRef idx="minor">
+            <a:schemeClr val="lt1"/>
+          </a:fontRef>
+        </p:style>
+        <p:txBody>
+          <a:bodyPr wrap="none" rtlCol="0">
+            <a:spAutoFit/>
+          </a:bodyPr>
+          <a:lstStyle/>
+          <a:p>
+            <a:r>
+              <a:rPr lang="en-US" sz="2000" dirty="0">
+                <a:latin typeface="Calibri" panose="020F0502020204030204" pitchFamily="34" charset="0"/>
+                <a:cs typeface="Calibri" panose="020F0502020204030204" pitchFamily="34" charset="0"/>
+              </a:rPr>
+              <a:t>AI backed Chatbot prompt</a:t>
+            </a:r>
+          </a:p>
+        </p:txBody>
+      </p:sp>
+    </p:spTree>
+    <p:extLst>
+      <p:ext uri="{BB962C8B-B14F-4D97-AF65-F5344CB8AC3E}">
+        <p14:creationId xmlns:p14="http://schemas.microsoft.com/office/powerpoint/2010/main" val="3175324790"/>
+      </p:ext>
+    </p:extLst>
+  </p:cSld>
+  <p:clrMapOvr>
+    <a:masterClrMapping/>
+  </p:clrMapOvr>
+</p:sld>
+</file>
+
 <file path=ppt/theme/theme1.xml><?xml version="1.0" encoding="utf-8"?>
-<a:theme xmlns:a="http://schemas.openxmlformats.org/drawingml/2006/main" name="Office Theme">
+<a:theme xmlns:a="http://schemas.openxmlformats.org/drawingml/2006/main" name="Celestial">
   <a:themeElements>
-    <a:clrScheme name="Office">
+    <a:clrScheme name="Celestial">
       <a:dk1>
         <a:sysClr val="windowText" lastClr="000000"/>
       </a:dk1>
@@ -4506,44 +7257,44 @@
         <a:sysClr val="window" lastClr="FFFFFF"/>
       </a:lt1>
       <a:dk2>
-        <a:srgbClr val="0E2841"/>
+        <a:srgbClr val="104C7E"/>
       </a:dk2>
       <a:lt2>
-        <a:srgbClr val="E8E8E8"/>
+        <a:srgbClr val="EBEBEB"/>
       </a:lt2>
       <a:accent1>
-        <a:srgbClr val="156082"/>
+        <a:srgbClr val="94CE67"/>
       </a:accent1>
       <a:accent2>
-        <a:srgbClr val="E97132"/>
+        <a:srgbClr val="49D1CD"/>
       </a:accent2>
       <a:accent3>
-        <a:srgbClr val="196B24"/>
+        <a:srgbClr val="61A5D6"/>
       </a:accent3>
       <a:accent4>
-        <a:srgbClr val="0F9ED5"/>
+        <a:srgbClr val="9D8CD3"/>
       </a:accent4>
       <a:accent5>
-        <a:srgbClr val="A02B93"/>
+        <a:srgbClr val="E45C8A"/>
       </a:accent5>
       <a:accent6>
-        <a:srgbClr val="4EA72E"/>
+        <a:srgbClr val="F98C61"/>
       </a:accent6>
       <a:hlink>
-        <a:srgbClr val="467886"/>
+        <a:srgbClr val="AAF172"/>
       </a:hlink>
       <a:folHlink>
-        <a:srgbClr val="96607D"/>
+        <a:srgbClr val="E7F19A"/>
       </a:folHlink>
     </a:clrScheme>
-    <a:fontScheme name="Office">
+    <a:fontScheme name="Celestial">
       <a:majorFont>
-        <a:latin typeface="Aptos Display" panose="02110004020202020204"/>
+        <a:latin typeface="Calibri Light" panose="020F0302020204030204"/>
         <a:ea typeface=""/>
         <a:cs typeface=""/>
-        <a:font script="Jpan" typeface="游ゴシック Light"/>
+        <a:font script="Jpan" typeface="ＭＳ Ｐゴシック"/>
         <a:font script="Hang" typeface="맑은 고딕"/>
-        <a:font script="Hans" typeface="等线 Light"/>
+        <a:font script="Hans" typeface="宋体"/>
         <a:font script="Hant" typeface="新細明體"/>
         <a:font script="Arab" typeface="Times New Roman"/>
         <a:font script="Hebr" typeface="Times New Roman"/>
@@ -4571,31 +7322,14 @@
         <a:font script="Viet" typeface="Times New Roman"/>
         <a:font script="Uigh" typeface="Microsoft Uighur"/>
         <a:font script="Geor" typeface="Sylfaen"/>
-        <a:font script="Armn" typeface="Arial"/>
-        <a:font script="Bugi" typeface="Leelawadee UI"/>
-        <a:font script="Bopo" typeface="Microsoft JhengHei"/>
-        <a:font script="Java" typeface="Javanese Text"/>
-        <a:font script="Lisu" typeface="Segoe UI"/>
-        <a:font script="Mymr" typeface="Myanmar Text"/>
-        <a:font script="Nkoo" typeface="Ebrima"/>
-        <a:font script="Olck" typeface="Nirmala UI"/>
-        <a:font script="Osma" typeface="Ebrima"/>
-        <a:font script="Phag" typeface="Phagspa"/>
-        <a:font script="Syrn" typeface="Estrangelo Edessa"/>
-        <a:font script="Syrj" typeface="Estrangelo Edessa"/>
-        <a:font script="Syre" typeface="Estrangelo Edessa"/>
-        <a:font script="Sora" typeface="Nirmala UI"/>
-        <a:font script="Tale" typeface="Microsoft Tai Le"/>
-        <a:font script="Talu" typeface="Microsoft New Tai Lue"/>
-        <a:font script="Tfng" typeface="Ebrima"/>
       </a:majorFont>
       <a:minorFont>
-        <a:latin typeface="Aptos" panose="02110004020202020204"/>
+        <a:latin typeface="Calibri" panose="020F0502020204030204"/>
         <a:ea typeface=""/>
         <a:cs typeface=""/>
-        <a:font script="Jpan" typeface="游ゴシック"/>
+        <a:font script="Jpan" typeface="ＭＳ Ｐゴシック"/>
         <a:font script="Hang" typeface="맑은 고딕"/>
-        <a:font script="Hans" typeface="等线"/>
+        <a:font script="Hans" typeface="宋体"/>
         <a:font script="Hant" typeface="新細明體"/>
         <a:font script="Arab" typeface="Arial"/>
         <a:font script="Hebr" typeface="Arial"/>
@@ -4623,26 +7357,9 @@
         <a:font script="Viet" typeface="Arial"/>
         <a:font script="Uigh" typeface="Microsoft Uighur"/>
         <a:font script="Geor" typeface="Sylfaen"/>
-        <a:font script="Armn" typeface="Arial"/>
-        <a:font script="Bugi" typeface="Leelawadee UI"/>
-        <a:font script="Bopo" typeface="Microsoft JhengHei"/>
-        <a:font script="Java" typeface="Javanese Text"/>
-        <a:font script="Lisu" typeface="Segoe UI"/>
-        <a:font script="Mymr" typeface="Myanmar Text"/>
-        <a:font script="Nkoo" typeface="Ebrima"/>
-        <a:font script="Olck" typeface="Nirmala UI"/>
-        <a:font script="Osma" typeface="Ebrima"/>
-        <a:font script="Phag" typeface="Phagspa"/>
-        <a:font script="Syrn" typeface="Estrangelo Edessa"/>
-        <a:font script="Syrj" typeface="Estrangelo Edessa"/>
-        <a:font script="Syre" typeface="Estrangelo Edessa"/>
-        <a:font script="Sora" typeface="Nirmala UI"/>
-        <a:font script="Tale" typeface="Microsoft Tai Le"/>
-        <a:font script="Talu" typeface="Microsoft New Tai Lue"/>
-        <a:font script="Tfng" typeface="Ebrima"/>
       </a:minorFont>
     </a:fontScheme>
-    <a:fmtScheme name="Office">
+    <a:fmtScheme name="Celestial">
       <a:fillStyleLst>
         <a:solidFill>
           <a:schemeClr val="phClr"/>
@@ -4651,23 +7368,14 @@
           <a:gsLst>
             <a:gs pos="0">
               <a:schemeClr val="phClr">
+                <a:tint val="70000"/>
                 <a:lumMod val="110000"/>
-                <a:satMod val="105000"/>
-                <a:tint val="67000"/>
-              </a:schemeClr>
-            </a:gs>
-            <a:gs pos="50000">
-              <a:schemeClr val="phClr">
-                <a:lumMod val="105000"/>
-                <a:satMod val="103000"/>
-                <a:tint val="73000"/>
               </a:schemeClr>
             </a:gs>
             <a:gs pos="100000">
               <a:schemeClr val="phClr">
-                <a:lumMod val="105000"/>
-                <a:satMod val="109000"/>
-                <a:tint val="81000"/>
+                <a:tint val="82000"/>
+                <a:alpha val="74000"/>
               </a:schemeClr>
             </a:gs>
           </a:gsLst>
@@ -4677,50 +7385,38 @@
           <a:gsLst>
             <a:gs pos="0">
               <a:schemeClr val="phClr">
-                <a:satMod val="103000"/>
-                <a:lumMod val="102000"/>
-                <a:tint val="94000"/>
-              </a:schemeClr>
-            </a:gs>
-            <a:gs pos="50000">
-              <a:schemeClr val="phClr">
-                <a:satMod val="110000"/>
+                <a:tint val="98000"/>
                 <a:lumMod val="100000"/>
-                <a:shade val="100000"/>
               </a:schemeClr>
             </a:gs>
             <a:gs pos="100000">
               <a:schemeClr val="phClr">
-                <a:lumMod val="99000"/>
-                <a:satMod val="120000"/>
-                <a:shade val="78000"/>
+                <a:shade val="88000"/>
+                <a:lumMod val="88000"/>
               </a:schemeClr>
             </a:gs>
           </a:gsLst>
-          <a:lin ang="5400000" scaled="0"/>
+          <a:lin ang="5400000" scaled="1"/>
         </a:gradFill>
       </a:fillStyleLst>
       <a:lnStyleLst>
-        <a:ln w="12700" cap="flat" cmpd="sng" algn="ctr">
+        <a:ln w="9525" cap="rnd" cmpd="sng" algn="ctr">
           <a:solidFill>
             <a:schemeClr val="phClr"/>
           </a:solidFill>
           <a:prstDash val="solid"/>
-          <a:miter lim="800000"/>
         </a:ln>
-        <a:ln w="19050" cap="flat" cmpd="sng" algn="ctr">
+        <a:ln w="19050" cap="rnd" cmpd="sng" algn="ctr">
           <a:solidFill>
             <a:schemeClr val="phClr"/>
           </a:solidFill>
           <a:prstDash val="solid"/>
-          <a:miter lim="800000"/>
         </a:ln>
-        <a:ln w="25400" cap="flat" cmpd="sng" algn="ctr">
+        <a:ln w="25400" cap="rnd" cmpd="sng" algn="ctr">
           <a:solidFill>
             <a:schemeClr val="phClr"/>
           </a:solidFill>
           <a:prstDash val="solid"/>
-          <a:miter lim="800000"/>
         </a:ln>
       </a:lnStyleLst>
       <a:effectStyleLst>
@@ -4728,83 +7424,72 @@
           <a:effectLst/>
         </a:effectStyle>
         <a:effectStyle>
-          <a:effectLst/>
+          <a:effectLst>
+            <a:outerShdw blurRad="50800" dist="38100" dir="5400000" rotWithShape="0">
+              <a:srgbClr val="000000">
+                <a:alpha val="35000"/>
+              </a:srgbClr>
+            </a:outerShdw>
+          </a:effectLst>
         </a:effectStyle>
         <a:effectStyle>
           <a:effectLst>
-            <a:outerShdw blurRad="57150" dist="19050" dir="5400000" algn="ctr" rotWithShape="0">
+            <a:outerShdw blurRad="63500" dist="38100" dir="5400000" rotWithShape="0">
               <a:srgbClr val="000000">
-                <a:alpha val="63000"/>
+                <a:alpha val="65000"/>
               </a:srgbClr>
             </a:outerShdw>
           </a:effectLst>
+          <a:scene3d>
+            <a:camera prst="orthographicFront">
+              <a:rot lat="0" lon="0" rev="0"/>
+            </a:camera>
+            <a:lightRig rig="threePt" dir="tl">
+              <a:rot lat="0" lon="0" rev="1200000"/>
+            </a:lightRig>
+          </a:scene3d>
+          <a:sp3d>
+            <a:bevelT w="38100" h="12700"/>
+          </a:sp3d>
         </a:effectStyle>
       </a:effectStyleLst>
       <a:bgFillStyleLst>
         <a:solidFill>
           <a:schemeClr val="phClr"/>
         </a:solidFill>
-        <a:solidFill>
-          <a:schemeClr val="phClr">
-            <a:tint val="95000"/>
-            <a:satMod val="170000"/>
-          </a:schemeClr>
-        </a:solidFill>
         <a:gradFill rotWithShape="1">
           <a:gsLst>
             <a:gs pos="0">
               <a:schemeClr val="phClr">
-                <a:tint val="93000"/>
-                <a:satMod val="150000"/>
-                <a:shade val="98000"/>
-                <a:lumMod val="102000"/>
-              </a:schemeClr>
-            </a:gs>
-            <a:gs pos="50000">
-              <a:schemeClr val="phClr">
-                <a:tint val="98000"/>
-                <a:satMod val="130000"/>
-                <a:shade val="90000"/>
-                <a:lumMod val="103000"/>
+                <a:tint val="90000"/>
+                <a:shade val="96000"/>
+                <a:hueMod val="100000"/>
+                <a:satMod val="180000"/>
+                <a:lumMod val="110000"/>
               </a:schemeClr>
             </a:gs>
             <a:gs pos="100000">
               <a:schemeClr val="phClr">
-                <a:shade val="63000"/>
-                <a:satMod val="120000"/>
+                <a:shade val="96000"/>
+                <a:satMod val="160000"/>
+                <a:lumMod val="100000"/>
               </a:schemeClr>
             </a:gs>
           </a:gsLst>
-          <a:lin ang="5400000" scaled="0"/>
+          <a:lin ang="4740000" scaled="1"/>
         </a:gradFill>
+        <a:blipFill>
+          <a:blip xmlns:r="http://schemas.openxmlformats.org/officeDocument/2006/relationships" r:embed="rId1"/>
+          <a:stretch/>
+        </a:blipFill>
       </a:bgFillStyleLst>
     </a:fmtScheme>
   </a:themeElements>
-  <a:objectDefaults>
-    <a:lnDef>
-      <a:spPr/>
-      <a:bodyPr/>
-      <a:lstStyle/>
-      <a:style>
-        <a:lnRef idx="2">
-          <a:schemeClr val="accent1"/>
-        </a:lnRef>
-        <a:fillRef idx="0">
-          <a:schemeClr val="accent1"/>
-        </a:fillRef>
-        <a:effectRef idx="1">
-          <a:schemeClr val="accent1"/>
-        </a:effectRef>
-        <a:fontRef idx="minor">
-          <a:schemeClr val="tx1"/>
-        </a:fontRef>
-      </a:style>
-    </a:lnDef>
-  </a:objectDefaults>
+  <a:objectDefaults/>
   <a:extraClrSchemeLst/>
   <a:extLst>
     <a:ext uri="{05A4C25C-085E-4340-85A3-A5531E510DB2}">
-      <thm15:themeFamily xmlns:thm15="http://schemas.microsoft.com/office/thememl/2012/main" name="Office Theme" id="{2E142A2C-CD16-42D6-873A-C26D2A0506FA}" vid="{1BDDFF52-6CD6-40A5-AB3C-68EB2F1E4D0A}"/>
+      <thm15:themeFamily xmlns:thm15="http://schemas.microsoft.com/office/thememl/2012/main" name="Celestial" id="{C4BB2A3D-0E93-4C5F-B0D2-9D3FCE089CC5}" vid="{E44E6A2F-09CD-4BE0-B42D-107FF03CEED6}"/>
     </a:ext>
   </a:extLst>
 </a:theme>
